--- a/lectures/TAC-Session01.pptx
+++ b/lectures/TAC-Session01.pptx
@@ -9,17 +9,17 @@
     <p:sldId id="257" r:id="rId3"/>
     <p:sldId id="295" r:id="rId4"/>
     <p:sldId id="296" r:id="rId5"/>
-    <p:sldId id="300" r:id="rId6"/>
-    <p:sldId id="299" r:id="rId7"/>
-    <p:sldId id="306" r:id="rId8"/>
-    <p:sldId id="307" r:id="rId9"/>
-    <p:sldId id="308" r:id="rId10"/>
-    <p:sldId id="301" r:id="rId11"/>
-    <p:sldId id="302" r:id="rId12"/>
-    <p:sldId id="303" r:id="rId13"/>
-    <p:sldId id="304" r:id="rId14"/>
-    <p:sldId id="305" r:id="rId15"/>
-    <p:sldId id="309" r:id="rId16"/>
+    <p:sldId id="309" r:id="rId6"/>
+    <p:sldId id="300" r:id="rId7"/>
+    <p:sldId id="299" r:id="rId8"/>
+    <p:sldId id="306" r:id="rId9"/>
+    <p:sldId id="307" r:id="rId10"/>
+    <p:sldId id="308" r:id="rId11"/>
+    <p:sldId id="301" r:id="rId12"/>
+    <p:sldId id="302" r:id="rId13"/>
+    <p:sldId id="303" r:id="rId14"/>
+    <p:sldId id="304" r:id="rId15"/>
+    <p:sldId id="305" r:id="rId16"/>
     <p:sldId id="310" r:id="rId17"/>
   </p:sldIdLst>
   <p:sldSz cx="12192000" cy="6858000"/>
@@ -130,7 +130,7 @@
 <file path=ppt/revisionInfo.xml><?xml version="1.0" encoding="utf-8"?>
 <p1510:revInfo xmlns:a="http://schemas.openxmlformats.org/drawingml/2006/main" xmlns:r="http://schemas.openxmlformats.org/officeDocument/2006/relationships" xmlns:p1510="http://schemas.microsoft.com/office/powerpoint/2015/10/main">
   <p1510:revLst>
-    <p1510:client id="{B63BAC68-9A13-EFE2-D6CD-349F312BABF1}" v="222" dt="2024-09-13T13:10:01.365"/>
+    <p1510:client id="{98E287A4-6EE1-B9F5-F329-654B98469B2D}" v="3" dt="2024-09-19T13:18:32.565"/>
   </p1510:revLst>
 </p1510:revInfo>
 </file>
@@ -264,7 +264,7 @@
           <a:p>
             <a:fld id="{E431C0BB-DC71-4713-A787-95011EDB8CA8}" type="datetimeFigureOut">
               <a:rPr lang="pt-PT" smtClean="0"/>
-              <a:t>13/09/2024</a:t>
+              <a:t>19/09/2024</a:t>
             </a:fld>
             <a:endParaRPr lang="pt-PT"/>
           </a:p>
@@ -432,7 +432,7 @@
           <a:p>
             <a:fld id="{E431C0BB-DC71-4713-A787-95011EDB8CA8}" type="datetimeFigureOut">
               <a:rPr lang="pt-PT" smtClean="0"/>
-              <a:t>13/09/2024</a:t>
+              <a:t>19/09/2024</a:t>
             </a:fld>
             <a:endParaRPr lang="pt-PT"/>
           </a:p>
@@ -610,7 +610,7 @@
           <a:p>
             <a:fld id="{E431C0BB-DC71-4713-A787-95011EDB8CA8}" type="datetimeFigureOut">
               <a:rPr lang="pt-PT" smtClean="0"/>
-              <a:t>13/09/2024</a:t>
+              <a:t>19/09/2024</a:t>
             </a:fld>
             <a:endParaRPr lang="pt-PT"/>
           </a:p>
@@ -778,7 +778,7 @@
           <a:p>
             <a:fld id="{E431C0BB-DC71-4713-A787-95011EDB8CA8}" type="datetimeFigureOut">
               <a:rPr lang="pt-PT" smtClean="0"/>
-              <a:t>13/09/2024</a:t>
+              <a:t>19/09/2024</a:t>
             </a:fld>
             <a:endParaRPr lang="pt-PT"/>
           </a:p>
@@ -1023,7 +1023,7 @@
           <a:p>
             <a:fld id="{E431C0BB-DC71-4713-A787-95011EDB8CA8}" type="datetimeFigureOut">
               <a:rPr lang="pt-PT" smtClean="0"/>
-              <a:t>13/09/2024</a:t>
+              <a:t>19/09/2024</a:t>
             </a:fld>
             <a:endParaRPr lang="pt-PT"/>
           </a:p>
@@ -1252,7 +1252,7 @@
           <a:p>
             <a:fld id="{E431C0BB-DC71-4713-A787-95011EDB8CA8}" type="datetimeFigureOut">
               <a:rPr lang="pt-PT" smtClean="0"/>
-              <a:t>13/09/2024</a:t>
+              <a:t>19/09/2024</a:t>
             </a:fld>
             <a:endParaRPr lang="pt-PT"/>
           </a:p>
@@ -1616,7 +1616,7 @@
           <a:p>
             <a:fld id="{E431C0BB-DC71-4713-A787-95011EDB8CA8}" type="datetimeFigureOut">
               <a:rPr lang="pt-PT" smtClean="0"/>
-              <a:t>13/09/2024</a:t>
+              <a:t>19/09/2024</a:t>
             </a:fld>
             <a:endParaRPr lang="pt-PT"/>
           </a:p>
@@ -1733,7 +1733,7 @@
           <a:p>
             <a:fld id="{E431C0BB-DC71-4713-A787-95011EDB8CA8}" type="datetimeFigureOut">
               <a:rPr lang="pt-PT" smtClean="0"/>
-              <a:t>13/09/2024</a:t>
+              <a:t>19/09/2024</a:t>
             </a:fld>
             <a:endParaRPr lang="pt-PT"/>
           </a:p>
@@ -1828,7 +1828,7 @@
           <a:p>
             <a:fld id="{E431C0BB-DC71-4713-A787-95011EDB8CA8}" type="datetimeFigureOut">
               <a:rPr lang="pt-PT" smtClean="0"/>
-              <a:t>13/09/2024</a:t>
+              <a:t>19/09/2024</a:t>
             </a:fld>
             <a:endParaRPr lang="pt-PT"/>
           </a:p>
@@ -2103,7 +2103,7 @@
           <a:p>
             <a:fld id="{E431C0BB-DC71-4713-A787-95011EDB8CA8}" type="datetimeFigureOut">
               <a:rPr lang="pt-PT" smtClean="0"/>
-              <a:t>13/09/2024</a:t>
+              <a:t>19/09/2024</a:t>
             </a:fld>
             <a:endParaRPr lang="pt-PT"/>
           </a:p>
@@ -2355,7 +2355,7 @@
           <a:p>
             <a:fld id="{E431C0BB-DC71-4713-A787-95011EDB8CA8}" type="datetimeFigureOut">
               <a:rPr lang="pt-PT" smtClean="0"/>
-              <a:t>13/09/2024</a:t>
+              <a:t>19/09/2024</a:t>
             </a:fld>
             <a:endParaRPr lang="pt-PT"/>
           </a:p>
@@ -2566,7 +2566,7 @@
           <a:p>
             <a:fld id="{E431C0BB-DC71-4713-A787-95011EDB8CA8}" type="datetimeFigureOut">
               <a:rPr lang="pt-PT" smtClean="0"/>
-              <a:t>13/09/2024</a:t>
+              <a:t>19/09/2024</a:t>
             </a:fld>
             <a:endParaRPr lang="pt-PT"/>
           </a:p>
@@ -3943,94 +3943,86 @@
           <a:lstStyle/>
           <a:p>
             <a:r>
-              <a:rPr lang="pt-PT" sz="3600" b="1" dirty="0" err="1">
+              <a:rPr lang="pt-PT" sz="3600" b="1" dirty="0">
                 <a:solidFill>
                   <a:srgbClr val="092953"/>
                 </a:solidFill>
                 <a:latin typeface="Cambria"/>
                 <a:ea typeface="Cambria"/>
-                <a:cs typeface="+mj-lt"/>
-              </a:rPr>
-              <a:t>Why</a:t>
-            </a:r>
-            <a:r>
-              <a:rPr lang="pt-PT" sz="3600" b="1" dirty="0">
+              </a:rPr>
+              <a:t>Twitter </a:t>
+            </a:r>
+            <a:r>
+              <a:rPr lang="pt-PT" sz="3600" b="1" dirty="0" err="1">
                 <a:solidFill>
                   <a:srgbClr val="092953"/>
                 </a:solidFill>
                 <a:latin typeface="Cambria"/>
                 <a:ea typeface="Cambria"/>
-                <a:cs typeface="+mj-lt"/>
-              </a:rPr>
-              <a:t> </a:t>
-            </a:r>
-            <a:r>
-              <a:rPr lang="pt-PT" sz="3600" b="1" dirty="0" err="1">
+              </a:rPr>
+              <a:t>Sentiment</a:t>
+            </a:r>
+            <a:r>
+              <a:rPr lang="pt-PT" sz="3600" b="1" dirty="0">
                 <a:solidFill>
                   <a:srgbClr val="092953"/>
                 </a:solidFill>
                 <a:latin typeface="Cambria"/>
                 <a:ea typeface="Cambria"/>
-                <a:cs typeface="+mj-lt"/>
-              </a:rPr>
-              <a:t>Organizations</a:t>
-            </a:r>
-            <a:r>
-              <a:rPr lang="pt-PT" sz="3600" b="1" dirty="0">
+              </a:rPr>
+              <a:t> </a:t>
+            </a:r>
+            <a:r>
+              <a:rPr lang="pt-PT" sz="3600" b="1" dirty="0" err="1">
                 <a:solidFill>
                   <a:srgbClr val="092953"/>
                 </a:solidFill>
                 <a:latin typeface="Cambria"/>
                 <a:ea typeface="Cambria"/>
-                <a:cs typeface="+mj-lt"/>
-              </a:rPr>
-              <a:t> Use </a:t>
-            </a:r>
-            <a:r>
-              <a:rPr lang="pt-PT" sz="3600" b="1" dirty="0" err="1">
+              </a:rPr>
+              <a:t>vs</a:t>
+            </a:r>
+            <a:r>
+              <a:rPr lang="pt-PT" sz="3600" b="1" dirty="0">
                 <a:solidFill>
                   <a:srgbClr val="092953"/>
                 </a:solidFill>
                 <a:latin typeface="Cambria"/>
                 <a:ea typeface="Cambria"/>
-                <a:cs typeface="+mj-lt"/>
-              </a:rPr>
-              <a:t>Sentiment</a:t>
-            </a:r>
-            <a:r>
-              <a:rPr lang="pt-PT" sz="3600" b="1" dirty="0">
+              </a:rPr>
+              <a:t> </a:t>
+            </a:r>
+            <a:r>
+              <a:rPr lang="pt-PT" sz="3600" b="1" dirty="0" err="1">
                 <a:solidFill>
                   <a:srgbClr val="092953"/>
                 </a:solidFill>
                 <a:latin typeface="Cambria"/>
                 <a:ea typeface="Cambria"/>
-                <a:cs typeface="+mj-lt"/>
-              </a:rPr>
-              <a:t> </a:t>
-            </a:r>
-            <a:r>
-              <a:rPr lang="pt-PT" sz="3600" b="1" dirty="0" err="1">
+              </a:rPr>
+              <a:t>Consumer</a:t>
+            </a:r>
+            <a:r>
+              <a:rPr lang="pt-PT" sz="3600" b="1" dirty="0">
                 <a:solidFill>
                   <a:srgbClr val="092953"/>
                 </a:solidFill>
                 <a:latin typeface="Cambria"/>
                 <a:ea typeface="Cambria"/>
-                <a:cs typeface="+mj-lt"/>
-              </a:rPr>
-              <a:t>Analysis</a:t>
-            </a:r>
-            <a:r>
-              <a:rPr lang="pt-PT" sz="3600" b="1" dirty="0">
+              </a:rPr>
+              <a:t> </a:t>
+            </a:r>
+            <a:r>
+              <a:rPr lang="pt-PT" sz="3600" b="1" dirty="0" err="1">
                 <a:solidFill>
                   <a:srgbClr val="092953"/>
                 </a:solidFill>
                 <a:latin typeface="Cambria"/>
                 <a:ea typeface="Cambria"/>
-                <a:cs typeface="+mj-lt"/>
-              </a:rPr>
-              <a:t>?</a:t>
-            </a:r>
-            <a:endParaRPr lang="pt-PT" sz="3600" b="1" dirty="0" err="1">
+              </a:rPr>
+              <a:t>Confidence</a:t>
+            </a:r>
+            <a:endParaRPr lang="pt-PT" sz="3600" b="1" dirty="0">
               <a:solidFill>
                 <a:srgbClr val="092953"/>
               </a:solidFill>
@@ -4343,271 +4335,12 @@
           </a:p>
         </p:txBody>
       </p:sp>
-      <p:sp>
-        <p:nvSpPr>
-          <p:cNvPr id="13" name="Marcador de Posição de Conteúdo 2">
+      <p:pic>
+        <p:nvPicPr>
+          <p:cNvPr id="9" name="Imagem 8" descr="Uma imagem com texto, captura de ecrã, Tipo de letra, file&#10;&#10;Descrição gerada automaticamente">
             <a:extLst>
               <a:ext uri="{FF2B5EF4-FFF2-40B4-BE49-F238E27FC236}">
-                <a16:creationId xmlns:a16="http://schemas.microsoft.com/office/drawing/2014/main" id="{346549F7-7FAF-F179-80E2-ABADD06E085E}"/>
-              </a:ext>
-            </a:extLst>
-          </p:cNvPr>
-          <p:cNvSpPr txBox="1">
-            <a:spLocks/>
-          </p:cNvSpPr>
-          <p:nvPr/>
-        </p:nvSpPr>
-        <p:spPr>
-          <a:xfrm>
-            <a:off x="611660" y="1331355"/>
-            <a:ext cx="11040761" cy="5041256"/>
-          </a:xfrm>
-          <a:prstGeom prst="rect">
-            <a:avLst/>
-          </a:prstGeom>
-        </p:spPr>
-        <p:txBody>
-          <a:bodyPr vert="horz" lIns="91440" tIns="45720" rIns="91440" bIns="45720" rtlCol="0" anchor="t">
-            <a:normAutofit/>
-          </a:bodyPr>
-          <a:lstStyle>
-            <a:lvl1pPr marL="228600" indent="-228600" algn="l" defTabSz="914400" rtl="0" eaLnBrk="1" latinLnBrk="0" hangingPunct="1">
-              <a:lnSpc>
-                <a:spcPct val="90000"/>
-              </a:lnSpc>
-              <a:spcBef>
-                <a:spcPts val="1000"/>
-              </a:spcBef>
-              <a:buFont typeface="Arial" panose="020B0604020202020204" pitchFamily="34" charset="0"/>
-              <a:buChar char="•"/>
-              <a:defRPr sz="2800" kern="1200">
-                <a:solidFill>
-                  <a:schemeClr val="tx1"/>
-                </a:solidFill>
-                <a:latin typeface="+mn-lt"/>
-                <a:ea typeface="+mn-ea"/>
-                <a:cs typeface="+mn-cs"/>
-              </a:defRPr>
-            </a:lvl1pPr>
-            <a:lvl2pPr marL="685800" indent="-228600" algn="l" defTabSz="914400" rtl="0" eaLnBrk="1" latinLnBrk="0" hangingPunct="1">
-              <a:lnSpc>
-                <a:spcPct val="90000"/>
-              </a:lnSpc>
-              <a:spcBef>
-                <a:spcPts val="500"/>
-              </a:spcBef>
-              <a:buFont typeface="Arial" panose="020B0604020202020204" pitchFamily="34" charset="0"/>
-              <a:buChar char="•"/>
-              <a:defRPr sz="2400" kern="1200">
-                <a:solidFill>
-                  <a:schemeClr val="tx1"/>
-                </a:solidFill>
-                <a:latin typeface="+mn-lt"/>
-                <a:ea typeface="+mn-ea"/>
-                <a:cs typeface="+mn-cs"/>
-              </a:defRPr>
-            </a:lvl2pPr>
-            <a:lvl3pPr marL="1143000" indent="-228600" algn="l" defTabSz="914400" rtl="0" eaLnBrk="1" latinLnBrk="0" hangingPunct="1">
-              <a:lnSpc>
-                <a:spcPct val="90000"/>
-              </a:lnSpc>
-              <a:spcBef>
-                <a:spcPts val="500"/>
-              </a:spcBef>
-              <a:buFont typeface="Arial" panose="020B0604020202020204" pitchFamily="34" charset="0"/>
-              <a:buChar char="•"/>
-              <a:defRPr sz="2000" kern="1200">
-                <a:solidFill>
-                  <a:schemeClr val="tx1"/>
-                </a:solidFill>
-                <a:latin typeface="+mn-lt"/>
-                <a:ea typeface="+mn-ea"/>
-                <a:cs typeface="+mn-cs"/>
-              </a:defRPr>
-            </a:lvl3pPr>
-            <a:lvl4pPr marL="1600200" indent="-228600" algn="l" defTabSz="914400" rtl="0" eaLnBrk="1" latinLnBrk="0" hangingPunct="1">
-              <a:lnSpc>
-                <a:spcPct val="90000"/>
-              </a:lnSpc>
-              <a:spcBef>
-                <a:spcPts val="500"/>
-              </a:spcBef>
-              <a:buFont typeface="Arial" panose="020B0604020202020204" pitchFamily="34" charset="0"/>
-              <a:buChar char="•"/>
-              <a:defRPr sz="1800" kern="1200">
-                <a:solidFill>
-                  <a:schemeClr val="tx1"/>
-                </a:solidFill>
-                <a:latin typeface="+mn-lt"/>
-                <a:ea typeface="+mn-ea"/>
-                <a:cs typeface="+mn-cs"/>
-              </a:defRPr>
-            </a:lvl4pPr>
-            <a:lvl5pPr marL="2057400" indent="-228600" algn="l" defTabSz="914400" rtl="0" eaLnBrk="1" latinLnBrk="0" hangingPunct="1">
-              <a:lnSpc>
-                <a:spcPct val="90000"/>
-              </a:lnSpc>
-              <a:spcBef>
-                <a:spcPts val="500"/>
-              </a:spcBef>
-              <a:buFont typeface="Arial" panose="020B0604020202020204" pitchFamily="34" charset="0"/>
-              <a:buChar char="•"/>
-              <a:defRPr sz="1800" kern="1200">
-                <a:solidFill>
-                  <a:schemeClr val="tx1"/>
-                </a:solidFill>
-                <a:latin typeface="+mn-lt"/>
-                <a:ea typeface="+mn-ea"/>
-                <a:cs typeface="+mn-cs"/>
-              </a:defRPr>
-            </a:lvl5pPr>
-            <a:lvl6pPr marL="2514600" indent="-228600" algn="l" defTabSz="914400" rtl="0" eaLnBrk="1" latinLnBrk="0" hangingPunct="1">
-              <a:lnSpc>
-                <a:spcPct val="90000"/>
-              </a:lnSpc>
-              <a:spcBef>
-                <a:spcPts val="500"/>
-              </a:spcBef>
-              <a:buFont typeface="Arial" panose="020B0604020202020204" pitchFamily="34" charset="0"/>
-              <a:buChar char="•"/>
-              <a:defRPr sz="1800" kern="1200">
-                <a:solidFill>
-                  <a:schemeClr val="tx1"/>
-                </a:solidFill>
-                <a:latin typeface="+mn-lt"/>
-                <a:ea typeface="+mn-ea"/>
-                <a:cs typeface="+mn-cs"/>
-              </a:defRPr>
-            </a:lvl6pPr>
-            <a:lvl7pPr marL="2971800" indent="-228600" algn="l" defTabSz="914400" rtl="0" eaLnBrk="1" latinLnBrk="0" hangingPunct="1">
-              <a:lnSpc>
-                <a:spcPct val="90000"/>
-              </a:lnSpc>
-              <a:spcBef>
-                <a:spcPts val="500"/>
-              </a:spcBef>
-              <a:buFont typeface="Arial" panose="020B0604020202020204" pitchFamily="34" charset="0"/>
-              <a:buChar char="•"/>
-              <a:defRPr sz="1800" kern="1200">
-                <a:solidFill>
-                  <a:schemeClr val="tx1"/>
-                </a:solidFill>
-                <a:latin typeface="+mn-lt"/>
-                <a:ea typeface="+mn-ea"/>
-                <a:cs typeface="+mn-cs"/>
-              </a:defRPr>
-            </a:lvl7pPr>
-            <a:lvl8pPr marL="3429000" indent="-228600" algn="l" defTabSz="914400" rtl="0" eaLnBrk="1" latinLnBrk="0" hangingPunct="1">
-              <a:lnSpc>
-                <a:spcPct val="90000"/>
-              </a:lnSpc>
-              <a:spcBef>
-                <a:spcPts val="500"/>
-              </a:spcBef>
-              <a:buFont typeface="Arial" panose="020B0604020202020204" pitchFamily="34" charset="0"/>
-              <a:buChar char="•"/>
-              <a:defRPr sz="1800" kern="1200">
-                <a:solidFill>
-                  <a:schemeClr val="tx1"/>
-                </a:solidFill>
-                <a:latin typeface="+mn-lt"/>
-                <a:ea typeface="+mn-ea"/>
-                <a:cs typeface="+mn-cs"/>
-              </a:defRPr>
-            </a:lvl8pPr>
-            <a:lvl9pPr marL="3886200" indent="-228600" algn="l" defTabSz="914400" rtl="0" eaLnBrk="1" latinLnBrk="0" hangingPunct="1">
-              <a:lnSpc>
-                <a:spcPct val="90000"/>
-              </a:lnSpc>
-              <a:spcBef>
-                <a:spcPts val="500"/>
-              </a:spcBef>
-              <a:buFont typeface="Arial" panose="020B0604020202020204" pitchFamily="34" charset="0"/>
-              <a:buChar char="•"/>
-              <a:defRPr sz="1800" kern="1200">
-                <a:solidFill>
-                  <a:schemeClr val="tx1"/>
-                </a:solidFill>
-                <a:latin typeface="+mn-lt"/>
-                <a:ea typeface="+mn-ea"/>
-                <a:cs typeface="+mn-cs"/>
-              </a:defRPr>
-            </a:lvl9pPr>
-          </a:lstStyle>
-          <a:p>
-            <a:pPr algn="just"/>
-            <a:r>
-              <a:rPr lang="pt-PT" sz="3000" b="1" err="1">
-                <a:ea typeface="+mn-lt"/>
-                <a:cs typeface="+mn-lt"/>
-              </a:rPr>
-              <a:t>Customer</a:t>
-            </a:r>
-            <a:r>
-              <a:rPr lang="pt-PT" sz="3000" b="1" dirty="0">
-                <a:ea typeface="+mn-lt"/>
-                <a:cs typeface="+mn-lt"/>
-              </a:rPr>
-              <a:t> Feedback: </a:t>
-            </a:r>
-            <a:r>
-              <a:rPr lang="pt-PT" sz="3000" err="1">
-                <a:ea typeface="+mn-lt"/>
-                <a:cs typeface="+mn-lt"/>
-              </a:rPr>
-              <a:t>Understanding</a:t>
-            </a:r>
-            <a:r>
-              <a:rPr lang="pt-PT" sz="3000" dirty="0">
-                <a:ea typeface="+mn-lt"/>
-                <a:cs typeface="+mn-lt"/>
-              </a:rPr>
-              <a:t> </a:t>
-            </a:r>
-            <a:r>
-              <a:rPr lang="pt-PT" sz="3000" err="1">
-                <a:ea typeface="+mn-lt"/>
-                <a:cs typeface="+mn-lt"/>
-              </a:rPr>
-              <a:t>consumer</a:t>
-            </a:r>
-            <a:r>
-              <a:rPr lang="pt-PT" sz="3000" dirty="0">
-                <a:ea typeface="+mn-lt"/>
-                <a:cs typeface="+mn-lt"/>
-              </a:rPr>
-              <a:t> </a:t>
-            </a:r>
-            <a:r>
-              <a:rPr lang="pt-PT" sz="3000" err="1">
-                <a:ea typeface="+mn-lt"/>
-                <a:cs typeface="+mn-lt"/>
-              </a:rPr>
-              <a:t>opinions</a:t>
-            </a:r>
-            <a:endParaRPr lang="pt-PT" sz="3000">
-              <a:ea typeface="+mn-lt"/>
-              <a:cs typeface="+mn-lt"/>
-            </a:endParaRPr>
-          </a:p>
-          <a:p>
-            <a:pPr lvl="1" algn="just">
-              <a:buFont typeface="Courier New" panose="020B0604020202020204" pitchFamily="34" charset="0"/>
-              <a:buChar char="o"/>
-            </a:pPr>
-            <a:endParaRPr lang="pt-PT" sz="2200" dirty="0">
-              <a:ea typeface="+mn-lt"/>
-              <a:cs typeface="+mn-lt"/>
-            </a:endParaRPr>
-          </a:p>
-        </p:txBody>
-      </p:sp>
-      <p:pic>
-        <p:nvPicPr>
-          <p:cNvPr id="9" name="Imagem 8" descr="Uma imagem com clipart, desenho, ilustração&#10;&#10;Descrição gerada automaticamente">
-            <a:extLst>
-              <a:ext uri="{FF2B5EF4-FFF2-40B4-BE49-F238E27FC236}">
-                <a16:creationId xmlns:a16="http://schemas.microsoft.com/office/drawing/2014/main" id="{7E915D4D-2FBB-CD7A-4841-14DC4BE45806}"/>
+                <a16:creationId xmlns:a16="http://schemas.microsoft.com/office/drawing/2014/main" id="{0207EE48-7065-8A6E-5926-6E2A39C8C4DD}"/>
               </a:ext>
             </a:extLst>
           </p:cNvPr>
@@ -4618,14 +4351,13 @@
         </p:nvPicPr>
         <p:blipFill>
           <a:blip r:embed="rId3"/>
-          <a:stretch>
-            <a:fillRect/>
-          </a:stretch>
+          <a:srcRect l="10420" t="34063" r="12249" b="13382"/>
+          <a:stretch/>
         </p:blipFill>
         <p:spPr>
           <a:xfrm>
-            <a:off x="2224215" y="2136154"/>
-            <a:ext cx="7825945" cy="3996422"/>
+            <a:off x="896353" y="1070811"/>
+            <a:ext cx="10388819" cy="5300766"/>
           </a:xfrm>
           <a:prstGeom prst="rect">
             <a:avLst/>
@@ -4635,7 +4367,7 @@
     </p:spTree>
     <p:extLst>
       <p:ext uri="{BB962C8B-B14F-4D97-AF65-F5344CB8AC3E}">
-        <p14:creationId xmlns:p14="http://schemas.microsoft.com/office/powerpoint/2010/main" val="2159497179"/>
+        <p14:creationId xmlns:p14="http://schemas.microsoft.com/office/powerpoint/2010/main" val="3143410818"/>
       </p:ext>
     </p:extLst>
   </p:cSld>
@@ -5285,32 +5017,39 @@
           <a:p>
             <a:pPr algn="just"/>
             <a:r>
+              <a:rPr lang="pt-PT" sz="3000" b="1" err="1">
+                <a:ea typeface="+mn-lt"/>
+                <a:cs typeface="+mn-lt"/>
+              </a:rPr>
+              <a:t>Customer</a:t>
+            </a:r>
+            <a:r>
               <a:rPr lang="pt-PT" sz="3000" b="1" dirty="0">
                 <a:ea typeface="+mn-lt"/>
                 <a:cs typeface="+mn-lt"/>
               </a:rPr>
-              <a:t>Brand </a:t>
-            </a:r>
-            <a:r>
-              <a:rPr lang="pt-PT" sz="3000" b="1" dirty="0" err="1">
-                <a:ea typeface="+mn-lt"/>
-                <a:cs typeface="+mn-lt"/>
-              </a:rPr>
-              <a:t>Monitoring</a:t>
+              <a:t> Feedback: </a:t>
+            </a:r>
+            <a:r>
+              <a:rPr lang="pt-PT" sz="3000" err="1">
+                <a:ea typeface="+mn-lt"/>
+                <a:cs typeface="+mn-lt"/>
+              </a:rPr>
+              <a:t>Understanding</a:t>
             </a:r>
             <a:r>
               <a:rPr lang="pt-PT" sz="3000" dirty="0">
                 <a:ea typeface="+mn-lt"/>
                 <a:cs typeface="+mn-lt"/>
               </a:rPr>
-              <a:t>: </a:t>
-            </a:r>
-            <a:r>
-              <a:rPr lang="pt-PT" sz="3000" dirty="0" err="1">
-                <a:ea typeface="+mn-lt"/>
-                <a:cs typeface="+mn-lt"/>
-              </a:rPr>
-              <a:t>Tracking</a:t>
+              <a:t> </a:t>
+            </a:r>
+            <a:r>
+              <a:rPr lang="pt-PT" sz="3000" err="1">
+                <a:ea typeface="+mn-lt"/>
+                <a:cs typeface="+mn-lt"/>
+              </a:rPr>
+              <a:t>consumer</a:t>
             </a:r>
             <a:r>
               <a:rPr lang="pt-PT" sz="3000" dirty="0">
@@ -5320,27 +5059,16 @@
               <a:t> </a:t>
             </a:r>
             <a:r>
-              <a:rPr lang="pt-PT" sz="3000" dirty="0" err="1">
-                <a:ea typeface="+mn-lt"/>
-                <a:cs typeface="+mn-lt"/>
-              </a:rPr>
-              <a:t>brand</a:t>
-            </a:r>
-            <a:r>
-              <a:rPr lang="pt-PT" sz="3000" dirty="0">
-                <a:ea typeface="+mn-lt"/>
-                <a:cs typeface="+mn-lt"/>
-              </a:rPr>
-              <a:t> </a:t>
-            </a:r>
-            <a:r>
-              <a:rPr lang="pt-PT" sz="3000" dirty="0" err="1">
-                <a:ea typeface="+mn-lt"/>
-                <a:cs typeface="+mn-lt"/>
-              </a:rPr>
-              <a:t>reputation</a:t>
-            </a:r>
-            <a:endParaRPr lang="pt-PT" sz="3000" dirty="0" err="1"/>
+              <a:rPr lang="pt-PT" sz="3000" err="1">
+                <a:ea typeface="+mn-lt"/>
+                <a:cs typeface="+mn-lt"/>
+              </a:rPr>
+              <a:t>opinions</a:t>
+            </a:r>
+            <a:endParaRPr lang="pt-PT" sz="3000">
+              <a:ea typeface="+mn-lt"/>
+              <a:cs typeface="+mn-lt"/>
+            </a:endParaRPr>
           </a:p>
           <a:p>
             <a:pPr lvl="1" algn="just">
@@ -5352,21 +5080,14 @@
               <a:cs typeface="+mn-lt"/>
             </a:endParaRPr>
           </a:p>
-          <a:p>
-            <a:pPr lvl="1" algn="just">
-              <a:buFont typeface="Courier New" panose="020B0604020202020204" pitchFamily="34" charset="0"/>
-              <a:buChar char="o"/>
-            </a:pPr>
-            <a:endParaRPr lang="pt-PT" sz="2600" dirty="0"/>
-          </a:p>
         </p:txBody>
       </p:sp>
       <p:pic>
         <p:nvPicPr>
-          <p:cNvPr id="3" name="Imagem 2" descr="Uma imagem com texto, desenho, captura de ecrã, clipart&#10;&#10;Descrição gerada automaticamente">
+          <p:cNvPr id="9" name="Imagem 8" descr="Uma imagem com clipart, desenho, ilustração&#10;&#10;Descrição gerada automaticamente">
             <a:extLst>
               <a:ext uri="{FF2B5EF4-FFF2-40B4-BE49-F238E27FC236}">
-                <a16:creationId xmlns:a16="http://schemas.microsoft.com/office/drawing/2014/main" id="{0AD125FC-A47A-7BD2-E832-DC2E6DB20ECE}"/>
+                <a16:creationId xmlns:a16="http://schemas.microsoft.com/office/drawing/2014/main" id="{7E915D4D-2FBB-CD7A-4841-14DC4BE45806}"/>
               </a:ext>
             </a:extLst>
           </p:cNvPr>
@@ -5383,8 +5104,8 @@
         </p:blipFill>
         <p:spPr>
           <a:xfrm>
-            <a:off x="3506656" y="2257167"/>
-            <a:ext cx="5261066" cy="4114800"/>
+            <a:off x="2224215" y="2136154"/>
+            <a:ext cx="7825945" cy="3996422"/>
           </a:xfrm>
           <a:prstGeom prst="rect">
             <a:avLst/>
@@ -5394,7 +5115,7 @@
     </p:spTree>
     <p:extLst>
       <p:ext uri="{BB962C8B-B14F-4D97-AF65-F5344CB8AC3E}">
-        <p14:creationId xmlns:p14="http://schemas.microsoft.com/office/powerpoint/2010/main" val="644567146"/>
+        <p14:creationId xmlns:p14="http://schemas.microsoft.com/office/powerpoint/2010/main" val="2159497179"/>
       </p:ext>
     </p:extLst>
   </p:cSld>
@@ -6044,25 +5765,18 @@
           <a:p>
             <a:pPr algn="just"/>
             <a:r>
+              <a:rPr lang="pt-PT" sz="3000" b="1" dirty="0">
+                <a:ea typeface="+mn-lt"/>
+                <a:cs typeface="+mn-lt"/>
+              </a:rPr>
+              <a:t>Brand </a:t>
+            </a:r>
+            <a:r>
               <a:rPr lang="pt-PT" sz="3000" b="1" dirty="0" err="1">
                 <a:ea typeface="+mn-lt"/>
                 <a:cs typeface="+mn-lt"/>
               </a:rPr>
-              <a:t>Competitive</a:t>
-            </a:r>
-            <a:r>
-              <a:rPr lang="pt-PT" sz="3000" b="1" dirty="0">
-                <a:ea typeface="+mn-lt"/>
-                <a:cs typeface="+mn-lt"/>
-              </a:rPr>
-              <a:t> </a:t>
-            </a:r>
-            <a:r>
-              <a:rPr lang="pt-PT" sz="3000" b="1" dirty="0" err="1">
-                <a:ea typeface="+mn-lt"/>
-                <a:cs typeface="+mn-lt"/>
-              </a:rPr>
-              <a:t>Analysis</a:t>
+              <a:t>Monitoring</a:t>
             </a:r>
             <a:r>
               <a:rPr lang="pt-PT" sz="3000" dirty="0">
@@ -6076,7 +5790,7 @@
                 <a:ea typeface="+mn-lt"/>
                 <a:cs typeface="+mn-lt"/>
               </a:rPr>
-              <a:t>Analyzing</a:t>
+              <a:t>Tracking</a:t>
             </a:r>
             <a:r>
               <a:rPr lang="pt-PT" sz="3000" dirty="0">
@@ -6090,7 +5804,7 @@
                 <a:ea typeface="+mn-lt"/>
                 <a:cs typeface="+mn-lt"/>
               </a:rPr>
-              <a:t>how</a:t>
+              <a:t>brand</a:t>
             </a:r>
             <a:r>
               <a:rPr lang="pt-PT" sz="3000" dirty="0">
@@ -6104,22 +5818,9 @@
                 <a:ea typeface="+mn-lt"/>
                 <a:cs typeface="+mn-lt"/>
               </a:rPr>
-              <a:t>competitors</a:t>
-            </a:r>
-            <a:r>
-              <a:rPr lang="pt-PT" sz="3000" dirty="0">
-                <a:ea typeface="+mn-lt"/>
-                <a:cs typeface="+mn-lt"/>
-              </a:rPr>
-              <a:t> are </a:t>
-            </a:r>
-            <a:r>
-              <a:rPr lang="pt-PT" sz="3000" dirty="0" err="1">
-                <a:ea typeface="+mn-lt"/>
-                <a:cs typeface="+mn-lt"/>
-              </a:rPr>
-              <a:t>perceived</a:t>
-            </a:r>
+              <a:t>reputation</a:t>
+            </a:r>
+            <a:endParaRPr lang="pt-PT" sz="3000" dirty="0" err="1"/>
           </a:p>
           <a:p>
             <a:pPr lvl="1" algn="just">
@@ -6142,10 +5843,10 @@
       </p:sp>
       <p:pic>
         <p:nvPicPr>
-          <p:cNvPr id="3" name="Imagem 2" descr="Conduct a Competitive Analysis (With Examples) [2024] • Asana">
+          <p:cNvPr id="3" name="Imagem 2" descr="Uma imagem com texto, desenho, captura de ecrã, clipart&#10;&#10;Descrição gerada automaticamente">
             <a:extLst>
               <a:ext uri="{FF2B5EF4-FFF2-40B4-BE49-F238E27FC236}">
-                <a16:creationId xmlns:a16="http://schemas.microsoft.com/office/drawing/2014/main" id="{A8FE665F-E69F-FB8C-4523-02C4997ED556}"/>
+                <a16:creationId xmlns:a16="http://schemas.microsoft.com/office/drawing/2014/main" id="{0AD125FC-A47A-7BD2-E832-DC2E6DB20ECE}"/>
               </a:ext>
             </a:extLst>
           </p:cNvPr>
@@ -6156,13 +5857,14 @@
         </p:nvPicPr>
         <p:blipFill>
           <a:blip r:embed="rId3"/>
-          <a:srcRect t="11628" r="374" b="6312"/>
-          <a:stretch/>
+          <a:stretch>
+            <a:fillRect/>
+          </a:stretch>
         </p:blipFill>
         <p:spPr>
           <a:xfrm>
-            <a:off x="3766751" y="2008385"/>
-            <a:ext cx="4668818" cy="4363535"/>
+            <a:off x="3506656" y="2257167"/>
+            <a:ext cx="5261066" cy="4114800"/>
           </a:xfrm>
           <a:prstGeom prst="rect">
             <a:avLst/>
@@ -6172,7 +5874,7 @@
     </p:spTree>
     <p:extLst>
       <p:ext uri="{BB962C8B-B14F-4D97-AF65-F5344CB8AC3E}">
-        <p14:creationId xmlns:p14="http://schemas.microsoft.com/office/powerpoint/2010/main" val="3737637544"/>
+        <p14:creationId xmlns:p14="http://schemas.microsoft.com/office/powerpoint/2010/main" val="644567146"/>
       </p:ext>
     </p:extLst>
   </p:cSld>
@@ -6645,7 +6347,7 @@
         <p:spPr>
           <a:xfrm>
             <a:off x="611660" y="1331355"/>
-            <a:ext cx="10505302" cy="5041256"/>
+            <a:ext cx="11040761" cy="5041256"/>
           </a:xfrm>
           <a:prstGeom prst="rect">
             <a:avLst/>
@@ -6826,7 +6528,7 @@
                 <a:ea typeface="+mn-lt"/>
                 <a:cs typeface="+mn-lt"/>
               </a:rPr>
-              <a:t>Product</a:t>
+              <a:t>Competitive</a:t>
             </a:r>
             <a:r>
               <a:rPr lang="pt-PT" sz="3000" b="1" dirty="0">
@@ -6840,7 +6542,7 @@
                 <a:ea typeface="+mn-lt"/>
                 <a:cs typeface="+mn-lt"/>
               </a:rPr>
-              <a:t>Improvement</a:t>
+              <a:t>Analysis</a:t>
             </a:r>
             <a:r>
               <a:rPr lang="pt-PT" sz="3000" dirty="0">
@@ -6854,21 +6556,21 @@
                 <a:ea typeface="+mn-lt"/>
                 <a:cs typeface="+mn-lt"/>
               </a:rPr>
-              <a:t>Gathering</a:t>
+              <a:t>Analyzing</a:t>
             </a:r>
             <a:r>
               <a:rPr lang="pt-PT" sz="3000" dirty="0">
                 <a:ea typeface="+mn-lt"/>
                 <a:cs typeface="+mn-lt"/>
               </a:rPr>
-              <a:t> insights for </a:t>
+              <a:t> </a:t>
             </a:r>
             <a:r>
               <a:rPr lang="pt-PT" sz="3000" dirty="0" err="1">
                 <a:ea typeface="+mn-lt"/>
                 <a:cs typeface="+mn-lt"/>
               </a:rPr>
-              <a:t>product</a:t>
+              <a:t>how</a:t>
             </a:r>
             <a:r>
               <a:rPr lang="pt-PT" sz="3000" dirty="0">
@@ -6882,9 +6584,22 @@
                 <a:ea typeface="+mn-lt"/>
                 <a:cs typeface="+mn-lt"/>
               </a:rPr>
-              <a:t>development</a:t>
-            </a:r>
-            <a:endParaRPr lang="pt-PT" sz="3000" dirty="0" err="1"/>
+              <a:t>competitors</a:t>
+            </a:r>
+            <a:r>
+              <a:rPr lang="pt-PT" sz="3000" dirty="0">
+                <a:ea typeface="+mn-lt"/>
+                <a:cs typeface="+mn-lt"/>
+              </a:rPr>
+              <a:t> are </a:t>
+            </a:r>
+            <a:r>
+              <a:rPr lang="pt-PT" sz="3000" dirty="0" err="1">
+                <a:ea typeface="+mn-lt"/>
+                <a:cs typeface="+mn-lt"/>
+              </a:rPr>
+              <a:t>perceived</a:t>
+            </a:r>
           </a:p>
           <a:p>
             <a:pPr lvl="1" algn="just">
@@ -6896,14 +6611,21 @@
               <a:cs typeface="+mn-lt"/>
             </a:endParaRPr>
           </a:p>
+          <a:p>
+            <a:pPr lvl="1" algn="just">
+              <a:buFont typeface="Courier New" panose="020B0604020202020204" pitchFamily="34" charset="0"/>
+              <a:buChar char="o"/>
+            </a:pPr>
+            <a:endParaRPr lang="pt-PT" sz="2600" dirty="0"/>
+          </a:p>
         </p:txBody>
       </p:sp>
       <p:pic>
         <p:nvPicPr>
-          <p:cNvPr id="8" name="Imagem 7" descr="Product Development: The Complete Guide - Qualtrics">
+          <p:cNvPr id="3" name="Imagem 2" descr="Conduct a Competitive Analysis (With Examples) [2024] • Asana">
             <a:extLst>
               <a:ext uri="{FF2B5EF4-FFF2-40B4-BE49-F238E27FC236}">
-                <a16:creationId xmlns:a16="http://schemas.microsoft.com/office/drawing/2014/main" id="{4A970690-3963-79FC-3A54-A318943A4948}"/>
+                <a16:creationId xmlns:a16="http://schemas.microsoft.com/office/drawing/2014/main" id="{A8FE665F-E69F-FB8C-4523-02C4997ED556}"/>
               </a:ext>
             </a:extLst>
           </p:cNvPr>
@@ -6914,14 +6636,13 @@
         </p:nvPicPr>
         <p:blipFill>
           <a:blip r:embed="rId3"/>
-          <a:stretch>
-            <a:fillRect/>
-          </a:stretch>
+          <a:srcRect t="11628" r="374" b="6312"/>
+          <a:stretch/>
         </p:blipFill>
         <p:spPr>
           <a:xfrm>
-            <a:off x="842319" y="558112"/>
-            <a:ext cx="10517657" cy="6884772"/>
+            <a:off x="3766751" y="2008385"/>
+            <a:ext cx="4668818" cy="4363535"/>
           </a:xfrm>
           <a:prstGeom prst="rect">
             <a:avLst/>
@@ -6931,7 +6652,7 @@
     </p:spTree>
     <p:extLst>
       <p:ext uri="{BB962C8B-B14F-4D97-AF65-F5344CB8AC3E}">
-        <p14:creationId xmlns:p14="http://schemas.microsoft.com/office/powerpoint/2010/main" val="2202859018"/>
+        <p14:creationId xmlns:p14="http://schemas.microsoft.com/office/powerpoint/2010/main" val="3737637544"/>
       </p:ext>
     </p:extLst>
   </p:cSld>
@@ -6993,8 +6714,9 @@
                 </a:solidFill>
                 <a:latin typeface="Cambria"/>
                 <a:ea typeface="Cambria"/>
-              </a:rPr>
-              <a:t>About</a:t>
+                <a:cs typeface="+mj-lt"/>
+              </a:rPr>
+              <a:t>Why</a:t>
             </a:r>
             <a:r>
               <a:rPr lang="pt-PT" sz="3600" b="1" dirty="0">
@@ -7003,6 +6725,7 @@
                 </a:solidFill>
                 <a:latin typeface="Cambria"/>
                 <a:ea typeface="Cambria"/>
+                <a:cs typeface="+mj-lt"/>
               </a:rPr>
               <a:t> </a:t>
             </a:r>
@@ -7013,8 +6736,9 @@
                 </a:solidFill>
                 <a:latin typeface="Cambria"/>
                 <a:ea typeface="Cambria"/>
-              </a:rPr>
-              <a:t>this</a:t>
+                <a:cs typeface="+mj-lt"/>
+              </a:rPr>
+              <a:t>Organizations</a:t>
             </a:r>
             <a:r>
               <a:rPr lang="pt-PT" sz="3600" b="1" dirty="0">
@@ -7023,8 +6747,9 @@
                 </a:solidFill>
                 <a:latin typeface="Cambria"/>
                 <a:ea typeface="Cambria"/>
-              </a:rPr>
-              <a:t> </a:t>
+                <a:cs typeface="+mj-lt"/>
+              </a:rPr>
+              <a:t> Use </a:t>
             </a:r>
             <a:r>
               <a:rPr lang="pt-PT" sz="3600" b="1" dirty="0" err="1">
@@ -7033,9 +6758,50 @@
                 </a:solidFill>
                 <a:latin typeface="Cambria"/>
                 <a:ea typeface="Cambria"/>
-              </a:rPr>
-              <a:t>Course</a:t>
-            </a:r>
+                <a:cs typeface="+mj-lt"/>
+              </a:rPr>
+              <a:t>Sentiment</a:t>
+            </a:r>
+            <a:r>
+              <a:rPr lang="pt-PT" sz="3600" b="1" dirty="0">
+                <a:solidFill>
+                  <a:srgbClr val="092953"/>
+                </a:solidFill>
+                <a:latin typeface="Cambria"/>
+                <a:ea typeface="Cambria"/>
+                <a:cs typeface="+mj-lt"/>
+              </a:rPr>
+              <a:t> </a:t>
+            </a:r>
+            <a:r>
+              <a:rPr lang="pt-PT" sz="3600" b="1" dirty="0" err="1">
+                <a:solidFill>
+                  <a:srgbClr val="092953"/>
+                </a:solidFill>
+                <a:latin typeface="Cambria"/>
+                <a:ea typeface="Cambria"/>
+                <a:cs typeface="+mj-lt"/>
+              </a:rPr>
+              <a:t>Analysis</a:t>
+            </a:r>
+            <a:r>
+              <a:rPr lang="pt-PT" sz="3600" b="1" dirty="0">
+                <a:solidFill>
+                  <a:srgbClr val="092953"/>
+                </a:solidFill>
+                <a:latin typeface="Cambria"/>
+                <a:ea typeface="Cambria"/>
+                <a:cs typeface="+mj-lt"/>
+              </a:rPr>
+              <a:t>?</a:t>
+            </a:r>
+            <a:endParaRPr lang="pt-PT" sz="3600" b="1" dirty="0" err="1">
+              <a:solidFill>
+                <a:srgbClr val="092953"/>
+              </a:solidFill>
+              <a:latin typeface="Cambria"/>
+              <a:ea typeface="Cambria"/>
+            </a:endParaRPr>
           </a:p>
         </p:txBody>
       </p:sp>
@@ -7359,7 +7125,7 @@
         <p:spPr>
           <a:xfrm>
             <a:off x="611660" y="1331355"/>
-            <a:ext cx="11040761" cy="5041256"/>
+            <a:ext cx="10505302" cy="5041256"/>
           </a:xfrm>
           <a:prstGeom prst="rect">
             <a:avLst/>
@@ -7536,39 +7302,53 @@
           <a:p>
             <a:pPr algn="just"/>
             <a:r>
-              <a:rPr lang="pt-PT" sz="3000" err="1">
-                <a:ea typeface="+mn-lt"/>
-                <a:cs typeface="+mn-lt"/>
-              </a:rPr>
-              <a:t>We</a:t>
+              <a:rPr lang="pt-PT" sz="3000" b="1" dirty="0" err="1">
+                <a:ea typeface="+mn-lt"/>
+                <a:cs typeface="+mn-lt"/>
+              </a:rPr>
+              <a:t>Product</a:t>
+            </a:r>
+            <a:r>
+              <a:rPr lang="pt-PT" sz="3000" b="1" dirty="0">
+                <a:ea typeface="+mn-lt"/>
+                <a:cs typeface="+mn-lt"/>
+              </a:rPr>
+              <a:t> </a:t>
+            </a:r>
+            <a:r>
+              <a:rPr lang="pt-PT" sz="3000" b="1" dirty="0" err="1">
+                <a:ea typeface="+mn-lt"/>
+                <a:cs typeface="+mn-lt"/>
+              </a:rPr>
+              <a:t>Improvement</a:t>
             </a:r>
             <a:r>
               <a:rPr lang="pt-PT" sz="3000" dirty="0">
                 <a:ea typeface="+mn-lt"/>
                 <a:cs typeface="+mn-lt"/>
               </a:rPr>
-              <a:t> </a:t>
-            </a:r>
-            <a:r>
-              <a:rPr lang="pt-PT" sz="3000" err="1">
-                <a:ea typeface="+mn-lt"/>
-                <a:cs typeface="+mn-lt"/>
-              </a:rPr>
-              <a:t>will</a:t>
+              <a:t>: </a:t>
+            </a:r>
+            <a:r>
+              <a:rPr lang="pt-PT" sz="3000" dirty="0" err="1">
+                <a:ea typeface="+mn-lt"/>
+                <a:cs typeface="+mn-lt"/>
+              </a:rPr>
+              <a:t>Gathering</a:t>
             </a:r>
             <a:r>
               <a:rPr lang="pt-PT" sz="3000" dirty="0">
                 <a:ea typeface="+mn-lt"/>
                 <a:cs typeface="+mn-lt"/>
               </a:rPr>
-              <a:t> </a:t>
-            </a:r>
-            <a:r>
-              <a:rPr lang="pt-PT" sz="3000" err="1">
-                <a:ea typeface="+mn-lt"/>
-                <a:cs typeface="+mn-lt"/>
-              </a:rPr>
-              <a:t>focus</a:t>
+              <a:t> insights for </a:t>
+            </a:r>
+            <a:r>
+              <a:rPr lang="pt-PT" sz="3000" dirty="0" err="1">
+                <a:ea typeface="+mn-lt"/>
+                <a:cs typeface="+mn-lt"/>
+              </a:rPr>
+              <a:t>product</a:t>
             </a:r>
             <a:r>
               <a:rPr lang="pt-PT" sz="3000" dirty="0">
@@ -7578,162 +7358,60 @@
               <a:t> </a:t>
             </a:r>
             <a:r>
-              <a:rPr lang="pt-PT" sz="3000" err="1">
-                <a:ea typeface="+mn-lt"/>
-                <a:cs typeface="+mn-lt"/>
-              </a:rPr>
-              <a:t>manly</a:t>
-            </a:r>
-            <a:r>
-              <a:rPr lang="pt-PT" sz="3000" dirty="0">
-                <a:ea typeface="+mn-lt"/>
-                <a:cs typeface="+mn-lt"/>
-              </a:rPr>
-              <a:t> </a:t>
-            </a:r>
-            <a:r>
-              <a:rPr lang="pt-PT" sz="3000" err="1">
-                <a:ea typeface="+mn-lt"/>
-                <a:cs typeface="+mn-lt"/>
-              </a:rPr>
-              <a:t>on</a:t>
-            </a:r>
-            <a:r>
-              <a:rPr lang="pt-PT" sz="3000" dirty="0">
-                <a:ea typeface="+mn-lt"/>
-                <a:cs typeface="+mn-lt"/>
-              </a:rPr>
-              <a:t> </a:t>
-            </a:r>
-            <a:r>
-              <a:rPr lang="pt-PT" sz="3000" err="1">
-                <a:ea typeface="+mn-lt"/>
-                <a:cs typeface="+mn-lt"/>
-              </a:rPr>
-              <a:t>these</a:t>
-            </a:r>
-            <a:r>
-              <a:rPr lang="pt-PT" sz="3000" dirty="0">
-                <a:ea typeface="+mn-lt"/>
-                <a:cs typeface="+mn-lt"/>
-              </a:rPr>
-              <a:t> </a:t>
-            </a:r>
-            <a:r>
-              <a:rPr lang="pt-PT" sz="3000" err="1">
-                <a:ea typeface="+mn-lt"/>
-                <a:cs typeface="+mn-lt"/>
-              </a:rPr>
-              <a:t>three</a:t>
-            </a:r>
-            <a:r>
-              <a:rPr lang="pt-PT" sz="3000" dirty="0">
-                <a:ea typeface="+mn-lt"/>
-                <a:cs typeface="+mn-lt"/>
-              </a:rPr>
-              <a:t> </a:t>
-            </a:r>
-            <a:r>
-              <a:rPr lang="pt-PT" sz="3000" err="1">
-                <a:ea typeface="+mn-lt"/>
-                <a:cs typeface="+mn-lt"/>
-              </a:rPr>
-              <a:t>topics</a:t>
-            </a:r>
-            <a:r>
-              <a:rPr lang="pt-PT" sz="3000" dirty="0">
-                <a:ea typeface="+mn-lt"/>
-                <a:cs typeface="+mn-lt"/>
-              </a:rPr>
-              <a:t>:</a:t>
-            </a:r>
-          </a:p>
-          <a:p>
-            <a:pPr algn="just"/>
-            <a:endParaRPr lang="pt-PT" sz="3000" dirty="0">
-              <a:ea typeface="+mn-lt"/>
-              <a:cs typeface="+mn-lt"/>
-            </a:endParaRPr>
+              <a:rPr lang="pt-PT" sz="3000" dirty="0" err="1">
+                <a:ea typeface="+mn-lt"/>
+                <a:cs typeface="+mn-lt"/>
+              </a:rPr>
+              <a:t>development</a:t>
+            </a:r>
+            <a:endParaRPr lang="pt-PT" sz="3000" dirty="0" err="1"/>
           </a:p>
           <a:p>
             <a:pPr lvl="1" algn="just">
               <a:buFont typeface="Courier New" panose="020B0604020202020204" pitchFamily="34" charset="0"/>
               <a:buChar char="o"/>
             </a:pPr>
-            <a:r>
-              <a:rPr lang="pt-PT" sz="2600" b="1" dirty="0" err="1">
-                <a:ea typeface="+mn-lt"/>
-                <a:cs typeface="+mn-lt"/>
-              </a:rPr>
-              <a:t>Text</a:t>
-            </a:r>
-            <a:r>
-              <a:rPr lang="pt-PT" sz="2600" b="1" dirty="0">
-                <a:ea typeface="+mn-lt"/>
-                <a:cs typeface="+mn-lt"/>
-              </a:rPr>
-              <a:t> </a:t>
-            </a:r>
-            <a:r>
-              <a:rPr lang="pt-PT" sz="2600" b="1" dirty="0" err="1">
-                <a:ea typeface="+mn-lt"/>
-                <a:cs typeface="+mn-lt"/>
-              </a:rPr>
-              <a:t>Retrieval</a:t>
-            </a:r>
-          </a:p>
-          <a:p>
-            <a:pPr algn="just"/>
-            <a:endParaRPr lang="pt-PT" sz="3000" b="1" dirty="0"/>
-          </a:p>
-          <a:p>
-            <a:pPr lvl="1" algn="just">
-              <a:buFont typeface="Courier New" panose="020B0604020202020204" pitchFamily="34" charset="0"/>
-              <a:buChar char="o"/>
-            </a:pPr>
-            <a:r>
-              <a:rPr lang="pt-PT" sz="2600" b="1" dirty="0" err="1"/>
-              <a:t>Text</a:t>
-            </a:r>
-            <a:r>
-              <a:rPr lang="pt-PT" sz="2600" b="1" dirty="0"/>
-              <a:t> </a:t>
-            </a:r>
-            <a:r>
-              <a:rPr lang="pt-PT" sz="2600" b="1" dirty="0" err="1"/>
-              <a:t>Mining</a:t>
-            </a:r>
-            <a:endParaRPr lang="pt-PT" sz="2600" b="1" dirty="0"/>
-          </a:p>
-          <a:p>
-            <a:pPr algn="just"/>
-            <a:endParaRPr lang="pt-PT" sz="3000" b="1" dirty="0"/>
-          </a:p>
-          <a:p>
-            <a:pPr lvl="1" algn="just">
-              <a:buFont typeface="Courier New" panose="020B0604020202020204" pitchFamily="34" charset="0"/>
-              <a:buChar char="o"/>
-            </a:pPr>
-            <a:r>
-              <a:rPr lang="pt-PT" sz="2600" b="1" err="1"/>
-              <a:t>Sentiment</a:t>
-            </a:r>
-            <a:r>
-              <a:rPr lang="pt-PT" sz="2600" b="1" dirty="0"/>
-              <a:t> </a:t>
-            </a:r>
-            <a:r>
-              <a:rPr lang="pt-PT" sz="2600" b="1" err="1"/>
-              <a:t>Analysis</a:t>
-            </a:r>
-            <a:endParaRPr lang="pt-PT" sz="2600" b="1"/>
+            <a:endParaRPr lang="pt-PT" sz="2200" dirty="0">
+              <a:ea typeface="+mn-lt"/>
+              <a:cs typeface="+mn-lt"/>
+            </a:endParaRPr>
           </a:p>
         </p:txBody>
       </p:sp>
+      <p:pic>
+        <p:nvPicPr>
+          <p:cNvPr id="8" name="Imagem 7" descr="Product Development: The Complete Guide - Qualtrics">
+            <a:extLst>
+              <a:ext uri="{FF2B5EF4-FFF2-40B4-BE49-F238E27FC236}">
+                <a16:creationId xmlns:a16="http://schemas.microsoft.com/office/drawing/2014/main" id="{4A970690-3963-79FC-3A54-A318943A4948}"/>
+              </a:ext>
+            </a:extLst>
+          </p:cNvPr>
+          <p:cNvPicPr>
+            <a:picLocks noChangeAspect="1"/>
+          </p:cNvPicPr>
+          <p:nvPr/>
+        </p:nvPicPr>
+        <p:blipFill>
+          <a:blip r:embed="rId3"/>
+          <a:stretch>
+            <a:fillRect/>
+          </a:stretch>
+        </p:blipFill>
+        <p:spPr>
+          <a:xfrm>
+            <a:off x="842319" y="558112"/>
+            <a:ext cx="10517657" cy="6884772"/>
+          </a:xfrm>
+          <a:prstGeom prst="rect">
+            <a:avLst/>
+          </a:prstGeom>
+        </p:spPr>
+      </p:pic>
     </p:spTree>
     <p:extLst>
       <p:ext uri="{BB962C8B-B14F-4D97-AF65-F5344CB8AC3E}">
-        <p14:creationId xmlns:p14="http://schemas.microsoft.com/office/powerpoint/2010/main" val="2277002905"/>
+        <p14:creationId xmlns:p14="http://schemas.microsoft.com/office/powerpoint/2010/main" val="2202859018"/>
       </p:ext>
     </p:extLst>
   </p:cSld>
@@ -7796,7 +7474,47 @@
                 <a:latin typeface="Cambria"/>
                 <a:ea typeface="Cambria"/>
               </a:rPr>
-              <a:t>Contact</a:t>
+              <a:t>About</a:t>
+            </a:r>
+            <a:r>
+              <a:rPr lang="pt-PT" sz="3600" b="1" dirty="0">
+                <a:solidFill>
+                  <a:srgbClr val="092953"/>
+                </a:solidFill>
+                <a:latin typeface="Cambria"/>
+                <a:ea typeface="Cambria"/>
+              </a:rPr>
+              <a:t> </a:t>
+            </a:r>
+            <a:r>
+              <a:rPr lang="pt-PT" sz="3600" b="1" dirty="0" err="1">
+                <a:solidFill>
+                  <a:srgbClr val="092953"/>
+                </a:solidFill>
+                <a:latin typeface="Cambria"/>
+                <a:ea typeface="Cambria"/>
+              </a:rPr>
+              <a:t>this</a:t>
+            </a:r>
+            <a:r>
+              <a:rPr lang="pt-PT" sz="3600" b="1" dirty="0">
+                <a:solidFill>
+                  <a:srgbClr val="092953"/>
+                </a:solidFill>
+                <a:latin typeface="Cambria"/>
+                <a:ea typeface="Cambria"/>
+              </a:rPr>
+              <a:t> </a:t>
+            </a:r>
+            <a:r>
+              <a:rPr lang="pt-PT" sz="3600" b="1" dirty="0" err="1">
+                <a:solidFill>
+                  <a:srgbClr val="092953"/>
+                </a:solidFill>
+                <a:latin typeface="Cambria"/>
+                <a:ea typeface="Cambria"/>
+              </a:rPr>
+              <a:t>Course</a:t>
             </a:r>
           </a:p>
         </p:txBody>
@@ -8298,53 +8016,124 @@
           <a:p>
             <a:pPr algn="just"/>
             <a:r>
-              <a:rPr lang="pt-PT" sz="3000" dirty="0"/>
-              <a:t>For </a:t>
-            </a:r>
-            <a:r>
-              <a:rPr lang="pt-PT" sz="3000" dirty="0" err="1"/>
-              <a:t>all</a:t>
-            </a:r>
-            <a:r>
-              <a:rPr lang="pt-PT" sz="3000" dirty="0"/>
-              <a:t> </a:t>
-            </a:r>
-            <a:r>
-              <a:rPr lang="pt-PT" sz="3000" dirty="0" err="1"/>
-              <a:t>course-related</a:t>
-            </a:r>
-            <a:r>
-              <a:rPr lang="pt-PT" sz="3000" dirty="0"/>
-              <a:t> </a:t>
-            </a:r>
-            <a:r>
-              <a:rPr lang="pt-PT" sz="3000" dirty="0" err="1"/>
-              <a:t>matters</a:t>
-            </a:r>
-            <a:r>
-              <a:rPr lang="pt-PT" sz="3000" dirty="0"/>
-              <a:t> </a:t>
-            </a:r>
-            <a:r>
-              <a:rPr lang="pt-PT" sz="3000" dirty="0" err="1"/>
-              <a:t>you</a:t>
-            </a:r>
-            <a:r>
-              <a:rPr lang="pt-PT" sz="3000" dirty="0"/>
-              <a:t> can </a:t>
-            </a:r>
-            <a:r>
-              <a:rPr lang="pt-PT" sz="3000" dirty="0" err="1"/>
-              <a:t>contact</a:t>
-            </a:r>
-            <a:r>
-              <a:rPr lang="pt-PT" sz="3000" dirty="0"/>
-              <a:t> me:</a:t>
+              <a:rPr lang="pt-PT" sz="3000" err="1">
+                <a:ea typeface="+mn-lt"/>
+                <a:cs typeface="+mn-lt"/>
+              </a:rPr>
+              <a:t>We</a:t>
+            </a:r>
+            <a:r>
+              <a:rPr lang="pt-PT" sz="3000" dirty="0">
+                <a:ea typeface="+mn-lt"/>
+                <a:cs typeface="+mn-lt"/>
+              </a:rPr>
+              <a:t> </a:t>
+            </a:r>
+            <a:r>
+              <a:rPr lang="pt-PT" sz="3000" err="1">
+                <a:ea typeface="+mn-lt"/>
+                <a:cs typeface="+mn-lt"/>
+              </a:rPr>
+              <a:t>will</a:t>
+            </a:r>
+            <a:r>
+              <a:rPr lang="pt-PT" sz="3000" dirty="0">
+                <a:ea typeface="+mn-lt"/>
+                <a:cs typeface="+mn-lt"/>
+              </a:rPr>
+              <a:t> </a:t>
+            </a:r>
+            <a:r>
+              <a:rPr lang="pt-PT" sz="3000" err="1">
+                <a:ea typeface="+mn-lt"/>
+                <a:cs typeface="+mn-lt"/>
+              </a:rPr>
+              <a:t>focus</a:t>
+            </a:r>
+            <a:r>
+              <a:rPr lang="pt-PT" sz="3000" dirty="0">
+                <a:ea typeface="+mn-lt"/>
+                <a:cs typeface="+mn-lt"/>
+              </a:rPr>
+              <a:t> </a:t>
+            </a:r>
+            <a:r>
+              <a:rPr lang="pt-PT" sz="3000" err="1">
+                <a:ea typeface="+mn-lt"/>
+                <a:cs typeface="+mn-lt"/>
+              </a:rPr>
+              <a:t>manly</a:t>
+            </a:r>
+            <a:r>
+              <a:rPr lang="pt-PT" sz="3000" dirty="0">
+                <a:ea typeface="+mn-lt"/>
+                <a:cs typeface="+mn-lt"/>
+              </a:rPr>
+              <a:t> </a:t>
+            </a:r>
+            <a:r>
+              <a:rPr lang="pt-PT" sz="3000" err="1">
+                <a:ea typeface="+mn-lt"/>
+                <a:cs typeface="+mn-lt"/>
+              </a:rPr>
+              <a:t>on</a:t>
+            </a:r>
+            <a:r>
+              <a:rPr lang="pt-PT" sz="3000" dirty="0">
+                <a:ea typeface="+mn-lt"/>
+                <a:cs typeface="+mn-lt"/>
+              </a:rPr>
+              <a:t> </a:t>
+            </a:r>
+            <a:r>
+              <a:rPr lang="pt-PT" sz="3000" err="1">
+                <a:ea typeface="+mn-lt"/>
+                <a:cs typeface="+mn-lt"/>
+              </a:rPr>
+              <a:t>these</a:t>
+            </a:r>
+            <a:r>
+              <a:rPr lang="pt-PT" sz="3000" dirty="0">
+                <a:ea typeface="+mn-lt"/>
+                <a:cs typeface="+mn-lt"/>
+              </a:rPr>
+              <a:t> </a:t>
+            </a:r>
+            <a:r>
+              <a:rPr lang="pt-PT" sz="3000" err="1">
+                <a:ea typeface="+mn-lt"/>
+                <a:cs typeface="+mn-lt"/>
+              </a:rPr>
+              <a:t>three</a:t>
+            </a:r>
+            <a:r>
+              <a:rPr lang="pt-PT" sz="3000" dirty="0">
+                <a:ea typeface="+mn-lt"/>
+                <a:cs typeface="+mn-lt"/>
+              </a:rPr>
+              <a:t> </a:t>
+            </a:r>
+            <a:r>
+              <a:rPr lang="pt-PT" sz="3000" err="1">
+                <a:ea typeface="+mn-lt"/>
+                <a:cs typeface="+mn-lt"/>
+              </a:rPr>
+              <a:t>topics</a:t>
+            </a:r>
+            <a:r>
+              <a:rPr lang="pt-PT" sz="3000" dirty="0">
+                <a:ea typeface="+mn-lt"/>
+                <a:cs typeface="+mn-lt"/>
+              </a:rPr>
+              <a:t>:</a:t>
             </a:r>
           </a:p>
           <a:p>
             <a:pPr algn="just"/>
-            <a:endParaRPr lang="pt-PT" sz="3000" dirty="0"/>
+            <a:endParaRPr lang="pt-PT" sz="3000" dirty="0">
+              <a:ea typeface="+mn-lt"/>
+              <a:cs typeface="+mn-lt"/>
+            </a:endParaRPr>
           </a:p>
           <a:p>
             <a:pPr lvl="1" algn="just">
@@ -8352,18 +8141,30 @@
               <a:buChar char="o"/>
             </a:pPr>
             <a:r>
-              <a:rPr lang="pt-PT" sz="2600" dirty="0"/>
-              <a:t>joacorreia@ucp.pt</a:t>
-            </a:r>
-          </a:p>
-          <a:p>
-            <a:pPr marL="457200" lvl="1" indent="0" algn="just">
-              <a:buNone/>
-            </a:pPr>
-            <a:r>
-              <a:rPr lang="pt-PT" sz="2600" dirty="0"/>
-              <a:t>OR</a:t>
-            </a:r>
+              <a:rPr lang="pt-PT" sz="2600" b="1" dirty="0" err="1">
+                <a:ea typeface="+mn-lt"/>
+                <a:cs typeface="+mn-lt"/>
+              </a:rPr>
+              <a:t>Text</a:t>
+            </a:r>
+            <a:r>
+              <a:rPr lang="pt-PT" sz="2600" b="1" dirty="0">
+                <a:ea typeface="+mn-lt"/>
+                <a:cs typeface="+mn-lt"/>
+              </a:rPr>
+              <a:t> </a:t>
+            </a:r>
+            <a:r>
+              <a:rPr lang="pt-PT" sz="2600" b="1" dirty="0" err="1">
+                <a:ea typeface="+mn-lt"/>
+                <a:cs typeface="+mn-lt"/>
+              </a:rPr>
+              <a:t>Retrieval</a:t>
+            </a:r>
+          </a:p>
+          <a:p>
+            <a:pPr algn="just"/>
+            <a:endParaRPr lang="pt-PT" sz="3000" b="1" dirty="0"/>
           </a:p>
           <a:p>
             <a:pPr lvl="1" algn="just">
@@ -8371,16 +8172,48 @@
               <a:buChar char="o"/>
             </a:pPr>
             <a:r>
-              <a:rPr lang="pt-PT" sz="2600" dirty="0"/>
-              <a:t>Jfscorreia95@gmail.com</a:t>
-            </a:r>
+              <a:rPr lang="pt-PT" sz="2600" b="1" dirty="0" err="1"/>
+              <a:t>Text</a:t>
+            </a:r>
+            <a:r>
+              <a:rPr lang="pt-PT" sz="2600" b="1" dirty="0"/>
+              <a:t> </a:t>
+            </a:r>
+            <a:r>
+              <a:rPr lang="pt-PT" sz="2600" b="1" dirty="0" err="1"/>
+              <a:t>Mining</a:t>
+            </a:r>
+            <a:endParaRPr lang="pt-PT" sz="2600" b="1" dirty="0"/>
+          </a:p>
+          <a:p>
+            <a:pPr algn="just"/>
+            <a:endParaRPr lang="pt-PT" sz="3000" b="1" dirty="0"/>
+          </a:p>
+          <a:p>
+            <a:pPr lvl="1" algn="just">
+              <a:buFont typeface="Courier New" panose="020B0604020202020204" pitchFamily="34" charset="0"/>
+              <a:buChar char="o"/>
+            </a:pPr>
+            <a:r>
+              <a:rPr lang="pt-PT" sz="2600" b="1" err="1"/>
+              <a:t>Sentiment</a:t>
+            </a:r>
+            <a:r>
+              <a:rPr lang="pt-PT" sz="2600" b="1" dirty="0"/>
+              <a:t> </a:t>
+            </a:r>
+            <a:r>
+              <a:rPr lang="pt-PT" sz="2600" b="1" err="1"/>
+              <a:t>Analysis</a:t>
+            </a:r>
+            <a:endParaRPr lang="pt-PT" sz="2600" b="1"/>
           </a:p>
         </p:txBody>
       </p:sp>
     </p:spTree>
     <p:extLst>
       <p:ext uri="{BB962C8B-B14F-4D97-AF65-F5344CB8AC3E}">
-        <p14:creationId xmlns:p14="http://schemas.microsoft.com/office/powerpoint/2010/main" val="2123529399"/>
+        <p14:creationId xmlns:p14="http://schemas.microsoft.com/office/powerpoint/2010/main" val="2277002905"/>
       </p:ext>
     </p:extLst>
   </p:cSld>
@@ -11659,75 +11492,8 @@
                 <a:latin typeface="Cambria"/>
                 <a:ea typeface="Cambria"/>
               </a:rPr>
-              <a:t>Opinion</a:t>
-            </a:r>
-            <a:r>
-              <a:rPr lang="pt-PT" sz="3600" b="1" dirty="0">
-                <a:solidFill>
-                  <a:srgbClr val="092953"/>
-                </a:solidFill>
-                <a:latin typeface="Cambria"/>
-                <a:ea typeface="Cambria"/>
-              </a:rPr>
-              <a:t> </a:t>
-            </a:r>
-            <a:r>
-              <a:rPr lang="pt-PT" sz="3600" b="1" dirty="0" err="1">
-                <a:solidFill>
-                  <a:srgbClr val="092953"/>
-                </a:solidFill>
-                <a:latin typeface="Cambria"/>
-                <a:ea typeface="Cambria"/>
-              </a:rPr>
-              <a:t>and</a:t>
-            </a:r>
-            <a:r>
-              <a:rPr lang="pt-PT" sz="3600" b="1" dirty="0">
-                <a:solidFill>
-                  <a:srgbClr val="092953"/>
-                </a:solidFill>
-                <a:latin typeface="Cambria"/>
-                <a:ea typeface="Cambria"/>
-              </a:rPr>
-              <a:t> </a:t>
-            </a:r>
-            <a:r>
-              <a:rPr lang="pt-PT" sz="3600" b="1" dirty="0" err="1">
-                <a:solidFill>
-                  <a:srgbClr val="092953"/>
-                </a:solidFill>
-                <a:latin typeface="Cambria"/>
-                <a:ea typeface="Cambria"/>
-              </a:rPr>
-              <a:t>Sentiment</a:t>
-            </a:r>
-            <a:r>
-              <a:rPr lang="pt-PT" sz="3600" b="1" dirty="0">
-                <a:solidFill>
-                  <a:srgbClr val="092953"/>
-                </a:solidFill>
-                <a:latin typeface="Cambria"/>
-                <a:ea typeface="Cambria"/>
-              </a:rPr>
-              <a:t> </a:t>
-            </a:r>
-            <a:r>
-              <a:rPr lang="pt-PT" sz="3600" b="1" dirty="0" err="1">
-                <a:solidFill>
-                  <a:srgbClr val="092953"/>
-                </a:solidFill>
-                <a:latin typeface="Cambria"/>
-                <a:ea typeface="Cambria"/>
-              </a:rPr>
-              <a:t>Analysis</a:t>
-            </a:r>
-            <a:endParaRPr lang="pt-PT" sz="3600" b="1" dirty="0">
-              <a:solidFill>
-                <a:srgbClr val="092953"/>
-              </a:solidFill>
-              <a:latin typeface="Cambria"/>
-              <a:ea typeface="Cambria"/>
-            </a:endParaRPr>
+              <a:t>Contact</a:t>
+            </a:r>
           </a:p>
         </p:txBody>
       </p:sp>
@@ -12051,7 +11817,7 @@
         <p:spPr>
           <a:xfrm>
             <a:off x="611660" y="1331355"/>
-            <a:ext cx="6952735" cy="5041256"/>
+            <a:ext cx="11040761" cy="5041256"/>
           </a:xfrm>
           <a:prstGeom prst="rect">
             <a:avLst/>
@@ -12228,44 +11994,53 @@
           <a:p>
             <a:pPr algn="just"/>
             <a:r>
-              <a:rPr lang="pt-PT" sz="3000" b="1" dirty="0" err="1">
-                <a:ea typeface="+mn-lt"/>
-                <a:cs typeface="+mn-lt"/>
-              </a:rPr>
-              <a:t>Opinion</a:t>
-            </a:r>
-            <a:r>
-              <a:rPr lang="pt-PT" sz="3000" b="1" dirty="0">
-                <a:ea typeface="+mn-lt"/>
-                <a:cs typeface="+mn-lt"/>
-              </a:rPr>
-              <a:t> </a:t>
-            </a:r>
-            <a:r>
-              <a:rPr lang="pt-PT" sz="3000" b="1" dirty="0" err="1">
-                <a:ea typeface="+mn-lt"/>
-                <a:cs typeface="+mn-lt"/>
-              </a:rPr>
-              <a:t>Analysis</a:t>
-            </a:r>
-            <a:r>
-              <a:rPr lang="pt-PT" sz="3000" dirty="0">
-                <a:ea typeface="+mn-lt"/>
-                <a:cs typeface="+mn-lt"/>
-              </a:rPr>
-              <a:t>: </a:t>
-            </a:r>
-            <a:endParaRPr lang="pt-PT" dirty="0">
-              <a:ea typeface="+mn-lt"/>
-              <a:cs typeface="+mn-lt"/>
-            </a:endParaRPr>
+              <a:rPr lang="pt-PT" sz="3000" dirty="0"/>
+              <a:t>For </a:t>
+            </a:r>
+            <a:r>
+              <a:rPr lang="pt-PT" sz="3000" dirty="0" err="1"/>
+              <a:t>all</a:t>
+            </a:r>
+            <a:r>
+              <a:rPr lang="pt-PT" sz="3000" dirty="0"/>
+              <a:t> </a:t>
+            </a:r>
+            <a:r>
+              <a:rPr lang="pt-PT" sz="3000" dirty="0" err="1"/>
+              <a:t>course-related</a:t>
+            </a:r>
+            <a:r>
+              <a:rPr lang="pt-PT" sz="3000" dirty="0"/>
+              <a:t> </a:t>
+            </a:r>
+            <a:r>
+              <a:rPr lang="pt-PT" sz="3000" dirty="0" err="1"/>
+              <a:t>matters</a:t>
+            </a:r>
+            <a:r>
+              <a:rPr lang="pt-PT" sz="3000" dirty="0"/>
+              <a:t> </a:t>
+            </a:r>
+            <a:r>
+              <a:rPr lang="pt-PT" sz="3000" dirty="0" err="1"/>
+              <a:t>you</a:t>
+            </a:r>
+            <a:r>
+              <a:rPr lang="pt-PT" sz="3000" dirty="0"/>
+              <a:t> can </a:t>
+            </a:r>
+            <a:r>
+              <a:rPr lang="pt-PT" sz="3000" dirty="0" err="1"/>
+              <a:t>contact</a:t>
+            </a:r>
+            <a:r>
+              <a:rPr lang="pt-PT" sz="3000" dirty="0"/>
+              <a:t> me:</a:t>
+            </a:r>
           </a:p>
           <a:p>
             <a:pPr algn="just"/>
-            <a:endParaRPr lang="pt-PT" sz="3000" dirty="0">
-              <a:ea typeface="+mn-lt"/>
-              <a:cs typeface="+mn-lt"/>
-            </a:endParaRPr>
+            <a:endParaRPr lang="pt-PT" sz="3000" dirty="0"/>
           </a:p>
           <a:p>
             <a:pPr lvl="1" algn="just">
@@ -12273,615 +12048,35 @@
               <a:buChar char="o"/>
             </a:pPr>
             <a:r>
-              <a:rPr lang="pt-PT" sz="2600" dirty="0" err="1">
-                <a:ea typeface="+mn-lt"/>
-                <a:cs typeface="+mn-lt"/>
-              </a:rPr>
-              <a:t>The</a:t>
-            </a:r>
-            <a:r>
-              <a:rPr lang="pt-PT" sz="2600" dirty="0">
-                <a:ea typeface="+mn-lt"/>
-                <a:cs typeface="+mn-lt"/>
-              </a:rPr>
-              <a:t> </a:t>
-            </a:r>
-            <a:r>
-              <a:rPr lang="pt-PT" sz="2600" dirty="0" err="1">
-                <a:ea typeface="+mn-lt"/>
-                <a:cs typeface="+mn-lt"/>
-              </a:rPr>
-              <a:t>process</a:t>
-            </a:r>
-            <a:r>
-              <a:rPr lang="pt-PT" sz="2600" dirty="0">
-                <a:ea typeface="+mn-lt"/>
-                <a:cs typeface="+mn-lt"/>
-              </a:rPr>
-              <a:t> </a:t>
-            </a:r>
-            <a:r>
-              <a:rPr lang="pt-PT" sz="2600" dirty="0" err="1">
-                <a:ea typeface="+mn-lt"/>
-                <a:cs typeface="+mn-lt"/>
-              </a:rPr>
-              <a:t>of</a:t>
-            </a:r>
-            <a:r>
-              <a:rPr lang="pt-PT" sz="2600" dirty="0">
-                <a:ea typeface="+mn-lt"/>
-                <a:cs typeface="+mn-lt"/>
-              </a:rPr>
-              <a:t> </a:t>
-            </a:r>
-            <a:r>
-              <a:rPr lang="pt-PT" sz="2600" dirty="0" err="1">
-                <a:ea typeface="+mn-lt"/>
-                <a:cs typeface="+mn-lt"/>
-              </a:rPr>
-              <a:t>extracting</a:t>
-            </a:r>
-            <a:r>
-              <a:rPr lang="pt-PT" sz="2600" dirty="0">
-                <a:ea typeface="+mn-lt"/>
-                <a:cs typeface="+mn-lt"/>
-              </a:rPr>
-              <a:t> </a:t>
-            </a:r>
-            <a:r>
-              <a:rPr lang="pt-PT" sz="2600" b="1" dirty="0" err="1">
-                <a:ea typeface="+mn-lt"/>
-                <a:cs typeface="+mn-lt"/>
-              </a:rPr>
-              <a:t>subjective</a:t>
-            </a:r>
-            <a:r>
-              <a:rPr lang="pt-PT" sz="2600" b="1" dirty="0">
-                <a:ea typeface="+mn-lt"/>
-                <a:cs typeface="+mn-lt"/>
-              </a:rPr>
-              <a:t> </a:t>
-            </a:r>
-            <a:r>
-              <a:rPr lang="pt-PT" sz="2600" b="1" dirty="0" err="1">
-                <a:ea typeface="+mn-lt"/>
-                <a:cs typeface="+mn-lt"/>
-              </a:rPr>
-              <a:t>information</a:t>
-            </a:r>
-            <a:r>
-              <a:rPr lang="pt-PT" sz="2600" dirty="0">
-                <a:ea typeface="+mn-lt"/>
-                <a:cs typeface="+mn-lt"/>
-              </a:rPr>
-              <a:t> </a:t>
-            </a:r>
-            <a:r>
-              <a:rPr lang="pt-PT" sz="2600" dirty="0" err="1">
-                <a:ea typeface="+mn-lt"/>
-                <a:cs typeface="+mn-lt"/>
-              </a:rPr>
-              <a:t>from</a:t>
-            </a:r>
-            <a:r>
-              <a:rPr lang="pt-PT" sz="2600" dirty="0">
-                <a:ea typeface="+mn-lt"/>
-                <a:cs typeface="+mn-lt"/>
-              </a:rPr>
-              <a:t> </a:t>
-            </a:r>
-            <a:r>
-              <a:rPr lang="pt-PT" sz="2600" dirty="0" err="1">
-                <a:ea typeface="+mn-lt"/>
-                <a:cs typeface="+mn-lt"/>
-              </a:rPr>
-              <a:t>text</a:t>
-            </a:r>
-            <a:r>
-              <a:rPr lang="pt-PT" sz="2600" dirty="0">
-                <a:ea typeface="+mn-lt"/>
-                <a:cs typeface="+mn-lt"/>
-              </a:rPr>
-              <a:t>. </a:t>
-            </a:r>
-            <a:endParaRPr lang="pt-PT">
-              <a:ea typeface="+mn-lt"/>
-              <a:cs typeface="+mn-lt"/>
-            </a:endParaRPr>
+              <a:rPr lang="pt-PT" sz="2600" dirty="0"/>
+              <a:t>joacorreia@ucp.pt</a:t>
+            </a:r>
+          </a:p>
+          <a:p>
+            <a:pPr marL="457200" lvl="1" indent="0" algn="just">
+              <a:buNone/>
+            </a:pPr>
+            <a:r>
+              <a:rPr lang="pt-PT" sz="2600" dirty="0"/>
+              <a:t>OR</a:t>
+            </a:r>
           </a:p>
           <a:p>
             <a:pPr lvl="1" algn="just">
               <a:buFont typeface="Courier New" panose="020B0604020202020204" pitchFamily="34" charset="0"/>
               <a:buChar char="o"/>
             </a:pPr>
-            <a:endParaRPr lang="pt-PT" sz="2600" dirty="0">
-              <a:ea typeface="+mn-lt"/>
-              <a:cs typeface="+mn-lt"/>
-            </a:endParaRPr>
-          </a:p>
-          <a:p>
-            <a:pPr lvl="1" algn="just">
-              <a:buFont typeface="Courier New" panose="020B0604020202020204" pitchFamily="34" charset="0"/>
-              <a:buChar char="o"/>
-            </a:pPr>
-            <a:r>
-              <a:rPr lang="pt-PT" sz="2600" dirty="0" err="1">
-                <a:ea typeface="+mn-lt"/>
-                <a:cs typeface="+mn-lt"/>
-              </a:rPr>
-              <a:t>It</a:t>
-            </a:r>
-            <a:r>
-              <a:rPr lang="pt-PT" sz="2600" dirty="0">
-                <a:ea typeface="+mn-lt"/>
-                <a:cs typeface="+mn-lt"/>
-              </a:rPr>
-              <a:t> </a:t>
-            </a:r>
-            <a:r>
-              <a:rPr lang="pt-PT" sz="2600" dirty="0" err="1">
-                <a:ea typeface="+mn-lt"/>
-                <a:cs typeface="+mn-lt"/>
-              </a:rPr>
-              <a:t>goes</a:t>
-            </a:r>
-            <a:r>
-              <a:rPr lang="pt-PT" sz="2600" dirty="0">
-                <a:ea typeface="+mn-lt"/>
-                <a:cs typeface="+mn-lt"/>
-              </a:rPr>
-              <a:t> </a:t>
-            </a:r>
-            <a:r>
-              <a:rPr lang="pt-PT" sz="2600" dirty="0" err="1">
-                <a:ea typeface="+mn-lt"/>
-                <a:cs typeface="+mn-lt"/>
-              </a:rPr>
-              <a:t>beyond</a:t>
-            </a:r>
-            <a:r>
-              <a:rPr lang="pt-PT" sz="2600" dirty="0">
-                <a:ea typeface="+mn-lt"/>
-                <a:cs typeface="+mn-lt"/>
-              </a:rPr>
-              <a:t> </a:t>
-            </a:r>
-            <a:r>
-              <a:rPr lang="pt-PT" sz="2600" dirty="0" err="1">
-                <a:ea typeface="+mn-lt"/>
-                <a:cs typeface="+mn-lt"/>
-              </a:rPr>
-              <a:t>just</a:t>
-            </a:r>
-            <a:r>
-              <a:rPr lang="pt-PT" sz="2600" dirty="0">
-                <a:ea typeface="+mn-lt"/>
-                <a:cs typeface="+mn-lt"/>
-              </a:rPr>
-              <a:t> </a:t>
-            </a:r>
-            <a:r>
-              <a:rPr lang="pt-PT" sz="2600" dirty="0" err="1">
-                <a:ea typeface="+mn-lt"/>
-                <a:cs typeface="+mn-lt"/>
-              </a:rPr>
-              <a:t>identifying</a:t>
-            </a:r>
-            <a:r>
-              <a:rPr lang="pt-PT" sz="2600" dirty="0">
-                <a:ea typeface="+mn-lt"/>
-                <a:cs typeface="+mn-lt"/>
-              </a:rPr>
-              <a:t> </a:t>
-            </a:r>
-            <a:r>
-              <a:rPr lang="pt-PT" sz="2600" dirty="0" err="1">
-                <a:ea typeface="+mn-lt"/>
-                <a:cs typeface="+mn-lt"/>
-              </a:rPr>
-              <a:t>whether</a:t>
-            </a:r>
-            <a:r>
-              <a:rPr lang="pt-PT" sz="2600" dirty="0">
-                <a:ea typeface="+mn-lt"/>
-                <a:cs typeface="+mn-lt"/>
-              </a:rPr>
-              <a:t> </a:t>
-            </a:r>
-            <a:r>
-              <a:rPr lang="pt-PT" sz="2600" dirty="0" err="1">
-                <a:ea typeface="+mn-lt"/>
-                <a:cs typeface="+mn-lt"/>
-              </a:rPr>
-              <a:t>the</a:t>
-            </a:r>
-            <a:r>
-              <a:rPr lang="pt-PT" sz="2600" dirty="0">
-                <a:ea typeface="+mn-lt"/>
-                <a:cs typeface="+mn-lt"/>
-              </a:rPr>
-              <a:t> </a:t>
-            </a:r>
-            <a:r>
-              <a:rPr lang="pt-PT" sz="2600" dirty="0" err="1">
-                <a:ea typeface="+mn-lt"/>
-                <a:cs typeface="+mn-lt"/>
-              </a:rPr>
-              <a:t>sentiment</a:t>
-            </a:r>
-            <a:r>
-              <a:rPr lang="pt-PT" sz="2600" dirty="0">
-                <a:ea typeface="+mn-lt"/>
-                <a:cs typeface="+mn-lt"/>
-              </a:rPr>
-              <a:t> </a:t>
-            </a:r>
-            <a:r>
-              <a:rPr lang="pt-PT" sz="2600" dirty="0" err="1">
-                <a:ea typeface="+mn-lt"/>
-                <a:cs typeface="+mn-lt"/>
-              </a:rPr>
-              <a:t>is</a:t>
-            </a:r>
-            <a:r>
-              <a:rPr lang="pt-PT" sz="2600" dirty="0">
-                <a:ea typeface="+mn-lt"/>
-                <a:cs typeface="+mn-lt"/>
-              </a:rPr>
-              <a:t> </a:t>
-            </a:r>
-            <a:r>
-              <a:rPr lang="pt-PT" sz="2600" b="1" dirty="0">
-                <a:ea typeface="+mn-lt"/>
-                <a:cs typeface="+mn-lt"/>
-              </a:rPr>
-              <a:t>positive</a:t>
-            </a:r>
-            <a:r>
-              <a:rPr lang="pt-PT" sz="2600" dirty="0">
-                <a:ea typeface="+mn-lt"/>
-                <a:cs typeface="+mn-lt"/>
-              </a:rPr>
-              <a:t>, </a:t>
-            </a:r>
-            <a:r>
-              <a:rPr lang="pt-PT" sz="2600" b="1" dirty="0">
-                <a:ea typeface="+mn-lt"/>
-                <a:cs typeface="+mn-lt"/>
-              </a:rPr>
-              <a:t>negative</a:t>
-            </a:r>
-            <a:r>
-              <a:rPr lang="pt-PT" sz="2600" dirty="0">
-                <a:ea typeface="+mn-lt"/>
-                <a:cs typeface="+mn-lt"/>
-              </a:rPr>
-              <a:t> </a:t>
-            </a:r>
-            <a:r>
-              <a:rPr lang="pt-PT" sz="2600" dirty="0" err="1">
-                <a:ea typeface="+mn-lt"/>
-                <a:cs typeface="+mn-lt"/>
-              </a:rPr>
-              <a:t>or</a:t>
-            </a:r>
-            <a:r>
-              <a:rPr lang="pt-PT" sz="2600" dirty="0">
-                <a:ea typeface="+mn-lt"/>
-                <a:cs typeface="+mn-lt"/>
-              </a:rPr>
-              <a:t> </a:t>
-            </a:r>
-            <a:r>
-              <a:rPr lang="pt-PT" sz="2600" b="1" dirty="0">
-                <a:ea typeface="+mn-lt"/>
-                <a:cs typeface="+mn-lt"/>
-              </a:rPr>
-              <a:t>neutral</a:t>
-            </a:r>
-            <a:r>
-              <a:rPr lang="pt-PT" sz="2600" dirty="0">
-                <a:ea typeface="+mn-lt"/>
-                <a:cs typeface="+mn-lt"/>
-              </a:rPr>
-              <a:t>. </a:t>
-            </a:r>
-            <a:endParaRPr lang="pt-PT">
-              <a:ea typeface="+mn-lt"/>
-              <a:cs typeface="+mn-lt"/>
-            </a:endParaRPr>
-          </a:p>
-          <a:p>
-            <a:pPr lvl="1" algn="just">
-              <a:buFont typeface="Courier New" panose="020B0604020202020204" pitchFamily="34" charset="0"/>
-              <a:buChar char="o"/>
-            </a:pPr>
-            <a:endParaRPr lang="pt-PT" sz="2600" dirty="0">
-              <a:ea typeface="+mn-lt"/>
-              <a:cs typeface="+mn-lt"/>
-            </a:endParaRPr>
-          </a:p>
-          <a:p>
-            <a:pPr lvl="1" algn="just">
-              <a:buFont typeface="Courier New" panose="020B0604020202020204" pitchFamily="34" charset="0"/>
-              <a:buChar char="o"/>
-            </a:pPr>
-            <a:r>
-              <a:rPr lang="pt-PT" sz="2600" dirty="0" err="1">
-                <a:ea typeface="+mn-lt"/>
-                <a:cs typeface="+mn-lt"/>
-              </a:rPr>
-              <a:t>It</a:t>
-            </a:r>
-            <a:r>
-              <a:rPr lang="pt-PT" sz="2600" dirty="0">
-                <a:ea typeface="+mn-lt"/>
-                <a:cs typeface="+mn-lt"/>
-              </a:rPr>
-              <a:t> can </a:t>
-            </a:r>
-            <a:r>
-              <a:rPr lang="pt-PT" sz="2600" dirty="0" err="1">
-                <a:ea typeface="+mn-lt"/>
-                <a:cs typeface="+mn-lt"/>
-              </a:rPr>
-              <a:t>include</a:t>
-            </a:r>
-            <a:r>
-              <a:rPr lang="pt-PT" sz="2600" dirty="0">
-                <a:ea typeface="+mn-lt"/>
-                <a:cs typeface="+mn-lt"/>
-              </a:rPr>
-              <a:t> </a:t>
-            </a:r>
-            <a:r>
-              <a:rPr lang="pt-PT" sz="2600" dirty="0" err="1">
-                <a:ea typeface="+mn-lt"/>
-                <a:cs typeface="+mn-lt"/>
-              </a:rPr>
-              <a:t>identifying</a:t>
-            </a:r>
-            <a:r>
-              <a:rPr lang="pt-PT" sz="2600" dirty="0">
-                <a:ea typeface="+mn-lt"/>
-                <a:cs typeface="+mn-lt"/>
-              </a:rPr>
-              <a:t> </a:t>
-            </a:r>
-            <a:r>
-              <a:rPr lang="pt-PT" sz="2600" dirty="0" err="1">
-                <a:ea typeface="+mn-lt"/>
-                <a:cs typeface="+mn-lt"/>
-              </a:rPr>
-              <a:t>the</a:t>
-            </a:r>
-            <a:r>
-              <a:rPr lang="pt-PT" sz="2600" dirty="0">
-                <a:ea typeface="+mn-lt"/>
-                <a:cs typeface="+mn-lt"/>
-              </a:rPr>
-              <a:t> </a:t>
-            </a:r>
-            <a:r>
-              <a:rPr lang="pt-PT" sz="2600" b="1" dirty="0">
-                <a:ea typeface="+mn-lt"/>
-                <a:cs typeface="+mn-lt"/>
-              </a:rPr>
-              <a:t>target</a:t>
-            </a:r>
-            <a:r>
-              <a:rPr lang="pt-PT" sz="2600" dirty="0">
-                <a:ea typeface="+mn-lt"/>
-                <a:cs typeface="+mn-lt"/>
-              </a:rPr>
-              <a:t> </a:t>
-            </a:r>
-            <a:r>
-              <a:rPr lang="pt-PT" sz="2600" dirty="0" err="1">
-                <a:ea typeface="+mn-lt"/>
-                <a:cs typeface="+mn-lt"/>
-              </a:rPr>
-              <a:t>of</a:t>
-            </a:r>
-            <a:r>
-              <a:rPr lang="pt-PT" sz="2600" dirty="0">
-                <a:ea typeface="+mn-lt"/>
-                <a:cs typeface="+mn-lt"/>
-              </a:rPr>
-              <a:t> </a:t>
-            </a:r>
-            <a:r>
-              <a:rPr lang="pt-PT" sz="2600" dirty="0" err="1">
-                <a:ea typeface="+mn-lt"/>
-                <a:cs typeface="+mn-lt"/>
-              </a:rPr>
-              <a:t>the</a:t>
-            </a:r>
-            <a:r>
-              <a:rPr lang="pt-PT" sz="2600" dirty="0">
-                <a:ea typeface="+mn-lt"/>
-                <a:cs typeface="+mn-lt"/>
-              </a:rPr>
-              <a:t> </a:t>
-            </a:r>
-            <a:r>
-              <a:rPr lang="pt-PT" sz="2600" dirty="0" err="1">
-                <a:ea typeface="+mn-lt"/>
-                <a:cs typeface="+mn-lt"/>
-              </a:rPr>
-              <a:t>opinion</a:t>
-            </a:r>
-            <a:r>
-              <a:rPr lang="pt-PT" sz="2600" dirty="0">
-                <a:ea typeface="+mn-lt"/>
-                <a:cs typeface="+mn-lt"/>
-              </a:rPr>
-              <a:t>, </a:t>
-            </a:r>
-            <a:r>
-              <a:rPr lang="pt-PT" sz="2600" dirty="0" err="1">
-                <a:ea typeface="+mn-lt"/>
-                <a:cs typeface="+mn-lt"/>
-              </a:rPr>
-              <a:t>the</a:t>
-            </a:r>
-            <a:r>
-              <a:rPr lang="pt-PT" sz="2600" dirty="0">
-                <a:ea typeface="+mn-lt"/>
-                <a:cs typeface="+mn-lt"/>
-              </a:rPr>
-              <a:t> </a:t>
-            </a:r>
-            <a:r>
-              <a:rPr lang="pt-PT" sz="2600" b="1" dirty="0" err="1">
-                <a:ea typeface="+mn-lt"/>
-                <a:cs typeface="+mn-lt"/>
-              </a:rPr>
-              <a:t>strength</a:t>
-            </a:r>
-            <a:r>
-              <a:rPr lang="pt-PT" sz="2600" b="1" dirty="0">
-                <a:ea typeface="+mn-lt"/>
-                <a:cs typeface="+mn-lt"/>
-              </a:rPr>
-              <a:t> </a:t>
-            </a:r>
-            <a:r>
-              <a:rPr lang="pt-PT" sz="2600" b="1" dirty="0" err="1">
-                <a:ea typeface="+mn-lt"/>
-                <a:cs typeface="+mn-lt"/>
-              </a:rPr>
-              <a:t>of</a:t>
-            </a:r>
-            <a:r>
-              <a:rPr lang="pt-PT" sz="2600" b="1" dirty="0">
-                <a:ea typeface="+mn-lt"/>
-                <a:cs typeface="+mn-lt"/>
-              </a:rPr>
-              <a:t> </a:t>
-            </a:r>
-            <a:r>
-              <a:rPr lang="pt-PT" sz="2600" b="1" dirty="0" err="1">
-                <a:ea typeface="+mn-lt"/>
-                <a:cs typeface="+mn-lt"/>
-              </a:rPr>
-              <a:t>the</a:t>
-            </a:r>
-            <a:r>
-              <a:rPr lang="pt-PT" sz="2600" b="1" dirty="0">
-                <a:ea typeface="+mn-lt"/>
-                <a:cs typeface="+mn-lt"/>
-              </a:rPr>
-              <a:t> </a:t>
-            </a:r>
-            <a:r>
-              <a:rPr lang="pt-PT" sz="2600" b="1" dirty="0" err="1">
-                <a:ea typeface="+mn-lt"/>
-                <a:cs typeface="+mn-lt"/>
-              </a:rPr>
-              <a:t>opinion</a:t>
-            </a:r>
-            <a:r>
-              <a:rPr lang="pt-PT" sz="2600" dirty="0">
-                <a:ea typeface="+mn-lt"/>
-                <a:cs typeface="+mn-lt"/>
-              </a:rPr>
-              <a:t>, </a:t>
-            </a:r>
-            <a:r>
-              <a:rPr lang="pt-PT" sz="2600" dirty="0" err="1">
-                <a:ea typeface="+mn-lt"/>
-                <a:cs typeface="+mn-lt"/>
-              </a:rPr>
-              <a:t>and</a:t>
-            </a:r>
-            <a:r>
-              <a:rPr lang="pt-PT" sz="2600" dirty="0">
-                <a:ea typeface="+mn-lt"/>
-                <a:cs typeface="+mn-lt"/>
-              </a:rPr>
-              <a:t> </a:t>
-            </a:r>
-            <a:r>
-              <a:rPr lang="pt-PT" sz="2600" dirty="0" err="1">
-                <a:ea typeface="+mn-lt"/>
-                <a:cs typeface="+mn-lt"/>
-              </a:rPr>
-              <a:t>the</a:t>
-            </a:r>
-            <a:r>
-              <a:rPr lang="pt-PT" sz="2600" dirty="0">
-                <a:ea typeface="+mn-lt"/>
-                <a:cs typeface="+mn-lt"/>
-              </a:rPr>
-              <a:t> </a:t>
-            </a:r>
-            <a:r>
-              <a:rPr lang="pt-PT" sz="2600" b="1" dirty="0" err="1">
-                <a:ea typeface="+mn-lt"/>
-                <a:cs typeface="+mn-lt"/>
-              </a:rPr>
-              <a:t>emotions</a:t>
-            </a:r>
-            <a:r>
-              <a:rPr lang="pt-PT" sz="2600" b="1" dirty="0">
-                <a:ea typeface="+mn-lt"/>
-                <a:cs typeface="+mn-lt"/>
-              </a:rPr>
-              <a:t> </a:t>
-            </a:r>
-            <a:r>
-              <a:rPr lang="pt-PT" sz="2600" b="1" dirty="0" err="1">
-                <a:ea typeface="+mn-lt"/>
-                <a:cs typeface="+mn-lt"/>
-              </a:rPr>
-              <a:t>involved</a:t>
-            </a:r>
-            <a:r>
-              <a:rPr lang="pt-PT" sz="2600" dirty="0">
-                <a:ea typeface="+mn-lt"/>
-                <a:cs typeface="+mn-lt"/>
-              </a:rPr>
-              <a:t>.</a:t>
-            </a:r>
-            <a:endParaRPr lang="pt-PT" dirty="0"/>
+            <a:r>
+              <a:rPr lang="pt-PT" sz="2600" dirty="0"/>
+              <a:t>jfscorreia95@gmail.com</a:t>
+            </a:r>
           </a:p>
         </p:txBody>
       </p:sp>
-      <p:pic>
-        <p:nvPicPr>
-          <p:cNvPr id="8" name="Imagem 7" descr="Uma imagem com desenho, clipart, Desenho animado, ilustração&#10;&#10;Descrição gerada automaticamente">
-            <a:extLst>
-              <a:ext uri="{FF2B5EF4-FFF2-40B4-BE49-F238E27FC236}">
-                <a16:creationId xmlns:a16="http://schemas.microsoft.com/office/drawing/2014/main" id="{CC6B2A5B-4EB5-3C49-1107-DB5EF6DF7D59}"/>
-              </a:ext>
-            </a:extLst>
-          </p:cNvPr>
-          <p:cNvPicPr>
-            <a:picLocks noChangeAspect="1"/>
-          </p:cNvPicPr>
-          <p:nvPr/>
-        </p:nvPicPr>
-        <p:blipFill>
-          <a:blip r:embed="rId3"/>
-          <a:stretch>
-            <a:fillRect/>
-          </a:stretch>
-        </p:blipFill>
-        <p:spPr>
-          <a:xfrm>
-            <a:off x="7817708" y="1443682"/>
-            <a:ext cx="4114800" cy="4114800"/>
-          </a:xfrm>
-          <a:prstGeom prst="rect">
-            <a:avLst/>
-          </a:prstGeom>
-        </p:spPr>
-      </p:pic>
     </p:spTree>
     <p:extLst>
       <p:ext uri="{BB962C8B-B14F-4D97-AF65-F5344CB8AC3E}">
-        <p14:creationId xmlns:p14="http://schemas.microsoft.com/office/powerpoint/2010/main" val="621998719"/>
+        <p14:creationId xmlns:p14="http://schemas.microsoft.com/office/powerpoint/2010/main" val="2123529399"/>
       </p:ext>
     </p:extLst>
   </p:cSld>
@@ -13336,7 +12531,7 @@
         <p:spPr>
           <a:xfrm>
             <a:off x="611660" y="1331355"/>
-            <a:ext cx="11040761" cy="5041256"/>
+            <a:ext cx="6952735" cy="5041256"/>
           </a:xfrm>
           <a:prstGeom prst="rect">
             <a:avLst/>
@@ -13513,11 +12708,11 @@
           <a:p>
             <a:pPr algn="just"/>
             <a:r>
-              <a:rPr lang="pt-PT" sz="3000" b="1" err="1">
-                <a:ea typeface="+mn-lt"/>
-                <a:cs typeface="+mn-lt"/>
-              </a:rPr>
-              <a:t>Sentiment</a:t>
+              <a:rPr lang="pt-PT" sz="3000" b="1" dirty="0" err="1">
+                <a:ea typeface="+mn-lt"/>
+                <a:cs typeface="+mn-lt"/>
+              </a:rPr>
+              <a:t>Opinion</a:t>
             </a:r>
             <a:r>
               <a:rPr lang="pt-PT" sz="3000" b="1" dirty="0">
@@ -13527,7 +12722,7 @@
               <a:t> </a:t>
             </a:r>
             <a:r>
-              <a:rPr lang="pt-PT" sz="3000" b="1" err="1">
+              <a:rPr lang="pt-PT" sz="3000" b="1" dirty="0" err="1">
                 <a:ea typeface="+mn-lt"/>
                 <a:cs typeface="+mn-lt"/>
               </a:rPr>
@@ -13540,7 +12735,7 @@
               </a:rPr>
               <a:t>: </a:t>
             </a:r>
-            <a:endParaRPr lang="pt-PT" dirty="0" err="1">
+            <a:endParaRPr lang="pt-PT" dirty="0">
               <a:ea typeface="+mn-lt"/>
               <a:cs typeface="+mn-lt"/>
             </a:endParaRPr>
@@ -13558,18 +12753,25 @@
               <a:buChar char="o"/>
             </a:pPr>
             <a:r>
+              <a:rPr lang="pt-PT" sz="2600" dirty="0" err="1">
+                <a:ea typeface="+mn-lt"/>
+                <a:cs typeface="+mn-lt"/>
+              </a:rPr>
+              <a:t>The</a:t>
+            </a:r>
+            <a:r>
               <a:rPr lang="pt-PT" sz="2600" dirty="0">
                 <a:ea typeface="+mn-lt"/>
                 <a:cs typeface="+mn-lt"/>
               </a:rPr>
-              <a:t>A </a:t>
+              <a:t> </a:t>
             </a:r>
             <a:r>
               <a:rPr lang="pt-PT" sz="2600" dirty="0" err="1">
                 <a:ea typeface="+mn-lt"/>
                 <a:cs typeface="+mn-lt"/>
               </a:rPr>
-              <a:t>subset</a:t>
+              <a:t>process</a:t>
             </a:r>
             <a:r>
               <a:rPr lang="pt-PT" sz="2600" dirty="0">
@@ -13597,6 +12799,396 @@
                 <a:ea typeface="+mn-lt"/>
                 <a:cs typeface="+mn-lt"/>
               </a:rPr>
+              <a:t>extracting</a:t>
+            </a:r>
+            <a:r>
+              <a:rPr lang="pt-PT" sz="2600" dirty="0">
+                <a:ea typeface="+mn-lt"/>
+                <a:cs typeface="+mn-lt"/>
+              </a:rPr>
+              <a:t> </a:t>
+            </a:r>
+            <a:r>
+              <a:rPr lang="pt-PT" sz="2600" b="1" dirty="0" err="1">
+                <a:ea typeface="+mn-lt"/>
+                <a:cs typeface="+mn-lt"/>
+              </a:rPr>
+              <a:t>subjective</a:t>
+            </a:r>
+            <a:r>
+              <a:rPr lang="pt-PT" sz="2600" b="1" dirty="0">
+                <a:ea typeface="+mn-lt"/>
+                <a:cs typeface="+mn-lt"/>
+              </a:rPr>
+              <a:t> </a:t>
+            </a:r>
+            <a:r>
+              <a:rPr lang="pt-PT" sz="2600" b="1" dirty="0" err="1">
+                <a:ea typeface="+mn-lt"/>
+                <a:cs typeface="+mn-lt"/>
+              </a:rPr>
+              <a:t>information</a:t>
+            </a:r>
+            <a:r>
+              <a:rPr lang="pt-PT" sz="2600" dirty="0">
+                <a:ea typeface="+mn-lt"/>
+                <a:cs typeface="+mn-lt"/>
+              </a:rPr>
+              <a:t> </a:t>
+            </a:r>
+            <a:r>
+              <a:rPr lang="pt-PT" sz="2600" dirty="0" err="1">
+                <a:ea typeface="+mn-lt"/>
+                <a:cs typeface="+mn-lt"/>
+              </a:rPr>
+              <a:t>from</a:t>
+            </a:r>
+            <a:r>
+              <a:rPr lang="pt-PT" sz="2600" dirty="0">
+                <a:ea typeface="+mn-lt"/>
+                <a:cs typeface="+mn-lt"/>
+              </a:rPr>
+              <a:t> </a:t>
+            </a:r>
+            <a:r>
+              <a:rPr lang="pt-PT" sz="2600" dirty="0" err="1">
+                <a:ea typeface="+mn-lt"/>
+                <a:cs typeface="+mn-lt"/>
+              </a:rPr>
+              <a:t>text</a:t>
+            </a:r>
+            <a:r>
+              <a:rPr lang="pt-PT" sz="2600" dirty="0">
+                <a:ea typeface="+mn-lt"/>
+                <a:cs typeface="+mn-lt"/>
+              </a:rPr>
+              <a:t>. </a:t>
+            </a:r>
+            <a:endParaRPr lang="pt-PT">
+              <a:ea typeface="+mn-lt"/>
+              <a:cs typeface="+mn-lt"/>
+            </a:endParaRPr>
+          </a:p>
+          <a:p>
+            <a:pPr lvl="1" algn="just">
+              <a:buFont typeface="Courier New" panose="020B0604020202020204" pitchFamily="34" charset="0"/>
+              <a:buChar char="o"/>
+            </a:pPr>
+            <a:endParaRPr lang="pt-PT" sz="2600" dirty="0">
+              <a:ea typeface="+mn-lt"/>
+              <a:cs typeface="+mn-lt"/>
+            </a:endParaRPr>
+          </a:p>
+          <a:p>
+            <a:pPr lvl="1" algn="just">
+              <a:buFont typeface="Courier New" panose="020B0604020202020204" pitchFamily="34" charset="0"/>
+              <a:buChar char="o"/>
+            </a:pPr>
+            <a:r>
+              <a:rPr lang="pt-PT" sz="2600" dirty="0" err="1">
+                <a:ea typeface="+mn-lt"/>
+                <a:cs typeface="+mn-lt"/>
+              </a:rPr>
+              <a:t>It</a:t>
+            </a:r>
+            <a:r>
+              <a:rPr lang="pt-PT" sz="2600" dirty="0">
+                <a:ea typeface="+mn-lt"/>
+                <a:cs typeface="+mn-lt"/>
+              </a:rPr>
+              <a:t> </a:t>
+            </a:r>
+            <a:r>
+              <a:rPr lang="pt-PT" sz="2600" dirty="0" err="1">
+                <a:ea typeface="+mn-lt"/>
+                <a:cs typeface="+mn-lt"/>
+              </a:rPr>
+              <a:t>goes</a:t>
+            </a:r>
+            <a:r>
+              <a:rPr lang="pt-PT" sz="2600" dirty="0">
+                <a:ea typeface="+mn-lt"/>
+                <a:cs typeface="+mn-lt"/>
+              </a:rPr>
+              <a:t> </a:t>
+            </a:r>
+            <a:r>
+              <a:rPr lang="pt-PT" sz="2600" dirty="0" err="1">
+                <a:ea typeface="+mn-lt"/>
+                <a:cs typeface="+mn-lt"/>
+              </a:rPr>
+              <a:t>beyond</a:t>
+            </a:r>
+            <a:r>
+              <a:rPr lang="pt-PT" sz="2600" dirty="0">
+                <a:ea typeface="+mn-lt"/>
+                <a:cs typeface="+mn-lt"/>
+              </a:rPr>
+              <a:t> </a:t>
+            </a:r>
+            <a:r>
+              <a:rPr lang="pt-PT" sz="2600" dirty="0" err="1">
+                <a:ea typeface="+mn-lt"/>
+                <a:cs typeface="+mn-lt"/>
+              </a:rPr>
+              <a:t>just</a:t>
+            </a:r>
+            <a:r>
+              <a:rPr lang="pt-PT" sz="2600" dirty="0">
+                <a:ea typeface="+mn-lt"/>
+                <a:cs typeface="+mn-lt"/>
+              </a:rPr>
+              <a:t> </a:t>
+            </a:r>
+            <a:r>
+              <a:rPr lang="pt-PT" sz="2600" dirty="0" err="1">
+                <a:ea typeface="+mn-lt"/>
+                <a:cs typeface="+mn-lt"/>
+              </a:rPr>
+              <a:t>identifying</a:t>
+            </a:r>
+            <a:r>
+              <a:rPr lang="pt-PT" sz="2600" dirty="0">
+                <a:ea typeface="+mn-lt"/>
+                <a:cs typeface="+mn-lt"/>
+              </a:rPr>
+              <a:t> </a:t>
+            </a:r>
+            <a:r>
+              <a:rPr lang="pt-PT" sz="2600" dirty="0" err="1">
+                <a:ea typeface="+mn-lt"/>
+                <a:cs typeface="+mn-lt"/>
+              </a:rPr>
+              <a:t>whether</a:t>
+            </a:r>
+            <a:r>
+              <a:rPr lang="pt-PT" sz="2600" dirty="0">
+                <a:ea typeface="+mn-lt"/>
+                <a:cs typeface="+mn-lt"/>
+              </a:rPr>
+              <a:t> </a:t>
+            </a:r>
+            <a:r>
+              <a:rPr lang="pt-PT" sz="2600" dirty="0" err="1">
+                <a:ea typeface="+mn-lt"/>
+                <a:cs typeface="+mn-lt"/>
+              </a:rPr>
+              <a:t>the</a:t>
+            </a:r>
+            <a:r>
+              <a:rPr lang="pt-PT" sz="2600" dirty="0">
+                <a:ea typeface="+mn-lt"/>
+                <a:cs typeface="+mn-lt"/>
+              </a:rPr>
+              <a:t> </a:t>
+            </a:r>
+            <a:r>
+              <a:rPr lang="pt-PT" sz="2600" dirty="0" err="1">
+                <a:ea typeface="+mn-lt"/>
+                <a:cs typeface="+mn-lt"/>
+              </a:rPr>
+              <a:t>sentiment</a:t>
+            </a:r>
+            <a:r>
+              <a:rPr lang="pt-PT" sz="2600" dirty="0">
+                <a:ea typeface="+mn-lt"/>
+                <a:cs typeface="+mn-lt"/>
+              </a:rPr>
+              <a:t> </a:t>
+            </a:r>
+            <a:r>
+              <a:rPr lang="pt-PT" sz="2600" dirty="0" err="1">
+                <a:ea typeface="+mn-lt"/>
+                <a:cs typeface="+mn-lt"/>
+              </a:rPr>
+              <a:t>is</a:t>
+            </a:r>
+            <a:r>
+              <a:rPr lang="pt-PT" sz="2600" dirty="0">
+                <a:ea typeface="+mn-lt"/>
+                <a:cs typeface="+mn-lt"/>
+              </a:rPr>
+              <a:t> </a:t>
+            </a:r>
+            <a:r>
+              <a:rPr lang="pt-PT" sz="2600" b="1" dirty="0">
+                <a:ea typeface="+mn-lt"/>
+                <a:cs typeface="+mn-lt"/>
+              </a:rPr>
+              <a:t>positive</a:t>
+            </a:r>
+            <a:r>
+              <a:rPr lang="pt-PT" sz="2600" dirty="0">
+                <a:ea typeface="+mn-lt"/>
+                <a:cs typeface="+mn-lt"/>
+              </a:rPr>
+              <a:t>, </a:t>
+            </a:r>
+            <a:r>
+              <a:rPr lang="pt-PT" sz="2600" b="1" dirty="0">
+                <a:ea typeface="+mn-lt"/>
+                <a:cs typeface="+mn-lt"/>
+              </a:rPr>
+              <a:t>negative</a:t>
+            </a:r>
+            <a:r>
+              <a:rPr lang="pt-PT" sz="2600" dirty="0">
+                <a:ea typeface="+mn-lt"/>
+                <a:cs typeface="+mn-lt"/>
+              </a:rPr>
+              <a:t> </a:t>
+            </a:r>
+            <a:r>
+              <a:rPr lang="pt-PT" sz="2600" dirty="0" err="1">
+                <a:ea typeface="+mn-lt"/>
+                <a:cs typeface="+mn-lt"/>
+              </a:rPr>
+              <a:t>or</a:t>
+            </a:r>
+            <a:r>
+              <a:rPr lang="pt-PT" sz="2600" dirty="0">
+                <a:ea typeface="+mn-lt"/>
+                <a:cs typeface="+mn-lt"/>
+              </a:rPr>
+              <a:t> </a:t>
+            </a:r>
+            <a:r>
+              <a:rPr lang="pt-PT" sz="2600" b="1" dirty="0">
+                <a:ea typeface="+mn-lt"/>
+                <a:cs typeface="+mn-lt"/>
+              </a:rPr>
+              <a:t>neutral</a:t>
+            </a:r>
+            <a:r>
+              <a:rPr lang="pt-PT" sz="2600" dirty="0">
+                <a:ea typeface="+mn-lt"/>
+                <a:cs typeface="+mn-lt"/>
+              </a:rPr>
+              <a:t>. </a:t>
+            </a:r>
+            <a:endParaRPr lang="pt-PT">
+              <a:ea typeface="+mn-lt"/>
+              <a:cs typeface="+mn-lt"/>
+            </a:endParaRPr>
+          </a:p>
+          <a:p>
+            <a:pPr lvl="1" algn="just">
+              <a:buFont typeface="Courier New" panose="020B0604020202020204" pitchFamily="34" charset="0"/>
+              <a:buChar char="o"/>
+            </a:pPr>
+            <a:endParaRPr lang="pt-PT" sz="2600" dirty="0">
+              <a:ea typeface="+mn-lt"/>
+              <a:cs typeface="+mn-lt"/>
+            </a:endParaRPr>
+          </a:p>
+          <a:p>
+            <a:pPr lvl="1" algn="just">
+              <a:buFont typeface="Courier New" panose="020B0604020202020204" pitchFamily="34" charset="0"/>
+              <a:buChar char="o"/>
+            </a:pPr>
+            <a:r>
+              <a:rPr lang="pt-PT" sz="2600" dirty="0" err="1">
+                <a:ea typeface="+mn-lt"/>
+                <a:cs typeface="+mn-lt"/>
+              </a:rPr>
+              <a:t>It</a:t>
+            </a:r>
+            <a:r>
+              <a:rPr lang="pt-PT" sz="2600" dirty="0">
+                <a:ea typeface="+mn-lt"/>
+                <a:cs typeface="+mn-lt"/>
+              </a:rPr>
+              <a:t> can </a:t>
+            </a:r>
+            <a:r>
+              <a:rPr lang="pt-PT" sz="2600" dirty="0" err="1">
+                <a:ea typeface="+mn-lt"/>
+                <a:cs typeface="+mn-lt"/>
+              </a:rPr>
+              <a:t>include</a:t>
+            </a:r>
+            <a:r>
+              <a:rPr lang="pt-PT" sz="2600" dirty="0">
+                <a:ea typeface="+mn-lt"/>
+                <a:cs typeface="+mn-lt"/>
+              </a:rPr>
+              <a:t> </a:t>
+            </a:r>
+            <a:r>
+              <a:rPr lang="pt-PT" sz="2600" dirty="0" err="1">
+                <a:ea typeface="+mn-lt"/>
+                <a:cs typeface="+mn-lt"/>
+              </a:rPr>
+              <a:t>identifying</a:t>
+            </a:r>
+            <a:r>
+              <a:rPr lang="pt-PT" sz="2600" dirty="0">
+                <a:ea typeface="+mn-lt"/>
+                <a:cs typeface="+mn-lt"/>
+              </a:rPr>
+              <a:t> </a:t>
+            </a:r>
+            <a:r>
+              <a:rPr lang="pt-PT" sz="2600" dirty="0" err="1">
+                <a:ea typeface="+mn-lt"/>
+                <a:cs typeface="+mn-lt"/>
+              </a:rPr>
+              <a:t>the</a:t>
+            </a:r>
+            <a:r>
+              <a:rPr lang="pt-PT" sz="2600" dirty="0">
+                <a:ea typeface="+mn-lt"/>
+                <a:cs typeface="+mn-lt"/>
+              </a:rPr>
+              <a:t> </a:t>
+            </a:r>
+            <a:r>
+              <a:rPr lang="pt-PT" sz="2600" b="1" dirty="0">
+                <a:ea typeface="+mn-lt"/>
+                <a:cs typeface="+mn-lt"/>
+              </a:rPr>
+              <a:t>target</a:t>
+            </a:r>
+            <a:r>
+              <a:rPr lang="pt-PT" sz="2600" dirty="0">
+                <a:ea typeface="+mn-lt"/>
+                <a:cs typeface="+mn-lt"/>
+              </a:rPr>
+              <a:t> </a:t>
+            </a:r>
+            <a:r>
+              <a:rPr lang="pt-PT" sz="2600" dirty="0" err="1">
+                <a:ea typeface="+mn-lt"/>
+                <a:cs typeface="+mn-lt"/>
+              </a:rPr>
+              <a:t>of</a:t>
+            </a:r>
+            <a:r>
+              <a:rPr lang="pt-PT" sz="2600" dirty="0">
+                <a:ea typeface="+mn-lt"/>
+                <a:cs typeface="+mn-lt"/>
+              </a:rPr>
+              <a:t> </a:t>
+            </a:r>
+            <a:r>
+              <a:rPr lang="pt-PT" sz="2600" dirty="0" err="1">
+                <a:ea typeface="+mn-lt"/>
+                <a:cs typeface="+mn-lt"/>
+              </a:rPr>
+              <a:t>the</a:t>
+            </a:r>
+            <a:r>
+              <a:rPr lang="pt-PT" sz="2600" dirty="0">
+                <a:ea typeface="+mn-lt"/>
+                <a:cs typeface="+mn-lt"/>
+              </a:rPr>
+              <a:t> </a:t>
+            </a:r>
+            <a:r>
+              <a:rPr lang="pt-PT" sz="2600" dirty="0" err="1">
+                <a:ea typeface="+mn-lt"/>
+                <a:cs typeface="+mn-lt"/>
+              </a:rPr>
               <a:t>opinion</a:t>
             </a:r>
             <a:r>
@@ -13604,14 +13196,14 @@
                 <a:ea typeface="+mn-lt"/>
                 <a:cs typeface="+mn-lt"/>
               </a:rPr>
-              <a:t> </a:t>
+              <a:t>, </a:t>
             </a:r>
             <a:r>
               <a:rPr lang="pt-PT" sz="2600" dirty="0" err="1">
                 <a:ea typeface="+mn-lt"/>
                 <a:cs typeface="+mn-lt"/>
               </a:rPr>
-              <a:t>analysis</a:t>
+              <a:t>the</a:t>
             </a:r>
             <a:r>
               <a:rPr lang="pt-PT" sz="2600" dirty="0">
@@ -13621,11 +13213,67 @@
               <a:t> </a:t>
             </a:r>
             <a:r>
+              <a:rPr lang="pt-PT" sz="2600" b="1" dirty="0" err="1">
+                <a:ea typeface="+mn-lt"/>
+                <a:cs typeface="+mn-lt"/>
+              </a:rPr>
+              <a:t>strength</a:t>
+            </a:r>
+            <a:r>
+              <a:rPr lang="pt-PT" sz="2600" b="1" dirty="0">
+                <a:ea typeface="+mn-lt"/>
+                <a:cs typeface="+mn-lt"/>
+              </a:rPr>
+              <a:t> </a:t>
+            </a:r>
+            <a:r>
+              <a:rPr lang="pt-PT" sz="2600" b="1" dirty="0" err="1">
+                <a:ea typeface="+mn-lt"/>
+                <a:cs typeface="+mn-lt"/>
+              </a:rPr>
+              <a:t>of</a:t>
+            </a:r>
+            <a:r>
+              <a:rPr lang="pt-PT" sz="2600" b="1" dirty="0">
+                <a:ea typeface="+mn-lt"/>
+                <a:cs typeface="+mn-lt"/>
+              </a:rPr>
+              <a:t> </a:t>
+            </a:r>
+            <a:r>
+              <a:rPr lang="pt-PT" sz="2600" b="1" dirty="0" err="1">
+                <a:ea typeface="+mn-lt"/>
+                <a:cs typeface="+mn-lt"/>
+              </a:rPr>
+              <a:t>the</a:t>
+            </a:r>
+            <a:r>
+              <a:rPr lang="pt-PT" sz="2600" b="1" dirty="0">
+                <a:ea typeface="+mn-lt"/>
+                <a:cs typeface="+mn-lt"/>
+              </a:rPr>
+              <a:t> </a:t>
+            </a:r>
+            <a:r>
+              <a:rPr lang="pt-PT" sz="2600" b="1" dirty="0" err="1">
+                <a:ea typeface="+mn-lt"/>
+                <a:cs typeface="+mn-lt"/>
+              </a:rPr>
+              <a:t>opinion</a:t>
+            </a:r>
+            <a:r>
+              <a:rPr lang="pt-PT" sz="2600" dirty="0">
+                <a:ea typeface="+mn-lt"/>
+                <a:cs typeface="+mn-lt"/>
+              </a:rPr>
+              <a:t>, </a:t>
+            </a:r>
+            <a:r>
               <a:rPr lang="pt-PT" sz="2600" dirty="0" err="1">
                 <a:ea typeface="+mn-lt"/>
                 <a:cs typeface="+mn-lt"/>
               </a:rPr>
-              <a:t>focused</a:t>
+              <a:t>and</a:t>
             </a:r>
             <a:r>
               <a:rPr lang="pt-PT" sz="2600" dirty="0">
@@ -13639,7 +13287,7 @@
                 <a:ea typeface="+mn-lt"/>
                 <a:cs typeface="+mn-lt"/>
               </a:rPr>
-              <a:t>on</a:t>
+              <a:t>the</a:t>
             </a:r>
             <a:r>
               <a:rPr lang="pt-PT" sz="2600" dirty="0">
@@ -13649,70 +13297,43 @@
               <a:t> </a:t>
             </a:r>
             <a:r>
-              <a:rPr lang="pt-PT" sz="2600" dirty="0" err="1">
-                <a:ea typeface="+mn-lt"/>
-                <a:cs typeface="+mn-lt"/>
-              </a:rPr>
-              <a:t>identifying</a:t>
+              <a:rPr lang="pt-PT" sz="2600" b="1" dirty="0" err="1">
+                <a:ea typeface="+mn-lt"/>
+                <a:cs typeface="+mn-lt"/>
+              </a:rPr>
+              <a:t>emotions</a:t>
+            </a:r>
+            <a:r>
+              <a:rPr lang="pt-PT" sz="2600" b="1" dirty="0">
+                <a:ea typeface="+mn-lt"/>
+                <a:cs typeface="+mn-lt"/>
+              </a:rPr>
+              <a:t> </a:t>
+            </a:r>
+            <a:r>
+              <a:rPr lang="pt-PT" sz="2600" b="1" dirty="0" err="1">
+                <a:ea typeface="+mn-lt"/>
+                <a:cs typeface="+mn-lt"/>
+              </a:rPr>
+              <a:t>involved</a:t>
             </a:r>
             <a:r>
               <a:rPr lang="pt-PT" sz="2600" dirty="0">
                 <a:ea typeface="+mn-lt"/>
                 <a:cs typeface="+mn-lt"/>
               </a:rPr>
-              <a:t> </a:t>
-            </a:r>
-            <a:r>
-              <a:rPr lang="pt-PT" sz="2600" b="1" dirty="0" err="1">
-                <a:ea typeface="+mn-lt"/>
-                <a:cs typeface="+mn-lt"/>
-              </a:rPr>
-              <a:t>emotions</a:t>
-            </a:r>
-            <a:r>
-              <a:rPr lang="pt-PT" sz="2600" dirty="0">
-                <a:ea typeface="+mn-lt"/>
-                <a:cs typeface="+mn-lt"/>
-              </a:rPr>
-              <a:t> </a:t>
-            </a:r>
-            <a:r>
-              <a:rPr lang="pt-PT" sz="2600" dirty="0" err="1">
-                <a:ea typeface="+mn-lt"/>
-                <a:cs typeface="+mn-lt"/>
-              </a:rPr>
-              <a:t>and</a:t>
-            </a:r>
-            <a:r>
-              <a:rPr lang="pt-PT" sz="2600" dirty="0">
-                <a:ea typeface="+mn-lt"/>
-                <a:cs typeface="+mn-lt"/>
-              </a:rPr>
-              <a:t> </a:t>
-            </a:r>
-            <a:r>
-              <a:rPr lang="pt-PT" sz="2600" b="1" dirty="0" err="1">
-                <a:ea typeface="+mn-lt"/>
-                <a:cs typeface="+mn-lt"/>
-              </a:rPr>
-              <a:t>attitudes</a:t>
-            </a:r>
-            <a:r>
-              <a:rPr lang="pt-PT" sz="2600" dirty="0">
-                <a:ea typeface="+mn-lt"/>
-                <a:cs typeface="+mn-lt"/>
-              </a:rPr>
               <a:t>.</a:t>
             </a:r>
+            <a:endParaRPr lang="pt-PT" dirty="0"/>
           </a:p>
         </p:txBody>
       </p:sp>
       <p:pic>
         <p:nvPicPr>
-          <p:cNvPr id="3" name="Imagem 2" descr="Uma imagem com clipart, emoticon, sorriso, Gráficos&#10;&#10;Descrição gerada automaticamente">
+          <p:cNvPr id="8" name="Imagem 7" descr="Uma imagem com desenho, clipart, Desenho animado, ilustração&#10;&#10;Descrição gerada automaticamente">
             <a:extLst>
               <a:ext uri="{FF2B5EF4-FFF2-40B4-BE49-F238E27FC236}">
-                <a16:creationId xmlns:a16="http://schemas.microsoft.com/office/drawing/2014/main" id="{1B4752B9-099D-D21D-8E50-1E04763CA074}"/>
+                <a16:creationId xmlns:a16="http://schemas.microsoft.com/office/drawing/2014/main" id="{CC6B2A5B-4EB5-3C49-1107-DB5EF6DF7D59}"/>
               </a:ext>
             </a:extLst>
           </p:cNvPr>
@@ -13729,8 +13350,8 @@
         </p:blipFill>
         <p:spPr>
           <a:xfrm>
-            <a:off x="4440195" y="3060354"/>
-            <a:ext cx="3383693" cy="3383693"/>
+            <a:off x="7817708" y="1443682"/>
+            <a:ext cx="4114800" cy="4114800"/>
           </a:xfrm>
           <a:prstGeom prst="rect">
             <a:avLst/>
@@ -13740,7 +13361,7 @@
     </p:spTree>
     <p:extLst>
       <p:ext uri="{BB962C8B-B14F-4D97-AF65-F5344CB8AC3E}">
-        <p14:creationId xmlns:p14="http://schemas.microsoft.com/office/powerpoint/2010/main" val="47273045"/>
+        <p14:creationId xmlns:p14="http://schemas.microsoft.com/office/powerpoint/2010/main" val="621998719"/>
       </p:ext>
     </p:extLst>
   </p:cSld>
@@ -13796,75 +13417,82 @@
           <a:lstStyle/>
           <a:p>
             <a:r>
-              <a:rPr lang="pt-PT" sz="3600" b="1" dirty="0">
+              <a:rPr lang="pt-PT" sz="3600" b="1" dirty="0" err="1">
                 <a:solidFill>
                   <a:srgbClr val="092953"/>
                 </a:solidFill>
                 <a:latin typeface="Cambria"/>
                 <a:ea typeface="Cambria"/>
               </a:rPr>
-              <a:t>Positive </a:t>
-            </a:r>
-            <a:r>
-              <a:rPr lang="pt-PT" sz="3600" b="1" dirty="0" err="1">
+              <a:t>Opinion</a:t>
+            </a:r>
+            <a:r>
+              <a:rPr lang="pt-PT" sz="3600" b="1" dirty="0">
                 <a:solidFill>
                   <a:srgbClr val="092953"/>
                 </a:solidFill>
                 <a:latin typeface="Cambria"/>
                 <a:ea typeface="Cambria"/>
               </a:rPr>
-              <a:t>or</a:t>
-            </a:r>
-            <a:r>
-              <a:rPr lang="pt-PT" sz="3600" b="1" dirty="0">
+              <a:t> </a:t>
+            </a:r>
+            <a:r>
+              <a:rPr lang="pt-PT" sz="3600" b="1" dirty="0" err="1">
                 <a:solidFill>
                   <a:srgbClr val="092953"/>
                 </a:solidFill>
                 <a:latin typeface="Cambria"/>
                 <a:ea typeface="Cambria"/>
               </a:rPr>
-              <a:t> negative </a:t>
-            </a:r>
-            <a:r>
-              <a:rPr lang="pt-PT" sz="3600" b="1" dirty="0" err="1">
+              <a:t>and</a:t>
+            </a:r>
+            <a:r>
+              <a:rPr lang="pt-PT" sz="3600" b="1" dirty="0">
                 <a:solidFill>
                   <a:srgbClr val="092953"/>
                 </a:solidFill>
                 <a:latin typeface="Cambria"/>
                 <a:ea typeface="Cambria"/>
               </a:rPr>
-              <a:t>movie</a:t>
-            </a:r>
-            <a:r>
-              <a:rPr lang="pt-PT" sz="3600" b="1" dirty="0">
+              <a:t> </a:t>
+            </a:r>
+            <a:r>
+              <a:rPr lang="pt-PT" sz="3600" b="1" dirty="0" err="1">
                 <a:solidFill>
                   <a:srgbClr val="092953"/>
                 </a:solidFill>
                 <a:latin typeface="Cambria"/>
                 <a:ea typeface="Cambria"/>
               </a:rPr>
-              <a:t> </a:t>
-            </a:r>
-            <a:r>
-              <a:rPr lang="pt-PT" sz="3600" b="1" dirty="0" err="1">
+              <a:t>Sentiment</a:t>
+            </a:r>
+            <a:r>
+              <a:rPr lang="pt-PT" sz="3600" b="1" dirty="0">
                 <a:solidFill>
                   <a:srgbClr val="092953"/>
                 </a:solidFill>
                 <a:latin typeface="Cambria"/>
                 <a:ea typeface="Cambria"/>
               </a:rPr>
-              <a:t>review</a:t>
-            </a:r>
-            <a:r>
-              <a:rPr lang="pt-PT" sz="3600" b="1" dirty="0">
+              <a:t> </a:t>
+            </a:r>
+            <a:r>
+              <a:rPr lang="pt-PT" sz="3600" b="1" dirty="0" err="1">
                 <a:solidFill>
                   <a:srgbClr val="092953"/>
                 </a:solidFill>
                 <a:latin typeface="Cambria"/>
                 <a:ea typeface="Cambria"/>
               </a:rPr>
-              <a:t>?</a:t>
-            </a:r>
+              <a:t>Analysis</a:t>
+            </a:r>
+            <a:endParaRPr lang="pt-PT" sz="3600" b="1" dirty="0">
+              <a:solidFill>
+                <a:srgbClr val="092953"/>
+              </a:solidFill>
+              <a:latin typeface="Cambria"/>
+              <a:ea typeface="Cambria"/>
+            </a:endParaRPr>
           </a:p>
         </p:txBody>
       </p:sp>
@@ -14365,166 +13993,37 @@
           <a:p>
             <a:pPr algn="just"/>
             <a:r>
+              <a:rPr lang="pt-PT" sz="3000" b="1" err="1">
+                <a:ea typeface="+mn-lt"/>
+                <a:cs typeface="+mn-lt"/>
+              </a:rPr>
+              <a:t>Sentiment</a:t>
+            </a:r>
+            <a:r>
+              <a:rPr lang="pt-PT" sz="3000" b="1" dirty="0">
+                <a:ea typeface="+mn-lt"/>
+                <a:cs typeface="+mn-lt"/>
+              </a:rPr>
+              <a:t> </a:t>
+            </a:r>
+            <a:r>
+              <a:rPr lang="pt-PT" sz="3000" b="1" err="1">
+                <a:ea typeface="+mn-lt"/>
+                <a:cs typeface="+mn-lt"/>
+              </a:rPr>
+              <a:t>Analysis</a:t>
+            </a:r>
+            <a:r>
               <a:rPr lang="pt-PT" sz="3000" dirty="0">
                 <a:ea typeface="+mn-lt"/>
                 <a:cs typeface="+mn-lt"/>
               </a:rPr>
-              <a:t>A </a:t>
-            </a:r>
-            <a:r>
-              <a:rPr lang="pt-PT" sz="3000" err="1">
-                <a:ea typeface="+mn-lt"/>
-                <a:cs typeface="+mn-lt"/>
-              </a:rPr>
-              <a:t>heartwarming</a:t>
-            </a:r>
-            <a:r>
-              <a:rPr lang="pt-PT" sz="3000" dirty="0">
-                <a:ea typeface="+mn-lt"/>
-                <a:cs typeface="+mn-lt"/>
-              </a:rPr>
-              <a:t> </a:t>
-            </a:r>
-            <a:r>
-              <a:rPr lang="pt-PT" sz="3000" err="1">
-                <a:ea typeface="+mn-lt"/>
-                <a:cs typeface="+mn-lt"/>
-              </a:rPr>
-              <a:t>film</a:t>
-            </a:r>
-            <a:r>
-              <a:rPr lang="pt-PT" sz="3000" dirty="0">
-                <a:ea typeface="+mn-lt"/>
-                <a:cs typeface="+mn-lt"/>
-              </a:rPr>
-              <a:t> </a:t>
-            </a:r>
-            <a:r>
-              <a:rPr lang="pt-PT" sz="3000" err="1">
-                <a:ea typeface="+mn-lt"/>
-                <a:cs typeface="+mn-lt"/>
-              </a:rPr>
-              <a:t>with</a:t>
-            </a:r>
-            <a:r>
-              <a:rPr lang="pt-PT" sz="3000" dirty="0">
-                <a:ea typeface="+mn-lt"/>
-                <a:cs typeface="+mn-lt"/>
-              </a:rPr>
-              <a:t> </a:t>
-            </a:r>
-            <a:r>
-              <a:rPr lang="pt-PT" sz="3000" err="1">
-                <a:ea typeface="+mn-lt"/>
-                <a:cs typeface="+mn-lt"/>
-              </a:rPr>
-              <a:t>great</a:t>
-            </a:r>
-            <a:r>
-              <a:rPr lang="pt-PT" sz="3000" dirty="0">
-                <a:ea typeface="+mn-lt"/>
-                <a:cs typeface="+mn-lt"/>
-              </a:rPr>
-              <a:t> performances </a:t>
-            </a:r>
-            <a:r>
-              <a:rPr lang="pt-PT" sz="3000" err="1">
-                <a:ea typeface="+mn-lt"/>
-                <a:cs typeface="+mn-lt"/>
-              </a:rPr>
-              <a:t>and</a:t>
-            </a:r>
-            <a:r>
-              <a:rPr lang="pt-PT" sz="3000" dirty="0">
-                <a:ea typeface="+mn-lt"/>
-                <a:cs typeface="+mn-lt"/>
-              </a:rPr>
-              <a:t> a </a:t>
-            </a:r>
-            <a:r>
-              <a:rPr lang="pt-PT" sz="3000" err="1">
-                <a:ea typeface="+mn-lt"/>
-                <a:cs typeface="+mn-lt"/>
-              </a:rPr>
-              <a:t>feel-good</a:t>
-            </a:r>
-            <a:r>
-              <a:rPr lang="pt-PT" sz="3000" dirty="0">
-                <a:ea typeface="+mn-lt"/>
-                <a:cs typeface="+mn-lt"/>
-              </a:rPr>
-              <a:t> </a:t>
-            </a:r>
-            <a:r>
-              <a:rPr lang="pt-PT" sz="3000" err="1">
-                <a:ea typeface="+mn-lt"/>
-                <a:cs typeface="+mn-lt"/>
-              </a:rPr>
-              <a:t>story</a:t>
-            </a:r>
-            <a:r>
-              <a:rPr lang="pt-PT" sz="3000" dirty="0">
-                <a:ea typeface="+mn-lt"/>
-                <a:cs typeface="+mn-lt"/>
-              </a:rPr>
-              <a:t>. </a:t>
-            </a:r>
-            <a:r>
-              <a:rPr lang="pt-PT" sz="3000" err="1">
-                <a:ea typeface="+mn-lt"/>
-                <a:cs typeface="+mn-lt"/>
-              </a:rPr>
-              <a:t>It</a:t>
-            </a:r>
-            <a:r>
-              <a:rPr lang="pt-PT" sz="3000" dirty="0">
-                <a:ea typeface="+mn-lt"/>
-                <a:cs typeface="+mn-lt"/>
-              </a:rPr>
-              <a:t> </a:t>
-            </a:r>
-            <a:r>
-              <a:rPr lang="pt-PT" sz="3000" err="1">
-                <a:ea typeface="+mn-lt"/>
-                <a:cs typeface="+mn-lt"/>
-              </a:rPr>
-              <a:t>leaves</a:t>
-            </a:r>
-            <a:r>
-              <a:rPr lang="pt-PT" sz="3000" dirty="0">
-                <a:ea typeface="+mn-lt"/>
-                <a:cs typeface="+mn-lt"/>
-              </a:rPr>
-              <a:t> </a:t>
-            </a:r>
-            <a:r>
-              <a:rPr lang="pt-PT" sz="3000" err="1">
-                <a:ea typeface="+mn-lt"/>
-                <a:cs typeface="+mn-lt"/>
-              </a:rPr>
-              <a:t>you</a:t>
-            </a:r>
-            <a:r>
-              <a:rPr lang="pt-PT" sz="3000" dirty="0">
-                <a:ea typeface="+mn-lt"/>
-                <a:cs typeface="+mn-lt"/>
-              </a:rPr>
-              <a:t> </a:t>
-            </a:r>
-            <a:r>
-              <a:rPr lang="pt-PT" sz="3000" err="1">
-                <a:ea typeface="+mn-lt"/>
-                <a:cs typeface="+mn-lt"/>
-              </a:rPr>
-              <a:t>smiling</a:t>
-            </a:r>
-            <a:r>
-              <a:rPr lang="pt-PT" sz="3000" dirty="0">
-                <a:ea typeface="+mn-lt"/>
-                <a:cs typeface="+mn-lt"/>
-              </a:rPr>
-              <a:t>!</a:t>
-            </a:r>
+              <a:t>: </a:t>
+            </a:r>
+            <a:endParaRPr lang="pt-PT" dirty="0" err="1">
+              <a:ea typeface="+mn-lt"/>
+              <a:cs typeface="+mn-lt"/>
+            </a:endParaRPr>
           </a:p>
           <a:p>
             <a:pPr algn="just"/>
@@ -14534,607 +14033,152 @@
             </a:endParaRPr>
           </a:p>
           <a:p>
-            <a:pPr algn="just"/>
-            <a:r>
-              <a:rPr lang="pt-PT" sz="3000" dirty="0" err="1">
-                <a:ea typeface="+mn-lt"/>
-                <a:cs typeface="+mn-lt"/>
-              </a:rPr>
-              <a:t>Disappointing</a:t>
-            </a:r>
-            <a:r>
-              <a:rPr lang="pt-PT" sz="3000" dirty="0">
-                <a:ea typeface="+mn-lt"/>
-                <a:cs typeface="+mn-lt"/>
-              </a:rPr>
-              <a:t> </a:t>
-            </a:r>
-            <a:r>
-              <a:rPr lang="pt-PT" sz="3000" dirty="0" err="1">
+            <a:pPr lvl="1" algn="just">
+              <a:buFont typeface="Courier New" panose="020B0604020202020204" pitchFamily="34" charset="0"/>
+              <a:buChar char="o"/>
+            </a:pPr>
+            <a:r>
+              <a:rPr lang="pt-PT" sz="2600" dirty="0">
+                <a:ea typeface="+mn-lt"/>
+                <a:cs typeface="+mn-lt"/>
+              </a:rPr>
+              <a:t>A </a:t>
+            </a:r>
+            <a:r>
+              <a:rPr lang="pt-PT" sz="2600" dirty="0" err="1">
+                <a:ea typeface="+mn-lt"/>
+                <a:cs typeface="+mn-lt"/>
+              </a:rPr>
+              <a:t>subset</a:t>
+            </a:r>
+            <a:r>
+              <a:rPr lang="pt-PT" sz="2600" dirty="0">
+                <a:ea typeface="+mn-lt"/>
+                <a:cs typeface="+mn-lt"/>
+              </a:rPr>
+              <a:t> </a:t>
+            </a:r>
+            <a:r>
+              <a:rPr lang="pt-PT" sz="2600" dirty="0" err="1">
+                <a:ea typeface="+mn-lt"/>
+                <a:cs typeface="+mn-lt"/>
+              </a:rPr>
+              <a:t>of</a:t>
+            </a:r>
+            <a:r>
+              <a:rPr lang="pt-PT" sz="2600" dirty="0">
+                <a:ea typeface="+mn-lt"/>
+                <a:cs typeface="+mn-lt"/>
+              </a:rPr>
+              <a:t> </a:t>
+            </a:r>
+            <a:r>
+              <a:rPr lang="pt-PT" sz="2600" dirty="0" err="1">
+                <a:ea typeface="+mn-lt"/>
+                <a:cs typeface="+mn-lt"/>
+              </a:rPr>
+              <a:t>opinion</a:t>
+            </a:r>
+            <a:r>
+              <a:rPr lang="pt-PT" sz="2600" dirty="0">
+                <a:ea typeface="+mn-lt"/>
+                <a:cs typeface="+mn-lt"/>
+              </a:rPr>
+              <a:t> </a:t>
+            </a:r>
+            <a:r>
+              <a:rPr lang="pt-PT" sz="2600" dirty="0" err="1">
+                <a:ea typeface="+mn-lt"/>
+                <a:cs typeface="+mn-lt"/>
+              </a:rPr>
+              <a:t>analysis</a:t>
+            </a:r>
+            <a:r>
+              <a:rPr lang="pt-PT" sz="2600" dirty="0">
+                <a:ea typeface="+mn-lt"/>
+                <a:cs typeface="+mn-lt"/>
+              </a:rPr>
+              <a:t> </a:t>
+            </a:r>
+            <a:r>
+              <a:rPr lang="pt-PT" sz="2600" dirty="0" err="1">
+                <a:ea typeface="+mn-lt"/>
+                <a:cs typeface="+mn-lt"/>
+              </a:rPr>
+              <a:t>focused</a:t>
+            </a:r>
+            <a:r>
+              <a:rPr lang="pt-PT" sz="2600" dirty="0">
+                <a:ea typeface="+mn-lt"/>
+                <a:cs typeface="+mn-lt"/>
+              </a:rPr>
+              <a:t> </a:t>
+            </a:r>
+            <a:r>
+              <a:rPr lang="pt-PT" sz="2600" dirty="0" err="1">
+                <a:ea typeface="+mn-lt"/>
+                <a:cs typeface="+mn-lt"/>
+              </a:rPr>
+              <a:t>on</a:t>
+            </a:r>
+            <a:r>
+              <a:rPr lang="pt-PT" sz="2600" dirty="0">
+                <a:ea typeface="+mn-lt"/>
+                <a:cs typeface="+mn-lt"/>
+              </a:rPr>
+              <a:t> </a:t>
+            </a:r>
+            <a:r>
+              <a:rPr lang="pt-PT" sz="2600" dirty="0" err="1">
+                <a:ea typeface="+mn-lt"/>
+                <a:cs typeface="+mn-lt"/>
+              </a:rPr>
+              <a:t>identifying</a:t>
+            </a:r>
+            <a:r>
+              <a:rPr lang="pt-PT" sz="2600" dirty="0">
+                <a:ea typeface="+mn-lt"/>
+                <a:cs typeface="+mn-lt"/>
+              </a:rPr>
+              <a:t> </a:t>
+            </a:r>
+            <a:r>
+              <a:rPr lang="pt-PT" sz="2600" b="1" dirty="0" err="1">
+                <a:ea typeface="+mn-lt"/>
+                <a:cs typeface="+mn-lt"/>
+              </a:rPr>
+              <a:t>emotions</a:t>
+            </a:r>
+            <a:r>
+              <a:rPr lang="pt-PT" sz="2600" dirty="0">
+                <a:ea typeface="+mn-lt"/>
+                <a:cs typeface="+mn-lt"/>
+              </a:rPr>
+              <a:t> </a:t>
+            </a:r>
+            <a:r>
+              <a:rPr lang="pt-PT" sz="2600" dirty="0" err="1">
                 <a:ea typeface="+mn-lt"/>
                 <a:cs typeface="+mn-lt"/>
               </a:rPr>
               <a:t>and</a:t>
             </a:r>
             <a:r>
-              <a:rPr lang="pt-PT" sz="3000" dirty="0">
-                <a:ea typeface="+mn-lt"/>
-                <a:cs typeface="+mn-lt"/>
-              </a:rPr>
-              <a:t> </a:t>
-            </a:r>
-            <a:r>
-              <a:rPr lang="pt-PT" sz="3000" dirty="0" err="1">
-                <a:ea typeface="+mn-lt"/>
-                <a:cs typeface="+mn-lt"/>
-              </a:rPr>
-              <a:t>dull</a:t>
-            </a:r>
-            <a:r>
-              <a:rPr lang="pt-PT" sz="3000" dirty="0">
-                <a:ea typeface="+mn-lt"/>
-                <a:cs typeface="+mn-lt"/>
-              </a:rPr>
-              <a:t>. </a:t>
-            </a:r>
-            <a:r>
-              <a:rPr lang="pt-PT" sz="3000" dirty="0" err="1">
-                <a:ea typeface="+mn-lt"/>
-                <a:cs typeface="+mn-lt"/>
-              </a:rPr>
-              <a:t>The</a:t>
-            </a:r>
-            <a:r>
-              <a:rPr lang="pt-PT" sz="3000" dirty="0">
-                <a:ea typeface="+mn-lt"/>
-                <a:cs typeface="+mn-lt"/>
-              </a:rPr>
-              <a:t> </a:t>
-            </a:r>
-            <a:r>
-              <a:rPr lang="pt-PT" sz="3000" dirty="0" err="1">
-                <a:ea typeface="+mn-lt"/>
-                <a:cs typeface="+mn-lt"/>
-              </a:rPr>
-              <a:t>plot</a:t>
-            </a:r>
-            <a:r>
-              <a:rPr lang="pt-PT" sz="3000" dirty="0">
-                <a:ea typeface="+mn-lt"/>
-                <a:cs typeface="+mn-lt"/>
-              </a:rPr>
-              <a:t> </a:t>
-            </a:r>
-            <a:r>
-              <a:rPr lang="pt-PT" sz="3000" dirty="0" err="1">
-                <a:ea typeface="+mn-lt"/>
-                <a:cs typeface="+mn-lt"/>
-              </a:rPr>
-              <a:t>was</a:t>
-            </a:r>
-            <a:r>
-              <a:rPr lang="pt-PT" sz="3000" dirty="0">
-                <a:ea typeface="+mn-lt"/>
-                <a:cs typeface="+mn-lt"/>
-              </a:rPr>
-              <a:t> </a:t>
-            </a:r>
-            <a:r>
-              <a:rPr lang="pt-PT" sz="3000" dirty="0" err="1">
-                <a:ea typeface="+mn-lt"/>
-                <a:cs typeface="+mn-lt"/>
-              </a:rPr>
-              <a:t>weak</a:t>
-            </a:r>
-            <a:r>
-              <a:rPr lang="pt-PT" sz="3000" dirty="0">
-                <a:ea typeface="+mn-lt"/>
-                <a:cs typeface="+mn-lt"/>
-              </a:rPr>
-              <a:t>, </a:t>
-            </a:r>
-            <a:r>
-              <a:rPr lang="pt-PT" sz="3000" dirty="0" err="1">
-                <a:ea typeface="+mn-lt"/>
-                <a:cs typeface="+mn-lt"/>
-              </a:rPr>
-              <a:t>and</a:t>
-            </a:r>
-            <a:r>
-              <a:rPr lang="pt-PT" sz="3000" dirty="0">
-                <a:ea typeface="+mn-lt"/>
-                <a:cs typeface="+mn-lt"/>
-              </a:rPr>
-              <a:t> </a:t>
-            </a:r>
-            <a:r>
-              <a:rPr lang="pt-PT" sz="3000" dirty="0" err="1">
-                <a:ea typeface="+mn-lt"/>
-                <a:cs typeface="+mn-lt"/>
-              </a:rPr>
-              <a:t>the</a:t>
-            </a:r>
-            <a:r>
-              <a:rPr lang="pt-PT" sz="3000" dirty="0">
-                <a:ea typeface="+mn-lt"/>
-                <a:cs typeface="+mn-lt"/>
-              </a:rPr>
-              <a:t> </a:t>
-            </a:r>
-            <a:r>
-              <a:rPr lang="pt-PT" sz="3000" dirty="0" err="1">
-                <a:ea typeface="+mn-lt"/>
-                <a:cs typeface="+mn-lt"/>
-              </a:rPr>
-              <a:t>characters</a:t>
-            </a:r>
-            <a:r>
-              <a:rPr lang="pt-PT" sz="3000" dirty="0">
-                <a:ea typeface="+mn-lt"/>
-                <a:cs typeface="+mn-lt"/>
-              </a:rPr>
-              <a:t> </a:t>
-            </a:r>
-            <a:r>
-              <a:rPr lang="pt-PT" sz="3000" dirty="0" err="1">
-                <a:ea typeface="+mn-lt"/>
-                <a:cs typeface="+mn-lt"/>
-              </a:rPr>
-              <a:t>were</a:t>
-            </a:r>
-            <a:r>
-              <a:rPr lang="pt-PT" sz="3000" dirty="0">
-                <a:ea typeface="+mn-lt"/>
-                <a:cs typeface="+mn-lt"/>
-              </a:rPr>
-              <a:t> </a:t>
-            </a:r>
-            <a:r>
-              <a:rPr lang="pt-PT" sz="3000" dirty="0" err="1">
-                <a:ea typeface="+mn-lt"/>
-                <a:cs typeface="+mn-lt"/>
-              </a:rPr>
-              <a:t>uninteresting</a:t>
-            </a:r>
-            <a:r>
-              <a:rPr lang="pt-PT" sz="3000" dirty="0">
-                <a:ea typeface="+mn-lt"/>
-                <a:cs typeface="+mn-lt"/>
-              </a:rPr>
-              <a:t>. </a:t>
-            </a:r>
-            <a:r>
-              <a:rPr lang="pt-PT" sz="3000" dirty="0" err="1">
-                <a:ea typeface="+mn-lt"/>
-                <a:cs typeface="+mn-lt"/>
-              </a:rPr>
-              <a:t>Not</a:t>
-            </a:r>
-            <a:r>
-              <a:rPr lang="pt-PT" sz="3000" dirty="0">
-                <a:ea typeface="+mn-lt"/>
-                <a:cs typeface="+mn-lt"/>
-              </a:rPr>
-              <a:t> </a:t>
-            </a:r>
-            <a:r>
-              <a:rPr lang="pt-PT" sz="3000" dirty="0" err="1">
-                <a:ea typeface="+mn-lt"/>
-                <a:cs typeface="+mn-lt"/>
-              </a:rPr>
-              <a:t>worth</a:t>
-            </a:r>
-            <a:r>
-              <a:rPr lang="pt-PT" sz="3000" dirty="0">
-                <a:ea typeface="+mn-lt"/>
-                <a:cs typeface="+mn-lt"/>
-              </a:rPr>
-              <a:t> </a:t>
-            </a:r>
-            <a:r>
-              <a:rPr lang="pt-PT" sz="3000" dirty="0" err="1">
-                <a:ea typeface="+mn-lt"/>
-                <a:cs typeface="+mn-lt"/>
-              </a:rPr>
-              <a:t>the</a:t>
-            </a:r>
-            <a:r>
-              <a:rPr lang="pt-PT" sz="3000" dirty="0">
-                <a:ea typeface="+mn-lt"/>
-                <a:cs typeface="+mn-lt"/>
-              </a:rPr>
-              <a:t> </a:t>
-            </a:r>
-            <a:r>
-              <a:rPr lang="pt-PT" sz="3000" dirty="0" err="1">
-                <a:ea typeface="+mn-lt"/>
-                <a:cs typeface="+mn-lt"/>
-              </a:rPr>
-              <a:t>watch</a:t>
-            </a:r>
-            <a:r>
-              <a:rPr lang="pt-PT" sz="3000" dirty="0">
-                <a:ea typeface="+mn-lt"/>
-                <a:cs typeface="+mn-lt"/>
-              </a:rPr>
-              <a:t>.</a:t>
-            </a:r>
-          </a:p>
-          <a:p>
-            <a:pPr algn="just"/>
-            <a:endParaRPr lang="pt-PT" sz="3000" dirty="0">
-              <a:ea typeface="+mn-lt"/>
-              <a:cs typeface="+mn-lt"/>
-            </a:endParaRPr>
-          </a:p>
-          <a:p>
-            <a:pPr algn="just"/>
-            <a:r>
-              <a:rPr lang="pt-PT" sz="3000" dirty="0">
-                <a:ea typeface="+mn-lt"/>
-                <a:cs typeface="+mn-lt"/>
-              </a:rPr>
-              <a:t>Oh, </a:t>
-            </a:r>
-            <a:r>
-              <a:rPr lang="pt-PT" sz="3000" dirty="0" err="1">
-                <a:ea typeface="+mn-lt"/>
-                <a:cs typeface="+mn-lt"/>
-              </a:rPr>
-              <a:t>what</a:t>
-            </a:r>
-            <a:r>
-              <a:rPr lang="pt-PT" sz="3000" dirty="0">
-                <a:ea typeface="+mn-lt"/>
-                <a:cs typeface="+mn-lt"/>
-              </a:rPr>
-              <a:t> a </a:t>
-            </a:r>
-            <a:r>
-              <a:rPr lang="pt-PT" sz="3000" dirty="0" err="1">
-                <a:ea typeface="+mn-lt"/>
-                <a:cs typeface="+mn-lt"/>
-              </a:rPr>
-              <a:t>masterpiece</a:t>
-            </a:r>
-            <a:r>
-              <a:rPr lang="pt-PT" sz="3000" dirty="0">
-                <a:ea typeface="+mn-lt"/>
-                <a:cs typeface="+mn-lt"/>
-              </a:rPr>
-              <a:t>! </a:t>
-            </a:r>
-            <a:r>
-              <a:rPr lang="pt-PT" sz="3000" dirty="0" err="1">
-                <a:ea typeface="+mn-lt"/>
-                <a:cs typeface="+mn-lt"/>
-              </a:rPr>
-              <a:t>If</a:t>
-            </a:r>
-            <a:r>
-              <a:rPr lang="pt-PT" sz="3000" dirty="0">
-                <a:ea typeface="+mn-lt"/>
-                <a:cs typeface="+mn-lt"/>
-              </a:rPr>
-              <a:t> </a:t>
-            </a:r>
-            <a:r>
-              <a:rPr lang="pt-PT" sz="3000" dirty="0" err="1">
-                <a:ea typeface="+mn-lt"/>
-                <a:cs typeface="+mn-lt"/>
-              </a:rPr>
-              <a:t>you</a:t>
-            </a:r>
-            <a:r>
-              <a:rPr lang="pt-PT" sz="3000" dirty="0">
-                <a:ea typeface="+mn-lt"/>
-                <a:cs typeface="+mn-lt"/>
-              </a:rPr>
-              <a:t> </a:t>
-            </a:r>
-            <a:r>
-              <a:rPr lang="pt-PT" sz="3000" dirty="0" err="1">
-                <a:ea typeface="+mn-lt"/>
-                <a:cs typeface="+mn-lt"/>
-              </a:rPr>
-              <a:t>enjoy</a:t>
-            </a:r>
-            <a:r>
-              <a:rPr lang="pt-PT" sz="3000" dirty="0">
-                <a:ea typeface="+mn-lt"/>
-                <a:cs typeface="+mn-lt"/>
-              </a:rPr>
-              <a:t> </a:t>
-            </a:r>
-            <a:r>
-              <a:rPr lang="pt-PT" sz="3000" dirty="0" err="1">
-                <a:ea typeface="+mn-lt"/>
-                <a:cs typeface="+mn-lt"/>
-              </a:rPr>
-              <a:t>endless</a:t>
-            </a:r>
-            <a:r>
-              <a:rPr lang="pt-PT" sz="3000" dirty="0">
-                <a:ea typeface="+mn-lt"/>
-                <a:cs typeface="+mn-lt"/>
-              </a:rPr>
-              <a:t> clichés </a:t>
-            </a:r>
-            <a:r>
-              <a:rPr lang="pt-PT" sz="3000" dirty="0" err="1">
-                <a:ea typeface="+mn-lt"/>
-                <a:cs typeface="+mn-lt"/>
-              </a:rPr>
-              <a:t>and</a:t>
-            </a:r>
-            <a:r>
-              <a:rPr lang="pt-PT" sz="3000" dirty="0">
-                <a:ea typeface="+mn-lt"/>
-                <a:cs typeface="+mn-lt"/>
-              </a:rPr>
-              <a:t> </a:t>
-            </a:r>
-            <a:r>
-              <a:rPr lang="pt-PT" sz="3000" dirty="0" err="1">
-                <a:ea typeface="+mn-lt"/>
-                <a:cs typeface="+mn-lt"/>
-              </a:rPr>
-              <a:t>predictable</a:t>
-            </a:r>
-            <a:r>
-              <a:rPr lang="pt-PT" sz="3000" dirty="0">
-                <a:ea typeface="+mn-lt"/>
-                <a:cs typeface="+mn-lt"/>
-              </a:rPr>
-              <a:t> </a:t>
-            </a:r>
-            <a:r>
-              <a:rPr lang="pt-PT" sz="3000" dirty="0" err="1">
-                <a:ea typeface="+mn-lt"/>
-                <a:cs typeface="+mn-lt"/>
-              </a:rPr>
-              <a:t>plots</a:t>
-            </a:r>
-            <a:r>
-              <a:rPr lang="pt-PT" sz="3000" dirty="0">
-                <a:ea typeface="+mn-lt"/>
-                <a:cs typeface="+mn-lt"/>
-              </a:rPr>
-              <a:t>, </a:t>
-            </a:r>
-            <a:r>
-              <a:rPr lang="pt-PT" sz="3000" dirty="0" err="1">
-                <a:ea typeface="+mn-lt"/>
-                <a:cs typeface="+mn-lt"/>
-              </a:rPr>
-              <a:t>this</a:t>
-            </a:r>
-            <a:r>
-              <a:rPr lang="pt-PT" sz="3000" dirty="0">
-                <a:ea typeface="+mn-lt"/>
-                <a:cs typeface="+mn-lt"/>
-              </a:rPr>
-              <a:t> </a:t>
-            </a:r>
-            <a:r>
-              <a:rPr lang="pt-PT" sz="3000" dirty="0" err="1">
-                <a:ea typeface="+mn-lt"/>
-                <a:cs typeface="+mn-lt"/>
-              </a:rPr>
-              <a:t>film</a:t>
-            </a:r>
-            <a:r>
-              <a:rPr lang="pt-PT" sz="3000" dirty="0">
-                <a:ea typeface="+mn-lt"/>
-                <a:cs typeface="+mn-lt"/>
-              </a:rPr>
-              <a:t> </a:t>
-            </a:r>
-            <a:r>
-              <a:rPr lang="pt-PT" sz="3000" dirty="0" err="1">
-                <a:ea typeface="+mn-lt"/>
-                <a:cs typeface="+mn-lt"/>
-              </a:rPr>
-              <a:t>is</a:t>
-            </a:r>
-            <a:r>
-              <a:rPr lang="pt-PT" sz="3000" dirty="0">
-                <a:ea typeface="+mn-lt"/>
-                <a:cs typeface="+mn-lt"/>
-              </a:rPr>
-              <a:t> a </a:t>
-            </a:r>
-            <a:r>
-              <a:rPr lang="pt-PT" sz="3000" dirty="0" err="1">
-                <a:ea typeface="+mn-lt"/>
-                <a:cs typeface="+mn-lt"/>
-              </a:rPr>
-              <a:t>true</a:t>
-            </a:r>
-            <a:r>
-              <a:rPr lang="pt-PT" sz="3000" dirty="0">
-                <a:ea typeface="+mn-lt"/>
-                <a:cs typeface="+mn-lt"/>
-              </a:rPr>
-              <a:t> </a:t>
-            </a:r>
-            <a:r>
-              <a:rPr lang="pt-PT" sz="3000" dirty="0" err="1">
-                <a:ea typeface="+mn-lt"/>
-                <a:cs typeface="+mn-lt"/>
-              </a:rPr>
-              <a:t>gem</a:t>
-            </a:r>
-            <a:r>
-              <a:rPr lang="pt-PT" sz="3000" dirty="0">
-                <a:ea typeface="+mn-lt"/>
-                <a:cs typeface="+mn-lt"/>
-              </a:rPr>
-              <a:t>. </a:t>
-            </a:r>
-            <a:r>
-              <a:rPr lang="pt-PT" sz="3000" dirty="0" err="1">
-                <a:ea typeface="+mn-lt"/>
-                <a:cs typeface="+mn-lt"/>
-              </a:rPr>
-              <a:t>You'll</a:t>
-            </a:r>
-            <a:r>
-              <a:rPr lang="pt-PT" sz="3000" dirty="0">
-                <a:ea typeface="+mn-lt"/>
-                <a:cs typeface="+mn-lt"/>
-              </a:rPr>
-              <a:t> </a:t>
-            </a:r>
-            <a:r>
-              <a:rPr lang="pt-PT" sz="3000" dirty="0" err="1">
-                <a:ea typeface="+mn-lt"/>
-                <a:cs typeface="+mn-lt"/>
-              </a:rPr>
-              <a:t>be</a:t>
-            </a:r>
-            <a:r>
-              <a:rPr lang="pt-PT" sz="3000" dirty="0">
-                <a:ea typeface="+mn-lt"/>
-                <a:cs typeface="+mn-lt"/>
-              </a:rPr>
-              <a:t> </a:t>
-            </a:r>
-            <a:r>
-              <a:rPr lang="pt-PT" sz="3000" dirty="0" err="1">
-                <a:ea typeface="+mn-lt"/>
-                <a:cs typeface="+mn-lt"/>
-              </a:rPr>
-              <a:t>on</a:t>
-            </a:r>
-            <a:r>
-              <a:rPr lang="pt-PT" sz="3000" dirty="0">
-                <a:ea typeface="+mn-lt"/>
-                <a:cs typeface="+mn-lt"/>
-              </a:rPr>
-              <a:t> </a:t>
-            </a:r>
-            <a:r>
-              <a:rPr lang="pt-PT" sz="3000" dirty="0" err="1">
-                <a:ea typeface="+mn-lt"/>
-                <a:cs typeface="+mn-lt"/>
-              </a:rPr>
-              <a:t>the</a:t>
-            </a:r>
-            <a:r>
-              <a:rPr lang="pt-PT" sz="3000" dirty="0">
-                <a:ea typeface="+mn-lt"/>
-                <a:cs typeface="+mn-lt"/>
-              </a:rPr>
-              <a:t> </a:t>
-            </a:r>
-            <a:r>
-              <a:rPr lang="pt-PT" sz="3000" dirty="0" err="1">
-                <a:ea typeface="+mn-lt"/>
-                <a:cs typeface="+mn-lt"/>
-              </a:rPr>
-              <a:t>edge</a:t>
-            </a:r>
-            <a:r>
-              <a:rPr lang="pt-PT" sz="3000" dirty="0">
-                <a:ea typeface="+mn-lt"/>
-                <a:cs typeface="+mn-lt"/>
-              </a:rPr>
-              <a:t> </a:t>
-            </a:r>
-            <a:r>
-              <a:rPr lang="pt-PT" sz="3000" dirty="0" err="1">
-                <a:ea typeface="+mn-lt"/>
-                <a:cs typeface="+mn-lt"/>
-              </a:rPr>
-              <a:t>of</a:t>
-            </a:r>
-            <a:r>
-              <a:rPr lang="pt-PT" sz="3000" dirty="0">
-                <a:ea typeface="+mn-lt"/>
-                <a:cs typeface="+mn-lt"/>
-              </a:rPr>
-              <a:t> </a:t>
-            </a:r>
-            <a:r>
-              <a:rPr lang="pt-PT" sz="3000" dirty="0" err="1">
-                <a:ea typeface="+mn-lt"/>
-                <a:cs typeface="+mn-lt"/>
-              </a:rPr>
-              <a:t>your</a:t>
-            </a:r>
-            <a:r>
-              <a:rPr lang="pt-PT" sz="3000" dirty="0">
-                <a:ea typeface="+mn-lt"/>
-                <a:cs typeface="+mn-lt"/>
-              </a:rPr>
-              <a:t> </a:t>
-            </a:r>
-            <a:r>
-              <a:rPr lang="pt-PT" sz="3000" dirty="0" err="1">
-                <a:ea typeface="+mn-lt"/>
-                <a:cs typeface="+mn-lt"/>
-              </a:rPr>
-              <a:t>seat</a:t>
-            </a:r>
-            <a:r>
-              <a:rPr lang="pt-PT" sz="3000" dirty="0">
-                <a:ea typeface="+mn-lt"/>
-                <a:cs typeface="+mn-lt"/>
-              </a:rPr>
-              <a:t>—</a:t>
-            </a:r>
-            <a:r>
-              <a:rPr lang="pt-PT" sz="3000" dirty="0" err="1">
-                <a:ea typeface="+mn-lt"/>
-                <a:cs typeface="+mn-lt"/>
-              </a:rPr>
-              <a:t>wondering</a:t>
-            </a:r>
-            <a:r>
-              <a:rPr lang="pt-PT" sz="3000" dirty="0">
-                <a:ea typeface="+mn-lt"/>
-                <a:cs typeface="+mn-lt"/>
-              </a:rPr>
-              <a:t> </a:t>
-            </a:r>
-            <a:r>
-              <a:rPr lang="pt-PT" sz="3000" dirty="0" err="1">
-                <a:ea typeface="+mn-lt"/>
-                <a:cs typeface="+mn-lt"/>
-              </a:rPr>
-              <a:t>why</a:t>
-            </a:r>
-            <a:r>
-              <a:rPr lang="pt-PT" sz="3000" dirty="0">
-                <a:ea typeface="+mn-lt"/>
-                <a:cs typeface="+mn-lt"/>
-              </a:rPr>
-              <a:t> </a:t>
-            </a:r>
-            <a:r>
-              <a:rPr lang="pt-PT" sz="3000" dirty="0" err="1">
-                <a:ea typeface="+mn-lt"/>
-                <a:cs typeface="+mn-lt"/>
-              </a:rPr>
-              <a:t>you</a:t>
-            </a:r>
-            <a:r>
-              <a:rPr lang="pt-PT" sz="3000" dirty="0">
-                <a:ea typeface="+mn-lt"/>
-                <a:cs typeface="+mn-lt"/>
-              </a:rPr>
-              <a:t> </a:t>
-            </a:r>
-            <a:r>
-              <a:rPr lang="pt-PT" sz="3000" dirty="0" err="1">
-                <a:ea typeface="+mn-lt"/>
-                <a:cs typeface="+mn-lt"/>
-              </a:rPr>
-              <a:t>bothered</a:t>
-            </a:r>
-            <a:r>
-              <a:rPr lang="pt-PT" sz="3000" dirty="0">
+              <a:rPr lang="pt-PT" sz="2600" dirty="0">
+                <a:ea typeface="+mn-lt"/>
+                <a:cs typeface="+mn-lt"/>
+              </a:rPr>
+              <a:t> </a:t>
+            </a:r>
+            <a:r>
+              <a:rPr lang="pt-PT" sz="2600" b="1" dirty="0" err="1">
+                <a:ea typeface="+mn-lt"/>
+                <a:cs typeface="+mn-lt"/>
+              </a:rPr>
+              <a:t>attitudes</a:t>
+            </a:r>
+            <a:r>
+              <a:rPr lang="pt-PT" sz="2600" dirty="0">
                 <a:ea typeface="+mn-lt"/>
                 <a:cs typeface="+mn-lt"/>
               </a:rPr>
@@ -15145,10 +14189,10 @@
       </p:sp>
       <p:pic>
         <p:nvPicPr>
-          <p:cNvPr id="8" name="Imagem 7" descr="Uma imagem com Gráficos, clipart, design gráfico, criatividade&#10;&#10;Descrição gerada automaticamente">
+          <p:cNvPr id="3" name="Imagem 2" descr="Uma imagem com clipart, emoticon, sorriso, Gráficos&#10;&#10;Descrição gerada automaticamente">
             <a:extLst>
               <a:ext uri="{FF2B5EF4-FFF2-40B4-BE49-F238E27FC236}">
-                <a16:creationId xmlns:a16="http://schemas.microsoft.com/office/drawing/2014/main" id="{10259421-A1B9-DBD7-7724-757B2A463E95}"/>
+                <a16:creationId xmlns:a16="http://schemas.microsoft.com/office/drawing/2014/main" id="{1B4752B9-099D-D21D-8E50-1E04763CA074}"/>
               </a:ext>
             </a:extLst>
           </p:cNvPr>
@@ -15165,8 +14209,8 @@
         </p:blipFill>
         <p:spPr>
           <a:xfrm>
-            <a:off x="7577889" y="208547"/>
-            <a:ext cx="846222" cy="916406"/>
+            <a:off x="4440195" y="3060354"/>
+            <a:ext cx="3383693" cy="3383693"/>
           </a:xfrm>
           <a:prstGeom prst="rect">
             <a:avLst/>
@@ -15176,7 +14220,7 @@
     </p:spTree>
     <p:extLst>
       <p:ext uri="{BB962C8B-B14F-4D97-AF65-F5344CB8AC3E}">
-        <p14:creationId xmlns:p14="http://schemas.microsoft.com/office/powerpoint/2010/main" val="608542437"/>
+        <p14:creationId xmlns:p14="http://schemas.microsoft.com/office/powerpoint/2010/main" val="47273045"/>
       </p:ext>
     </p:extLst>
   </p:cSld>
@@ -15239,7 +14283,7 @@
                 <a:latin typeface="Cambria"/>
                 <a:ea typeface="Cambria"/>
               </a:rPr>
-              <a:t>Google </a:t>
+              <a:t>Positive </a:t>
             </a:r>
             <a:r>
               <a:rPr lang="pt-PT" sz="3600" b="1" dirty="0" err="1">
@@ -15249,7 +14293,7 @@
                 <a:latin typeface="Cambria"/>
                 <a:ea typeface="Cambria"/>
               </a:rPr>
-              <a:t>Product</a:t>
+              <a:t>or</a:t>
             </a:r>
             <a:r>
               <a:rPr lang="pt-PT" sz="3600" b="1" dirty="0">
@@ -15259,7 +14303,7 @@
                 <a:latin typeface="Cambria"/>
                 <a:ea typeface="Cambria"/>
               </a:rPr>
-              <a:t> </a:t>
+              <a:t> negative </a:t>
             </a:r>
             <a:r>
               <a:rPr lang="pt-PT" sz="3600" b="1" dirty="0" err="1">
@@ -15269,7 +14313,37 @@
                 <a:latin typeface="Cambria"/>
                 <a:ea typeface="Cambria"/>
               </a:rPr>
-              <a:t>Search</a:t>
+              <a:t>movie</a:t>
+            </a:r>
+            <a:r>
+              <a:rPr lang="pt-PT" sz="3600" b="1" dirty="0">
+                <a:solidFill>
+                  <a:srgbClr val="092953"/>
+                </a:solidFill>
+                <a:latin typeface="Cambria"/>
+                <a:ea typeface="Cambria"/>
+              </a:rPr>
+              <a:t> </a:t>
+            </a:r>
+            <a:r>
+              <a:rPr lang="pt-PT" sz="3600" b="1" dirty="0" err="1">
+                <a:solidFill>
+                  <a:srgbClr val="092953"/>
+                </a:solidFill>
+                <a:latin typeface="Cambria"/>
+                <a:ea typeface="Cambria"/>
+              </a:rPr>
+              <a:t>review</a:t>
+            </a:r>
+            <a:r>
+              <a:rPr lang="pt-PT" sz="3600" b="1" dirty="0">
+                <a:solidFill>
+                  <a:srgbClr val="092953"/>
+                </a:solidFill>
+                <a:latin typeface="Cambria"/>
+                <a:ea typeface="Cambria"/>
+              </a:rPr>
+              <a:t>?</a:t>
             </a:r>
           </a:p>
         </p:txBody>
@@ -15577,12 +14651,984 @@
           </a:p>
         </p:txBody>
       </p:sp>
+      <p:sp>
+        <p:nvSpPr>
+          <p:cNvPr id="13" name="Marcador de Posição de Conteúdo 2">
+            <a:extLst>
+              <a:ext uri="{FF2B5EF4-FFF2-40B4-BE49-F238E27FC236}">
+                <a16:creationId xmlns:a16="http://schemas.microsoft.com/office/drawing/2014/main" id="{346549F7-7FAF-F179-80E2-ABADD06E085E}"/>
+              </a:ext>
+            </a:extLst>
+          </p:cNvPr>
+          <p:cNvSpPr txBox="1">
+            <a:spLocks/>
+          </p:cNvSpPr>
+          <p:nvPr/>
+        </p:nvSpPr>
+        <p:spPr>
+          <a:xfrm>
+            <a:off x="611660" y="1331355"/>
+            <a:ext cx="11040761" cy="5041256"/>
+          </a:xfrm>
+          <a:prstGeom prst="rect">
+            <a:avLst/>
+          </a:prstGeom>
+        </p:spPr>
+        <p:txBody>
+          <a:bodyPr vert="horz" lIns="91440" tIns="45720" rIns="91440" bIns="45720" rtlCol="0" anchor="t">
+            <a:normAutofit/>
+          </a:bodyPr>
+          <a:lstStyle>
+            <a:lvl1pPr marL="228600" indent="-228600" algn="l" defTabSz="914400" rtl="0" eaLnBrk="1" latinLnBrk="0" hangingPunct="1">
+              <a:lnSpc>
+                <a:spcPct val="90000"/>
+              </a:lnSpc>
+              <a:spcBef>
+                <a:spcPts val="1000"/>
+              </a:spcBef>
+              <a:buFont typeface="Arial" panose="020B0604020202020204" pitchFamily="34" charset="0"/>
+              <a:buChar char="•"/>
+              <a:defRPr sz="2800" kern="1200">
+                <a:solidFill>
+                  <a:schemeClr val="tx1"/>
+                </a:solidFill>
+                <a:latin typeface="+mn-lt"/>
+                <a:ea typeface="+mn-ea"/>
+                <a:cs typeface="+mn-cs"/>
+              </a:defRPr>
+            </a:lvl1pPr>
+            <a:lvl2pPr marL="685800" indent="-228600" algn="l" defTabSz="914400" rtl="0" eaLnBrk="1" latinLnBrk="0" hangingPunct="1">
+              <a:lnSpc>
+                <a:spcPct val="90000"/>
+              </a:lnSpc>
+              <a:spcBef>
+                <a:spcPts val="500"/>
+              </a:spcBef>
+              <a:buFont typeface="Arial" panose="020B0604020202020204" pitchFamily="34" charset="0"/>
+              <a:buChar char="•"/>
+              <a:defRPr sz="2400" kern="1200">
+                <a:solidFill>
+                  <a:schemeClr val="tx1"/>
+                </a:solidFill>
+                <a:latin typeface="+mn-lt"/>
+                <a:ea typeface="+mn-ea"/>
+                <a:cs typeface="+mn-cs"/>
+              </a:defRPr>
+            </a:lvl2pPr>
+            <a:lvl3pPr marL="1143000" indent="-228600" algn="l" defTabSz="914400" rtl="0" eaLnBrk="1" latinLnBrk="0" hangingPunct="1">
+              <a:lnSpc>
+                <a:spcPct val="90000"/>
+              </a:lnSpc>
+              <a:spcBef>
+                <a:spcPts val="500"/>
+              </a:spcBef>
+              <a:buFont typeface="Arial" panose="020B0604020202020204" pitchFamily="34" charset="0"/>
+              <a:buChar char="•"/>
+              <a:defRPr sz="2000" kern="1200">
+                <a:solidFill>
+                  <a:schemeClr val="tx1"/>
+                </a:solidFill>
+                <a:latin typeface="+mn-lt"/>
+                <a:ea typeface="+mn-ea"/>
+                <a:cs typeface="+mn-cs"/>
+              </a:defRPr>
+            </a:lvl3pPr>
+            <a:lvl4pPr marL="1600200" indent="-228600" algn="l" defTabSz="914400" rtl="0" eaLnBrk="1" latinLnBrk="0" hangingPunct="1">
+              <a:lnSpc>
+                <a:spcPct val="90000"/>
+              </a:lnSpc>
+              <a:spcBef>
+                <a:spcPts val="500"/>
+              </a:spcBef>
+              <a:buFont typeface="Arial" panose="020B0604020202020204" pitchFamily="34" charset="0"/>
+              <a:buChar char="•"/>
+              <a:defRPr sz="1800" kern="1200">
+                <a:solidFill>
+                  <a:schemeClr val="tx1"/>
+                </a:solidFill>
+                <a:latin typeface="+mn-lt"/>
+                <a:ea typeface="+mn-ea"/>
+                <a:cs typeface="+mn-cs"/>
+              </a:defRPr>
+            </a:lvl4pPr>
+            <a:lvl5pPr marL="2057400" indent="-228600" algn="l" defTabSz="914400" rtl="0" eaLnBrk="1" latinLnBrk="0" hangingPunct="1">
+              <a:lnSpc>
+                <a:spcPct val="90000"/>
+              </a:lnSpc>
+              <a:spcBef>
+                <a:spcPts val="500"/>
+              </a:spcBef>
+              <a:buFont typeface="Arial" panose="020B0604020202020204" pitchFamily="34" charset="0"/>
+              <a:buChar char="•"/>
+              <a:defRPr sz="1800" kern="1200">
+                <a:solidFill>
+                  <a:schemeClr val="tx1"/>
+                </a:solidFill>
+                <a:latin typeface="+mn-lt"/>
+                <a:ea typeface="+mn-ea"/>
+                <a:cs typeface="+mn-cs"/>
+              </a:defRPr>
+            </a:lvl5pPr>
+            <a:lvl6pPr marL="2514600" indent="-228600" algn="l" defTabSz="914400" rtl="0" eaLnBrk="1" latinLnBrk="0" hangingPunct="1">
+              <a:lnSpc>
+                <a:spcPct val="90000"/>
+              </a:lnSpc>
+              <a:spcBef>
+                <a:spcPts val="500"/>
+              </a:spcBef>
+              <a:buFont typeface="Arial" panose="020B0604020202020204" pitchFamily="34" charset="0"/>
+              <a:buChar char="•"/>
+              <a:defRPr sz="1800" kern="1200">
+                <a:solidFill>
+                  <a:schemeClr val="tx1"/>
+                </a:solidFill>
+                <a:latin typeface="+mn-lt"/>
+                <a:ea typeface="+mn-ea"/>
+                <a:cs typeface="+mn-cs"/>
+              </a:defRPr>
+            </a:lvl6pPr>
+            <a:lvl7pPr marL="2971800" indent="-228600" algn="l" defTabSz="914400" rtl="0" eaLnBrk="1" latinLnBrk="0" hangingPunct="1">
+              <a:lnSpc>
+                <a:spcPct val="90000"/>
+              </a:lnSpc>
+              <a:spcBef>
+                <a:spcPts val="500"/>
+              </a:spcBef>
+              <a:buFont typeface="Arial" panose="020B0604020202020204" pitchFamily="34" charset="0"/>
+              <a:buChar char="•"/>
+              <a:defRPr sz="1800" kern="1200">
+                <a:solidFill>
+                  <a:schemeClr val="tx1"/>
+                </a:solidFill>
+                <a:latin typeface="+mn-lt"/>
+                <a:ea typeface="+mn-ea"/>
+                <a:cs typeface="+mn-cs"/>
+              </a:defRPr>
+            </a:lvl7pPr>
+            <a:lvl8pPr marL="3429000" indent="-228600" algn="l" defTabSz="914400" rtl="0" eaLnBrk="1" latinLnBrk="0" hangingPunct="1">
+              <a:lnSpc>
+                <a:spcPct val="90000"/>
+              </a:lnSpc>
+              <a:spcBef>
+                <a:spcPts val="500"/>
+              </a:spcBef>
+              <a:buFont typeface="Arial" panose="020B0604020202020204" pitchFamily="34" charset="0"/>
+              <a:buChar char="•"/>
+              <a:defRPr sz="1800" kern="1200">
+                <a:solidFill>
+                  <a:schemeClr val="tx1"/>
+                </a:solidFill>
+                <a:latin typeface="+mn-lt"/>
+                <a:ea typeface="+mn-ea"/>
+                <a:cs typeface="+mn-cs"/>
+              </a:defRPr>
+            </a:lvl8pPr>
+            <a:lvl9pPr marL="3886200" indent="-228600" algn="l" defTabSz="914400" rtl="0" eaLnBrk="1" latinLnBrk="0" hangingPunct="1">
+              <a:lnSpc>
+                <a:spcPct val="90000"/>
+              </a:lnSpc>
+              <a:spcBef>
+                <a:spcPts val="500"/>
+              </a:spcBef>
+              <a:buFont typeface="Arial" panose="020B0604020202020204" pitchFamily="34" charset="0"/>
+              <a:buChar char="•"/>
+              <a:defRPr sz="1800" kern="1200">
+                <a:solidFill>
+                  <a:schemeClr val="tx1"/>
+                </a:solidFill>
+                <a:latin typeface="+mn-lt"/>
+                <a:ea typeface="+mn-ea"/>
+                <a:cs typeface="+mn-cs"/>
+              </a:defRPr>
+            </a:lvl9pPr>
+          </a:lstStyle>
+          <a:p>
+            <a:pPr algn="just"/>
+            <a:r>
+              <a:rPr lang="pt-PT" sz="3000" dirty="0">
+                <a:ea typeface="+mn-lt"/>
+                <a:cs typeface="+mn-lt"/>
+              </a:rPr>
+              <a:t>A </a:t>
+            </a:r>
+            <a:r>
+              <a:rPr lang="pt-PT" sz="3000" err="1">
+                <a:ea typeface="+mn-lt"/>
+                <a:cs typeface="+mn-lt"/>
+              </a:rPr>
+              <a:t>heartwarming</a:t>
+            </a:r>
+            <a:r>
+              <a:rPr lang="pt-PT" sz="3000" dirty="0">
+                <a:ea typeface="+mn-lt"/>
+                <a:cs typeface="+mn-lt"/>
+              </a:rPr>
+              <a:t> </a:t>
+            </a:r>
+            <a:r>
+              <a:rPr lang="pt-PT" sz="3000" err="1">
+                <a:ea typeface="+mn-lt"/>
+                <a:cs typeface="+mn-lt"/>
+              </a:rPr>
+              <a:t>film</a:t>
+            </a:r>
+            <a:r>
+              <a:rPr lang="pt-PT" sz="3000" dirty="0">
+                <a:ea typeface="+mn-lt"/>
+                <a:cs typeface="+mn-lt"/>
+              </a:rPr>
+              <a:t> </a:t>
+            </a:r>
+            <a:r>
+              <a:rPr lang="pt-PT" sz="3000" err="1">
+                <a:ea typeface="+mn-lt"/>
+                <a:cs typeface="+mn-lt"/>
+              </a:rPr>
+              <a:t>with</a:t>
+            </a:r>
+            <a:r>
+              <a:rPr lang="pt-PT" sz="3000" dirty="0">
+                <a:ea typeface="+mn-lt"/>
+                <a:cs typeface="+mn-lt"/>
+              </a:rPr>
+              <a:t> </a:t>
+            </a:r>
+            <a:r>
+              <a:rPr lang="pt-PT" sz="3000" err="1">
+                <a:ea typeface="+mn-lt"/>
+                <a:cs typeface="+mn-lt"/>
+              </a:rPr>
+              <a:t>great</a:t>
+            </a:r>
+            <a:r>
+              <a:rPr lang="pt-PT" sz="3000" dirty="0">
+                <a:ea typeface="+mn-lt"/>
+                <a:cs typeface="+mn-lt"/>
+              </a:rPr>
+              <a:t> performances </a:t>
+            </a:r>
+            <a:r>
+              <a:rPr lang="pt-PT" sz="3000" err="1">
+                <a:ea typeface="+mn-lt"/>
+                <a:cs typeface="+mn-lt"/>
+              </a:rPr>
+              <a:t>and</a:t>
+            </a:r>
+            <a:r>
+              <a:rPr lang="pt-PT" sz="3000" dirty="0">
+                <a:ea typeface="+mn-lt"/>
+                <a:cs typeface="+mn-lt"/>
+              </a:rPr>
+              <a:t> a </a:t>
+            </a:r>
+            <a:r>
+              <a:rPr lang="pt-PT" sz="3000" err="1">
+                <a:ea typeface="+mn-lt"/>
+                <a:cs typeface="+mn-lt"/>
+              </a:rPr>
+              <a:t>feel-good</a:t>
+            </a:r>
+            <a:r>
+              <a:rPr lang="pt-PT" sz="3000" dirty="0">
+                <a:ea typeface="+mn-lt"/>
+                <a:cs typeface="+mn-lt"/>
+              </a:rPr>
+              <a:t> </a:t>
+            </a:r>
+            <a:r>
+              <a:rPr lang="pt-PT" sz="3000" err="1">
+                <a:ea typeface="+mn-lt"/>
+                <a:cs typeface="+mn-lt"/>
+              </a:rPr>
+              <a:t>story</a:t>
+            </a:r>
+            <a:r>
+              <a:rPr lang="pt-PT" sz="3000" dirty="0">
+                <a:ea typeface="+mn-lt"/>
+                <a:cs typeface="+mn-lt"/>
+              </a:rPr>
+              <a:t>. </a:t>
+            </a:r>
+            <a:r>
+              <a:rPr lang="pt-PT" sz="3000" err="1">
+                <a:ea typeface="+mn-lt"/>
+                <a:cs typeface="+mn-lt"/>
+              </a:rPr>
+              <a:t>It</a:t>
+            </a:r>
+            <a:r>
+              <a:rPr lang="pt-PT" sz="3000" dirty="0">
+                <a:ea typeface="+mn-lt"/>
+                <a:cs typeface="+mn-lt"/>
+              </a:rPr>
+              <a:t> </a:t>
+            </a:r>
+            <a:r>
+              <a:rPr lang="pt-PT" sz="3000" err="1">
+                <a:ea typeface="+mn-lt"/>
+                <a:cs typeface="+mn-lt"/>
+              </a:rPr>
+              <a:t>leaves</a:t>
+            </a:r>
+            <a:r>
+              <a:rPr lang="pt-PT" sz="3000" dirty="0">
+                <a:ea typeface="+mn-lt"/>
+                <a:cs typeface="+mn-lt"/>
+              </a:rPr>
+              <a:t> </a:t>
+            </a:r>
+            <a:r>
+              <a:rPr lang="pt-PT" sz="3000" err="1">
+                <a:ea typeface="+mn-lt"/>
+                <a:cs typeface="+mn-lt"/>
+              </a:rPr>
+              <a:t>you</a:t>
+            </a:r>
+            <a:r>
+              <a:rPr lang="pt-PT" sz="3000" dirty="0">
+                <a:ea typeface="+mn-lt"/>
+                <a:cs typeface="+mn-lt"/>
+              </a:rPr>
+              <a:t> </a:t>
+            </a:r>
+            <a:r>
+              <a:rPr lang="pt-PT" sz="3000" err="1">
+                <a:ea typeface="+mn-lt"/>
+                <a:cs typeface="+mn-lt"/>
+              </a:rPr>
+              <a:t>smiling</a:t>
+            </a:r>
+            <a:r>
+              <a:rPr lang="pt-PT" sz="3000" dirty="0">
+                <a:ea typeface="+mn-lt"/>
+                <a:cs typeface="+mn-lt"/>
+              </a:rPr>
+              <a:t>!</a:t>
+            </a:r>
+          </a:p>
+          <a:p>
+            <a:pPr algn="just"/>
+            <a:endParaRPr lang="pt-PT" sz="3000" dirty="0">
+              <a:ea typeface="+mn-lt"/>
+              <a:cs typeface="+mn-lt"/>
+            </a:endParaRPr>
+          </a:p>
+          <a:p>
+            <a:pPr algn="just"/>
+            <a:r>
+              <a:rPr lang="pt-PT" sz="3000" dirty="0" err="1">
+                <a:ea typeface="+mn-lt"/>
+                <a:cs typeface="+mn-lt"/>
+              </a:rPr>
+              <a:t>Disappointing</a:t>
+            </a:r>
+            <a:r>
+              <a:rPr lang="pt-PT" sz="3000" dirty="0">
+                <a:ea typeface="+mn-lt"/>
+                <a:cs typeface="+mn-lt"/>
+              </a:rPr>
+              <a:t> </a:t>
+            </a:r>
+            <a:r>
+              <a:rPr lang="pt-PT" sz="3000" dirty="0" err="1">
+                <a:ea typeface="+mn-lt"/>
+                <a:cs typeface="+mn-lt"/>
+              </a:rPr>
+              <a:t>and</a:t>
+            </a:r>
+            <a:r>
+              <a:rPr lang="pt-PT" sz="3000" dirty="0">
+                <a:ea typeface="+mn-lt"/>
+                <a:cs typeface="+mn-lt"/>
+              </a:rPr>
+              <a:t> </a:t>
+            </a:r>
+            <a:r>
+              <a:rPr lang="pt-PT" sz="3000" dirty="0" err="1">
+                <a:ea typeface="+mn-lt"/>
+                <a:cs typeface="+mn-lt"/>
+              </a:rPr>
+              <a:t>dull</a:t>
+            </a:r>
+            <a:r>
+              <a:rPr lang="pt-PT" sz="3000" dirty="0">
+                <a:ea typeface="+mn-lt"/>
+                <a:cs typeface="+mn-lt"/>
+              </a:rPr>
+              <a:t>. </a:t>
+            </a:r>
+            <a:r>
+              <a:rPr lang="pt-PT" sz="3000" dirty="0" err="1">
+                <a:ea typeface="+mn-lt"/>
+                <a:cs typeface="+mn-lt"/>
+              </a:rPr>
+              <a:t>The</a:t>
+            </a:r>
+            <a:r>
+              <a:rPr lang="pt-PT" sz="3000" dirty="0">
+                <a:ea typeface="+mn-lt"/>
+                <a:cs typeface="+mn-lt"/>
+              </a:rPr>
+              <a:t> </a:t>
+            </a:r>
+            <a:r>
+              <a:rPr lang="pt-PT" sz="3000" dirty="0" err="1">
+                <a:ea typeface="+mn-lt"/>
+                <a:cs typeface="+mn-lt"/>
+              </a:rPr>
+              <a:t>plot</a:t>
+            </a:r>
+            <a:r>
+              <a:rPr lang="pt-PT" sz="3000" dirty="0">
+                <a:ea typeface="+mn-lt"/>
+                <a:cs typeface="+mn-lt"/>
+              </a:rPr>
+              <a:t> </a:t>
+            </a:r>
+            <a:r>
+              <a:rPr lang="pt-PT" sz="3000" dirty="0" err="1">
+                <a:ea typeface="+mn-lt"/>
+                <a:cs typeface="+mn-lt"/>
+              </a:rPr>
+              <a:t>was</a:t>
+            </a:r>
+            <a:r>
+              <a:rPr lang="pt-PT" sz="3000" dirty="0">
+                <a:ea typeface="+mn-lt"/>
+                <a:cs typeface="+mn-lt"/>
+              </a:rPr>
+              <a:t> </a:t>
+            </a:r>
+            <a:r>
+              <a:rPr lang="pt-PT" sz="3000" dirty="0" err="1">
+                <a:ea typeface="+mn-lt"/>
+                <a:cs typeface="+mn-lt"/>
+              </a:rPr>
+              <a:t>weak</a:t>
+            </a:r>
+            <a:r>
+              <a:rPr lang="pt-PT" sz="3000" dirty="0">
+                <a:ea typeface="+mn-lt"/>
+                <a:cs typeface="+mn-lt"/>
+              </a:rPr>
+              <a:t>, </a:t>
+            </a:r>
+            <a:r>
+              <a:rPr lang="pt-PT" sz="3000" dirty="0" err="1">
+                <a:ea typeface="+mn-lt"/>
+                <a:cs typeface="+mn-lt"/>
+              </a:rPr>
+              <a:t>and</a:t>
+            </a:r>
+            <a:r>
+              <a:rPr lang="pt-PT" sz="3000" dirty="0">
+                <a:ea typeface="+mn-lt"/>
+                <a:cs typeface="+mn-lt"/>
+              </a:rPr>
+              <a:t> </a:t>
+            </a:r>
+            <a:r>
+              <a:rPr lang="pt-PT" sz="3000" dirty="0" err="1">
+                <a:ea typeface="+mn-lt"/>
+                <a:cs typeface="+mn-lt"/>
+              </a:rPr>
+              <a:t>the</a:t>
+            </a:r>
+            <a:r>
+              <a:rPr lang="pt-PT" sz="3000" dirty="0">
+                <a:ea typeface="+mn-lt"/>
+                <a:cs typeface="+mn-lt"/>
+              </a:rPr>
+              <a:t> </a:t>
+            </a:r>
+            <a:r>
+              <a:rPr lang="pt-PT" sz="3000" dirty="0" err="1">
+                <a:ea typeface="+mn-lt"/>
+                <a:cs typeface="+mn-lt"/>
+              </a:rPr>
+              <a:t>characters</a:t>
+            </a:r>
+            <a:r>
+              <a:rPr lang="pt-PT" sz="3000" dirty="0">
+                <a:ea typeface="+mn-lt"/>
+                <a:cs typeface="+mn-lt"/>
+              </a:rPr>
+              <a:t> </a:t>
+            </a:r>
+            <a:r>
+              <a:rPr lang="pt-PT" sz="3000" dirty="0" err="1">
+                <a:ea typeface="+mn-lt"/>
+                <a:cs typeface="+mn-lt"/>
+              </a:rPr>
+              <a:t>were</a:t>
+            </a:r>
+            <a:r>
+              <a:rPr lang="pt-PT" sz="3000" dirty="0">
+                <a:ea typeface="+mn-lt"/>
+                <a:cs typeface="+mn-lt"/>
+              </a:rPr>
+              <a:t> </a:t>
+            </a:r>
+            <a:r>
+              <a:rPr lang="pt-PT" sz="3000" dirty="0" err="1">
+                <a:ea typeface="+mn-lt"/>
+                <a:cs typeface="+mn-lt"/>
+              </a:rPr>
+              <a:t>uninteresting</a:t>
+            </a:r>
+            <a:r>
+              <a:rPr lang="pt-PT" sz="3000" dirty="0">
+                <a:ea typeface="+mn-lt"/>
+                <a:cs typeface="+mn-lt"/>
+              </a:rPr>
+              <a:t>. </a:t>
+            </a:r>
+            <a:r>
+              <a:rPr lang="pt-PT" sz="3000" dirty="0" err="1">
+                <a:ea typeface="+mn-lt"/>
+                <a:cs typeface="+mn-lt"/>
+              </a:rPr>
+              <a:t>Not</a:t>
+            </a:r>
+            <a:r>
+              <a:rPr lang="pt-PT" sz="3000" dirty="0">
+                <a:ea typeface="+mn-lt"/>
+                <a:cs typeface="+mn-lt"/>
+              </a:rPr>
+              <a:t> </a:t>
+            </a:r>
+            <a:r>
+              <a:rPr lang="pt-PT" sz="3000" dirty="0" err="1">
+                <a:ea typeface="+mn-lt"/>
+                <a:cs typeface="+mn-lt"/>
+              </a:rPr>
+              <a:t>worth</a:t>
+            </a:r>
+            <a:r>
+              <a:rPr lang="pt-PT" sz="3000" dirty="0">
+                <a:ea typeface="+mn-lt"/>
+                <a:cs typeface="+mn-lt"/>
+              </a:rPr>
+              <a:t> </a:t>
+            </a:r>
+            <a:r>
+              <a:rPr lang="pt-PT" sz="3000" dirty="0" err="1">
+                <a:ea typeface="+mn-lt"/>
+                <a:cs typeface="+mn-lt"/>
+              </a:rPr>
+              <a:t>the</a:t>
+            </a:r>
+            <a:r>
+              <a:rPr lang="pt-PT" sz="3000" dirty="0">
+                <a:ea typeface="+mn-lt"/>
+                <a:cs typeface="+mn-lt"/>
+              </a:rPr>
+              <a:t> </a:t>
+            </a:r>
+            <a:r>
+              <a:rPr lang="pt-PT" sz="3000" dirty="0" err="1">
+                <a:ea typeface="+mn-lt"/>
+                <a:cs typeface="+mn-lt"/>
+              </a:rPr>
+              <a:t>watch</a:t>
+            </a:r>
+            <a:r>
+              <a:rPr lang="pt-PT" sz="3000" dirty="0">
+                <a:ea typeface="+mn-lt"/>
+                <a:cs typeface="+mn-lt"/>
+              </a:rPr>
+              <a:t>.</a:t>
+            </a:r>
+          </a:p>
+          <a:p>
+            <a:pPr algn="just"/>
+            <a:endParaRPr lang="pt-PT" sz="3000" dirty="0">
+              <a:ea typeface="+mn-lt"/>
+              <a:cs typeface="+mn-lt"/>
+            </a:endParaRPr>
+          </a:p>
+          <a:p>
+            <a:pPr algn="just"/>
+            <a:r>
+              <a:rPr lang="pt-PT" sz="3000" dirty="0">
+                <a:ea typeface="+mn-lt"/>
+                <a:cs typeface="+mn-lt"/>
+              </a:rPr>
+              <a:t>Oh, </a:t>
+            </a:r>
+            <a:r>
+              <a:rPr lang="pt-PT" sz="3000" dirty="0" err="1">
+                <a:ea typeface="+mn-lt"/>
+                <a:cs typeface="+mn-lt"/>
+              </a:rPr>
+              <a:t>what</a:t>
+            </a:r>
+            <a:r>
+              <a:rPr lang="pt-PT" sz="3000" dirty="0">
+                <a:ea typeface="+mn-lt"/>
+                <a:cs typeface="+mn-lt"/>
+              </a:rPr>
+              <a:t> a </a:t>
+            </a:r>
+            <a:r>
+              <a:rPr lang="pt-PT" sz="3000" dirty="0" err="1">
+                <a:ea typeface="+mn-lt"/>
+                <a:cs typeface="+mn-lt"/>
+              </a:rPr>
+              <a:t>masterpiece</a:t>
+            </a:r>
+            <a:r>
+              <a:rPr lang="pt-PT" sz="3000" dirty="0">
+                <a:ea typeface="+mn-lt"/>
+                <a:cs typeface="+mn-lt"/>
+              </a:rPr>
+              <a:t>! </a:t>
+            </a:r>
+            <a:r>
+              <a:rPr lang="pt-PT" sz="3000" dirty="0" err="1">
+                <a:ea typeface="+mn-lt"/>
+                <a:cs typeface="+mn-lt"/>
+              </a:rPr>
+              <a:t>If</a:t>
+            </a:r>
+            <a:r>
+              <a:rPr lang="pt-PT" sz="3000" dirty="0">
+                <a:ea typeface="+mn-lt"/>
+                <a:cs typeface="+mn-lt"/>
+              </a:rPr>
+              <a:t> </a:t>
+            </a:r>
+            <a:r>
+              <a:rPr lang="pt-PT" sz="3000" dirty="0" err="1">
+                <a:ea typeface="+mn-lt"/>
+                <a:cs typeface="+mn-lt"/>
+              </a:rPr>
+              <a:t>you</a:t>
+            </a:r>
+            <a:r>
+              <a:rPr lang="pt-PT" sz="3000" dirty="0">
+                <a:ea typeface="+mn-lt"/>
+                <a:cs typeface="+mn-lt"/>
+              </a:rPr>
+              <a:t> </a:t>
+            </a:r>
+            <a:r>
+              <a:rPr lang="pt-PT" sz="3000" dirty="0" err="1">
+                <a:ea typeface="+mn-lt"/>
+                <a:cs typeface="+mn-lt"/>
+              </a:rPr>
+              <a:t>enjoy</a:t>
+            </a:r>
+            <a:r>
+              <a:rPr lang="pt-PT" sz="3000" dirty="0">
+                <a:ea typeface="+mn-lt"/>
+                <a:cs typeface="+mn-lt"/>
+              </a:rPr>
+              <a:t> </a:t>
+            </a:r>
+            <a:r>
+              <a:rPr lang="pt-PT" sz="3000" dirty="0" err="1">
+                <a:ea typeface="+mn-lt"/>
+                <a:cs typeface="+mn-lt"/>
+              </a:rPr>
+              <a:t>endless</a:t>
+            </a:r>
+            <a:r>
+              <a:rPr lang="pt-PT" sz="3000" dirty="0">
+                <a:ea typeface="+mn-lt"/>
+                <a:cs typeface="+mn-lt"/>
+              </a:rPr>
+              <a:t> clichés </a:t>
+            </a:r>
+            <a:r>
+              <a:rPr lang="pt-PT" sz="3000" dirty="0" err="1">
+                <a:ea typeface="+mn-lt"/>
+                <a:cs typeface="+mn-lt"/>
+              </a:rPr>
+              <a:t>and</a:t>
+            </a:r>
+            <a:r>
+              <a:rPr lang="pt-PT" sz="3000" dirty="0">
+                <a:ea typeface="+mn-lt"/>
+                <a:cs typeface="+mn-lt"/>
+              </a:rPr>
+              <a:t> </a:t>
+            </a:r>
+            <a:r>
+              <a:rPr lang="pt-PT" sz="3000" dirty="0" err="1">
+                <a:ea typeface="+mn-lt"/>
+                <a:cs typeface="+mn-lt"/>
+              </a:rPr>
+              <a:t>predictable</a:t>
+            </a:r>
+            <a:r>
+              <a:rPr lang="pt-PT" sz="3000" dirty="0">
+                <a:ea typeface="+mn-lt"/>
+                <a:cs typeface="+mn-lt"/>
+              </a:rPr>
+              <a:t> </a:t>
+            </a:r>
+            <a:r>
+              <a:rPr lang="pt-PT" sz="3000" dirty="0" err="1">
+                <a:ea typeface="+mn-lt"/>
+                <a:cs typeface="+mn-lt"/>
+              </a:rPr>
+              <a:t>plots</a:t>
+            </a:r>
+            <a:r>
+              <a:rPr lang="pt-PT" sz="3000" dirty="0">
+                <a:ea typeface="+mn-lt"/>
+                <a:cs typeface="+mn-lt"/>
+              </a:rPr>
+              <a:t>, </a:t>
+            </a:r>
+            <a:r>
+              <a:rPr lang="pt-PT" sz="3000" dirty="0" err="1">
+                <a:ea typeface="+mn-lt"/>
+                <a:cs typeface="+mn-lt"/>
+              </a:rPr>
+              <a:t>this</a:t>
+            </a:r>
+            <a:r>
+              <a:rPr lang="pt-PT" sz="3000" dirty="0">
+                <a:ea typeface="+mn-lt"/>
+                <a:cs typeface="+mn-lt"/>
+              </a:rPr>
+              <a:t> </a:t>
+            </a:r>
+            <a:r>
+              <a:rPr lang="pt-PT" sz="3000" dirty="0" err="1">
+                <a:ea typeface="+mn-lt"/>
+                <a:cs typeface="+mn-lt"/>
+              </a:rPr>
+              <a:t>film</a:t>
+            </a:r>
+            <a:r>
+              <a:rPr lang="pt-PT" sz="3000" dirty="0">
+                <a:ea typeface="+mn-lt"/>
+                <a:cs typeface="+mn-lt"/>
+              </a:rPr>
+              <a:t> </a:t>
+            </a:r>
+            <a:r>
+              <a:rPr lang="pt-PT" sz="3000" dirty="0" err="1">
+                <a:ea typeface="+mn-lt"/>
+                <a:cs typeface="+mn-lt"/>
+              </a:rPr>
+              <a:t>is</a:t>
+            </a:r>
+            <a:r>
+              <a:rPr lang="pt-PT" sz="3000" dirty="0">
+                <a:ea typeface="+mn-lt"/>
+                <a:cs typeface="+mn-lt"/>
+              </a:rPr>
+              <a:t> a </a:t>
+            </a:r>
+            <a:r>
+              <a:rPr lang="pt-PT" sz="3000" dirty="0" err="1">
+                <a:ea typeface="+mn-lt"/>
+                <a:cs typeface="+mn-lt"/>
+              </a:rPr>
+              <a:t>true</a:t>
+            </a:r>
+            <a:r>
+              <a:rPr lang="pt-PT" sz="3000" dirty="0">
+                <a:ea typeface="+mn-lt"/>
+                <a:cs typeface="+mn-lt"/>
+              </a:rPr>
+              <a:t> </a:t>
+            </a:r>
+            <a:r>
+              <a:rPr lang="pt-PT" sz="3000" dirty="0" err="1">
+                <a:ea typeface="+mn-lt"/>
+                <a:cs typeface="+mn-lt"/>
+              </a:rPr>
+              <a:t>gem</a:t>
+            </a:r>
+            <a:r>
+              <a:rPr lang="pt-PT" sz="3000" dirty="0">
+                <a:ea typeface="+mn-lt"/>
+                <a:cs typeface="+mn-lt"/>
+              </a:rPr>
+              <a:t>. </a:t>
+            </a:r>
+            <a:r>
+              <a:rPr lang="pt-PT" sz="3000" dirty="0" err="1">
+                <a:ea typeface="+mn-lt"/>
+                <a:cs typeface="+mn-lt"/>
+              </a:rPr>
+              <a:t>You'll</a:t>
+            </a:r>
+            <a:r>
+              <a:rPr lang="pt-PT" sz="3000" dirty="0">
+                <a:ea typeface="+mn-lt"/>
+                <a:cs typeface="+mn-lt"/>
+              </a:rPr>
+              <a:t> </a:t>
+            </a:r>
+            <a:r>
+              <a:rPr lang="pt-PT" sz="3000" dirty="0" err="1">
+                <a:ea typeface="+mn-lt"/>
+                <a:cs typeface="+mn-lt"/>
+              </a:rPr>
+              <a:t>be</a:t>
+            </a:r>
+            <a:r>
+              <a:rPr lang="pt-PT" sz="3000" dirty="0">
+                <a:ea typeface="+mn-lt"/>
+                <a:cs typeface="+mn-lt"/>
+              </a:rPr>
+              <a:t> </a:t>
+            </a:r>
+            <a:r>
+              <a:rPr lang="pt-PT" sz="3000" dirty="0" err="1">
+                <a:ea typeface="+mn-lt"/>
+                <a:cs typeface="+mn-lt"/>
+              </a:rPr>
+              <a:t>on</a:t>
+            </a:r>
+            <a:r>
+              <a:rPr lang="pt-PT" sz="3000" dirty="0">
+                <a:ea typeface="+mn-lt"/>
+                <a:cs typeface="+mn-lt"/>
+              </a:rPr>
+              <a:t> </a:t>
+            </a:r>
+            <a:r>
+              <a:rPr lang="pt-PT" sz="3000" dirty="0" err="1">
+                <a:ea typeface="+mn-lt"/>
+                <a:cs typeface="+mn-lt"/>
+              </a:rPr>
+              <a:t>the</a:t>
+            </a:r>
+            <a:r>
+              <a:rPr lang="pt-PT" sz="3000" dirty="0">
+                <a:ea typeface="+mn-lt"/>
+                <a:cs typeface="+mn-lt"/>
+              </a:rPr>
+              <a:t> </a:t>
+            </a:r>
+            <a:r>
+              <a:rPr lang="pt-PT" sz="3000" dirty="0" err="1">
+                <a:ea typeface="+mn-lt"/>
+                <a:cs typeface="+mn-lt"/>
+              </a:rPr>
+              <a:t>edge</a:t>
+            </a:r>
+            <a:r>
+              <a:rPr lang="pt-PT" sz="3000" dirty="0">
+                <a:ea typeface="+mn-lt"/>
+                <a:cs typeface="+mn-lt"/>
+              </a:rPr>
+              <a:t> </a:t>
+            </a:r>
+            <a:r>
+              <a:rPr lang="pt-PT" sz="3000" dirty="0" err="1">
+                <a:ea typeface="+mn-lt"/>
+                <a:cs typeface="+mn-lt"/>
+              </a:rPr>
+              <a:t>of</a:t>
+            </a:r>
+            <a:r>
+              <a:rPr lang="pt-PT" sz="3000" dirty="0">
+                <a:ea typeface="+mn-lt"/>
+                <a:cs typeface="+mn-lt"/>
+              </a:rPr>
+              <a:t> </a:t>
+            </a:r>
+            <a:r>
+              <a:rPr lang="pt-PT" sz="3000" dirty="0" err="1">
+                <a:ea typeface="+mn-lt"/>
+                <a:cs typeface="+mn-lt"/>
+              </a:rPr>
+              <a:t>your</a:t>
+            </a:r>
+            <a:r>
+              <a:rPr lang="pt-PT" sz="3000" dirty="0">
+                <a:ea typeface="+mn-lt"/>
+                <a:cs typeface="+mn-lt"/>
+              </a:rPr>
+              <a:t> </a:t>
+            </a:r>
+            <a:r>
+              <a:rPr lang="pt-PT" sz="3000" dirty="0" err="1">
+                <a:ea typeface="+mn-lt"/>
+                <a:cs typeface="+mn-lt"/>
+              </a:rPr>
+              <a:t>seat</a:t>
+            </a:r>
+            <a:r>
+              <a:rPr lang="pt-PT" sz="3000" dirty="0">
+                <a:ea typeface="+mn-lt"/>
+                <a:cs typeface="+mn-lt"/>
+              </a:rPr>
+              <a:t>—</a:t>
+            </a:r>
+            <a:r>
+              <a:rPr lang="pt-PT" sz="3000" dirty="0" err="1">
+                <a:ea typeface="+mn-lt"/>
+                <a:cs typeface="+mn-lt"/>
+              </a:rPr>
+              <a:t>wondering</a:t>
+            </a:r>
+            <a:r>
+              <a:rPr lang="pt-PT" sz="3000" dirty="0">
+                <a:ea typeface="+mn-lt"/>
+                <a:cs typeface="+mn-lt"/>
+              </a:rPr>
+              <a:t> </a:t>
+            </a:r>
+            <a:r>
+              <a:rPr lang="pt-PT" sz="3000" dirty="0" err="1">
+                <a:ea typeface="+mn-lt"/>
+                <a:cs typeface="+mn-lt"/>
+              </a:rPr>
+              <a:t>why</a:t>
+            </a:r>
+            <a:r>
+              <a:rPr lang="pt-PT" sz="3000" dirty="0">
+                <a:ea typeface="+mn-lt"/>
+                <a:cs typeface="+mn-lt"/>
+              </a:rPr>
+              <a:t> </a:t>
+            </a:r>
+            <a:r>
+              <a:rPr lang="pt-PT" sz="3000" dirty="0" err="1">
+                <a:ea typeface="+mn-lt"/>
+                <a:cs typeface="+mn-lt"/>
+              </a:rPr>
+              <a:t>you</a:t>
+            </a:r>
+            <a:r>
+              <a:rPr lang="pt-PT" sz="3000" dirty="0">
+                <a:ea typeface="+mn-lt"/>
+                <a:cs typeface="+mn-lt"/>
+              </a:rPr>
+              <a:t> </a:t>
+            </a:r>
+            <a:r>
+              <a:rPr lang="pt-PT" sz="3000" dirty="0" err="1">
+                <a:ea typeface="+mn-lt"/>
+                <a:cs typeface="+mn-lt"/>
+              </a:rPr>
+              <a:t>bothered</a:t>
+            </a:r>
+            <a:r>
+              <a:rPr lang="pt-PT" sz="3000" dirty="0">
+                <a:ea typeface="+mn-lt"/>
+                <a:cs typeface="+mn-lt"/>
+              </a:rPr>
+              <a:t>.</a:t>
+            </a:r>
+          </a:p>
+        </p:txBody>
+      </p:sp>
       <p:pic>
         <p:nvPicPr>
-          <p:cNvPr id="3" name="Imagem 2" descr="Uma imagem com texto, captura de ecrã, Tipo de letra&#10;&#10;Descrição gerada automaticamente">
+          <p:cNvPr id="8" name="Imagem 7" descr="Uma imagem com Gráficos, clipart, design gráfico, criatividade&#10;&#10;Descrição gerada automaticamente">
             <a:extLst>
               <a:ext uri="{FF2B5EF4-FFF2-40B4-BE49-F238E27FC236}">
-                <a16:creationId xmlns:a16="http://schemas.microsoft.com/office/drawing/2014/main" id="{A48B5C96-2521-8404-079E-E7873796B495}"/>
+                <a16:creationId xmlns:a16="http://schemas.microsoft.com/office/drawing/2014/main" id="{10259421-A1B9-DBD7-7724-757B2A463E95}"/>
               </a:ext>
             </a:extLst>
           </p:cNvPr>
@@ -15599,8 +15645,8 @@
         </p:blipFill>
         <p:spPr>
           <a:xfrm>
-            <a:off x="964029" y="1062288"/>
-            <a:ext cx="10263940" cy="5535530"/>
+            <a:off x="7577889" y="208547"/>
+            <a:ext cx="846222" cy="916406"/>
           </a:xfrm>
           <a:prstGeom prst="rect">
             <a:avLst/>
@@ -15610,7 +15656,7 @@
     </p:spTree>
     <p:extLst>
       <p:ext uri="{BB962C8B-B14F-4D97-AF65-F5344CB8AC3E}">
-        <p14:creationId xmlns:p14="http://schemas.microsoft.com/office/powerpoint/2010/main" val="4286759180"/>
+        <p14:creationId xmlns:p14="http://schemas.microsoft.com/office/powerpoint/2010/main" val="608542437"/>
       </p:ext>
     </p:extLst>
   </p:cSld>
@@ -15673,7 +15719,7 @@
                 <a:latin typeface="Cambria"/>
                 <a:ea typeface="Cambria"/>
               </a:rPr>
-              <a:t>Twitter </a:t>
+              <a:t>Google </a:t>
             </a:r>
             <a:r>
               <a:rPr lang="pt-PT" sz="3600" b="1" dirty="0" err="1">
@@ -15683,7 +15729,7 @@
                 <a:latin typeface="Cambria"/>
                 <a:ea typeface="Cambria"/>
               </a:rPr>
-              <a:t>Sentiment</a:t>
+              <a:t>Product</a:t>
             </a:r>
             <a:r>
               <a:rPr lang="pt-PT" sz="3600" b="1" dirty="0">
@@ -15703,55 +15749,8 @@
                 <a:latin typeface="Cambria"/>
                 <a:ea typeface="Cambria"/>
               </a:rPr>
-              <a:t>vs</a:t>
-            </a:r>
-            <a:r>
-              <a:rPr lang="pt-PT" sz="3600" b="1" dirty="0">
-                <a:solidFill>
-                  <a:srgbClr val="092953"/>
-                </a:solidFill>
-                <a:latin typeface="Cambria"/>
-                <a:ea typeface="Cambria"/>
-              </a:rPr>
-              <a:t> </a:t>
-            </a:r>
-            <a:r>
-              <a:rPr lang="pt-PT" sz="3600" b="1" dirty="0" err="1">
-                <a:solidFill>
-                  <a:srgbClr val="092953"/>
-                </a:solidFill>
-                <a:latin typeface="Cambria"/>
-                <a:ea typeface="Cambria"/>
-              </a:rPr>
-              <a:t>Consumer</a:t>
-            </a:r>
-            <a:r>
-              <a:rPr lang="pt-PT" sz="3600" b="1" dirty="0">
-                <a:solidFill>
-                  <a:srgbClr val="092953"/>
-                </a:solidFill>
-                <a:latin typeface="Cambria"/>
-                <a:ea typeface="Cambria"/>
-              </a:rPr>
-              <a:t> </a:t>
-            </a:r>
-            <a:r>
-              <a:rPr lang="pt-PT" sz="3600" b="1" dirty="0" err="1">
-                <a:solidFill>
-                  <a:srgbClr val="092953"/>
-                </a:solidFill>
-                <a:latin typeface="Cambria"/>
-                <a:ea typeface="Cambria"/>
-              </a:rPr>
-              <a:t>Confidence</a:t>
-            </a:r>
-            <a:endParaRPr lang="pt-PT" sz="3600" b="1" dirty="0">
-              <a:solidFill>
-                <a:srgbClr val="092953"/>
-              </a:solidFill>
-              <a:latin typeface="Cambria"/>
-              <a:ea typeface="Cambria"/>
-            </a:endParaRPr>
+              <a:t>Search</a:t>
+            </a:r>
           </a:p>
         </p:txBody>
       </p:sp>
@@ -16060,10 +16059,10 @@
       </p:sp>
       <p:pic>
         <p:nvPicPr>
-          <p:cNvPr id="9" name="Imagem 8" descr="Uma imagem com texto, captura de ecrã, Tipo de letra, file&#10;&#10;Descrição gerada automaticamente">
+          <p:cNvPr id="3" name="Imagem 2" descr="Uma imagem com texto, captura de ecrã, Tipo de letra&#10;&#10;Descrição gerada automaticamente">
             <a:extLst>
               <a:ext uri="{FF2B5EF4-FFF2-40B4-BE49-F238E27FC236}">
-                <a16:creationId xmlns:a16="http://schemas.microsoft.com/office/drawing/2014/main" id="{0207EE48-7065-8A6E-5926-6E2A39C8C4DD}"/>
+                <a16:creationId xmlns:a16="http://schemas.microsoft.com/office/drawing/2014/main" id="{A48B5C96-2521-8404-079E-E7873796B495}"/>
               </a:ext>
             </a:extLst>
           </p:cNvPr>
@@ -16074,13 +16073,14 @@
         </p:nvPicPr>
         <p:blipFill>
           <a:blip r:embed="rId3"/>
-          <a:srcRect l="10420" t="34063" r="12249" b="13382"/>
-          <a:stretch/>
+          <a:stretch>
+            <a:fillRect/>
+          </a:stretch>
         </p:blipFill>
         <p:spPr>
           <a:xfrm>
-            <a:off x="896353" y="1070811"/>
-            <a:ext cx="10388819" cy="5300766"/>
+            <a:off x="964029" y="1062288"/>
+            <a:ext cx="10263940" cy="5535530"/>
           </a:xfrm>
           <a:prstGeom prst="rect">
             <a:avLst/>
@@ -16090,7 +16090,7 @@
     </p:spTree>
     <p:extLst>
       <p:ext uri="{BB962C8B-B14F-4D97-AF65-F5344CB8AC3E}">
-        <p14:creationId xmlns:p14="http://schemas.microsoft.com/office/powerpoint/2010/main" val="3143410818"/>
+        <p14:creationId xmlns:p14="http://schemas.microsoft.com/office/powerpoint/2010/main" val="4286759180"/>
       </p:ext>
     </p:extLst>
   </p:cSld>
